--- a/Documentacao/Fluxo de caixa.pptx
+++ b/Documentacao/Fluxo de caixa.pptx
@@ -213,7 +213,7 @@
             <a:pPr rtl="0"/>
             <a:fld id="{7FC1664B-5041-443B-91C6-A45B41A6020A}" type="datetime1">
               <a:rPr lang="pt-BR" smtClean="0"/>
-              <a:t>16/03/2021</a:t>
+              <a:t>19/03/2021</a:t>
             </a:fld>
             <a:endParaRPr lang="pt-BR" dirty="0"/>
           </a:p>
@@ -383,7 +383,7 @@
             <a:pPr rtl="0"/>
             <a:fld id="{F842E89D-3709-4A2B-9A3A-76E4CE2900D4}" type="datetime1">
               <a:rPr lang="pt-BR" noProof="0" smtClean="0"/>
-              <a:t>16/03/2021</a:t>
+              <a:t>19/03/2021</a:t>
             </a:fld>
             <a:endParaRPr lang="pt-BR" noProof="0" dirty="0"/>
           </a:p>
@@ -1698,7 +1698,7 @@
             <a:pPr rtl="0"/>
             <a:fld id="{53458F51-A324-4E75-90AA-F203FA9355A0}" type="datetime1">
               <a:rPr lang="pt-BR" noProof="0" smtClean="0"/>
-              <a:t>16/03/2021</a:t>
+              <a:t>19/03/2021</a:t>
             </a:fld>
             <a:endParaRPr lang="pt-BR" noProof="0" dirty="0"/>
           </a:p>
@@ -1822,7 +1822,7 @@
             <a:pPr rtl="0"/>
             <a:fld id="{4C35D16D-7D9B-419D-82E3-F0B9FF9A3A9D}" type="datetime1">
               <a:rPr lang="pt-BR" noProof="0" smtClean="0"/>
-              <a:t>16/03/2021</a:t>
+              <a:t>19/03/2021</a:t>
             </a:fld>
             <a:endParaRPr lang="pt-BR" noProof="0" dirty="0"/>
           </a:p>
@@ -2215,7 +2215,7 @@
             <a:pPr rtl="0"/>
             <a:fld id="{844F27DD-582C-4796-B2D9-46C6D21E31B6}" type="datetime1">
               <a:rPr lang="pt-BR" noProof="0" smtClean="0"/>
-              <a:t>16/03/2021</a:t>
+              <a:t>19/03/2021</a:t>
             </a:fld>
             <a:endParaRPr lang="pt-BR" noProof="0" dirty="0"/>
           </a:p>
@@ -3059,7 +3059,7 @@
             <a:pPr rtl="0"/>
             <a:fld id="{C61B7B32-8B9D-4D80-9F6E-0970D630EE88}" type="datetime1">
               <a:rPr lang="pt-BR" noProof="0" smtClean="0"/>
-              <a:t>16/03/2021</a:t>
+              <a:t>19/03/2021</a:t>
             </a:fld>
             <a:endParaRPr lang="pt-BR" noProof="0" dirty="0"/>
           </a:p>
@@ -3397,7 +3397,7 @@
             <a:pPr rtl="0"/>
             <a:fld id="{FA95F483-0B9E-4DD8-9124-DC336470C76F}" type="datetime1">
               <a:rPr lang="pt-BR" noProof="0" smtClean="0"/>
-              <a:t>16/03/2021</a:t>
+              <a:t>19/03/2021</a:t>
             </a:fld>
             <a:endParaRPr lang="pt-BR" noProof="0" dirty="0"/>
           </a:p>
@@ -3709,7 +3709,7 @@
             <a:pPr rtl="0"/>
             <a:fld id="{E27684DD-BD0D-4412-A976-BC0D80C04437}" type="datetime1">
               <a:rPr lang="pt-BR" noProof="0" smtClean="0"/>
-              <a:t>16/03/2021</a:t>
+              <a:t>19/03/2021</a:t>
             </a:fld>
             <a:endParaRPr lang="pt-BR" noProof="0" dirty="0"/>
           </a:p>
@@ -4308,7 +4308,7 @@
             <a:pPr rtl="0"/>
             <a:fld id="{5D230792-9F8B-479F-B4EA-6C9554157814}" type="datetime1">
               <a:rPr lang="pt-BR" noProof="0" smtClean="0"/>
-              <a:t>16/03/2021</a:t>
+              <a:t>19/03/2021</a:t>
             </a:fld>
             <a:endParaRPr lang="pt-BR" noProof="0" dirty="0"/>
           </a:p>
@@ -4575,7 +4575,7 @@
             <a:pPr rtl="0"/>
             <a:fld id="{5368CB05-7649-41F3-8F7B-A06299C7FC72}" type="datetime1">
               <a:rPr lang="pt-BR" noProof="0" smtClean="0"/>
-              <a:t>16/03/2021</a:t>
+              <a:t>19/03/2021</a:t>
             </a:fld>
             <a:endParaRPr lang="pt-BR" noProof="0" dirty="0"/>
           </a:p>
@@ -4842,7 +4842,7 @@
             <a:pPr rtl="0"/>
             <a:fld id="{26F4223D-1125-49F4-849D-69C7360807E9}" type="datetime1">
               <a:rPr lang="pt-BR" noProof="0" smtClean="0"/>
-              <a:t>16/03/2021</a:t>
+              <a:t>19/03/2021</a:t>
             </a:fld>
             <a:endParaRPr lang="pt-BR" noProof="0" dirty="0"/>
           </a:p>
@@ -5366,7 +5366,7 @@
             <a:pPr rtl="0"/>
             <a:fld id="{6AD52135-AF53-4A9A-A35F-59933B32DBCF}" type="datetime1">
               <a:rPr lang="pt-BR" noProof="0" smtClean="0"/>
-              <a:t>16/03/2021</a:t>
+              <a:t>19/03/2021</a:t>
             </a:fld>
             <a:endParaRPr lang="pt-BR" noProof="0" dirty="0"/>
           </a:p>
@@ -5490,7 +5490,7 @@
             <a:pPr rtl="0"/>
             <a:fld id="{7F812BA4-192F-42D6-B515-396E862C1C8F}" type="datetime1">
               <a:rPr lang="pt-BR" noProof="0" smtClean="0"/>
-              <a:t>16/03/2021</a:t>
+              <a:t>19/03/2021</a:t>
             </a:fld>
             <a:endParaRPr lang="pt-BR" noProof="0" dirty="0"/>
           </a:p>
@@ -5928,7 +5928,7 @@
             <a:pPr rtl="0"/>
             <a:fld id="{A43CB41E-BD29-439B-BF78-A64CBF9A3F58}" type="datetime1">
               <a:rPr lang="pt-BR" noProof="0" smtClean="0"/>
-              <a:t>16/03/2021</a:t>
+              <a:t>19/03/2021</a:t>
             </a:fld>
             <a:endParaRPr lang="pt-BR" noProof="0" dirty="0"/>
           </a:p>
@@ -6475,7 +6475,7 @@
             <a:pPr rtl="0"/>
             <a:fld id="{B6625A12-B868-480C-9272-328493957447}" type="datetime1">
               <a:rPr lang="pt-BR" noProof="0" smtClean="0"/>
-              <a:t>16/03/2021</a:t>
+              <a:t>19/03/2021</a:t>
             </a:fld>
             <a:endParaRPr lang="pt-BR" noProof="0" dirty="0"/>
           </a:p>
@@ -7359,7 +7359,9 @@
         </p:nvSpPr>
         <p:spPr/>
         <p:txBody>
-          <a:bodyPr rtlCol="0"/>
+          <a:bodyPr rtlCol="0">
+            <a:normAutofit/>
+          </a:bodyPr>
           <a:lstStyle/>
           <a:p>
             <a:pPr algn="just" rtl="0"/>
@@ -7369,7 +7371,7 @@
             </a:r>
             <a:r>
               <a:rPr lang="pt-BR" dirty="0"/>
-              <a:t>: A ideia principio surgiu de uma necessidade pessoal de controlar as finanças pessoais. Os aplicativos de bancos não estavam atendendo mais, principalmente quando o lançamento era em espécie. Para não ter que fazer no Excel esse controle, surgiu a necessidade de ter um software que facilitasse a manipulação dos dados. </a:t>
+              <a:t>: A ideia a principio surgiu de uma necessidade pessoal de controlar as finanças pessoais. Os aplicativos de bancos não estavam atendendo mais, principalmente quando o lançamento era em espécie. Evitando o uso do Excel para esse controle, surgiu a necessidade de ter um software que facilitasse a manipulação dos dados. </a:t>
             </a:r>
           </a:p>
           <a:p>
@@ -7380,7 +7382,7 @@
             </a:r>
             <a:r>
               <a:rPr lang="pt-BR" dirty="0"/>
-              <a:t>: Em seguida uma breve apresentação para colegas e familiares sobre projeto e o que poderia estar melhorando.</a:t>
+              <a:t>: Em seguida uma breve apresentação para colegas e familiares sobre o projeto e como poderia estar melhorando.</a:t>
             </a:r>
           </a:p>
         </p:txBody>

--- a/Documentacao/Fluxo de caixa.pptx
+++ b/Documentacao/Fluxo de caixa.pptx
@@ -213,7 +213,7 @@
             <a:pPr rtl="0"/>
             <a:fld id="{7FC1664B-5041-443B-91C6-A45B41A6020A}" type="datetime1">
               <a:rPr lang="pt-BR" smtClean="0"/>
-              <a:t>19/03/2021</a:t>
+              <a:t>23/03/2021</a:t>
             </a:fld>
             <a:endParaRPr lang="pt-BR" dirty="0"/>
           </a:p>
@@ -383,7 +383,7 @@
             <a:pPr rtl="0"/>
             <a:fld id="{F842E89D-3709-4A2B-9A3A-76E4CE2900D4}" type="datetime1">
               <a:rPr lang="pt-BR" noProof="0" smtClean="0"/>
-              <a:t>19/03/2021</a:t>
+              <a:t>23/03/2021</a:t>
             </a:fld>
             <a:endParaRPr lang="pt-BR" noProof="0" dirty="0"/>
           </a:p>
@@ -1698,7 +1698,7 @@
             <a:pPr rtl="0"/>
             <a:fld id="{53458F51-A324-4E75-90AA-F203FA9355A0}" type="datetime1">
               <a:rPr lang="pt-BR" noProof="0" smtClean="0"/>
-              <a:t>19/03/2021</a:t>
+              <a:t>23/03/2021</a:t>
             </a:fld>
             <a:endParaRPr lang="pt-BR" noProof="0" dirty="0"/>
           </a:p>
@@ -1822,7 +1822,7 @@
             <a:pPr rtl="0"/>
             <a:fld id="{4C35D16D-7D9B-419D-82E3-F0B9FF9A3A9D}" type="datetime1">
               <a:rPr lang="pt-BR" noProof="0" smtClean="0"/>
-              <a:t>19/03/2021</a:t>
+              <a:t>23/03/2021</a:t>
             </a:fld>
             <a:endParaRPr lang="pt-BR" noProof="0" dirty="0"/>
           </a:p>
@@ -2215,7 +2215,7 @@
             <a:pPr rtl="0"/>
             <a:fld id="{844F27DD-582C-4796-B2D9-46C6D21E31B6}" type="datetime1">
               <a:rPr lang="pt-BR" noProof="0" smtClean="0"/>
-              <a:t>19/03/2021</a:t>
+              <a:t>23/03/2021</a:t>
             </a:fld>
             <a:endParaRPr lang="pt-BR" noProof="0" dirty="0"/>
           </a:p>
@@ -3059,7 +3059,7 @@
             <a:pPr rtl="0"/>
             <a:fld id="{C61B7B32-8B9D-4D80-9F6E-0970D630EE88}" type="datetime1">
               <a:rPr lang="pt-BR" noProof="0" smtClean="0"/>
-              <a:t>19/03/2021</a:t>
+              <a:t>23/03/2021</a:t>
             </a:fld>
             <a:endParaRPr lang="pt-BR" noProof="0" dirty="0"/>
           </a:p>
@@ -3397,7 +3397,7 @@
             <a:pPr rtl="0"/>
             <a:fld id="{FA95F483-0B9E-4DD8-9124-DC336470C76F}" type="datetime1">
               <a:rPr lang="pt-BR" noProof="0" smtClean="0"/>
-              <a:t>19/03/2021</a:t>
+              <a:t>23/03/2021</a:t>
             </a:fld>
             <a:endParaRPr lang="pt-BR" noProof="0" dirty="0"/>
           </a:p>
@@ -3709,7 +3709,7 @@
             <a:pPr rtl="0"/>
             <a:fld id="{E27684DD-BD0D-4412-A976-BC0D80C04437}" type="datetime1">
               <a:rPr lang="pt-BR" noProof="0" smtClean="0"/>
-              <a:t>19/03/2021</a:t>
+              <a:t>23/03/2021</a:t>
             </a:fld>
             <a:endParaRPr lang="pt-BR" noProof="0" dirty="0"/>
           </a:p>
@@ -4308,7 +4308,7 @@
             <a:pPr rtl="0"/>
             <a:fld id="{5D230792-9F8B-479F-B4EA-6C9554157814}" type="datetime1">
               <a:rPr lang="pt-BR" noProof="0" smtClean="0"/>
-              <a:t>19/03/2021</a:t>
+              <a:t>23/03/2021</a:t>
             </a:fld>
             <a:endParaRPr lang="pt-BR" noProof="0" dirty="0"/>
           </a:p>
@@ -4575,7 +4575,7 @@
             <a:pPr rtl="0"/>
             <a:fld id="{5368CB05-7649-41F3-8F7B-A06299C7FC72}" type="datetime1">
               <a:rPr lang="pt-BR" noProof="0" smtClean="0"/>
-              <a:t>19/03/2021</a:t>
+              <a:t>23/03/2021</a:t>
             </a:fld>
             <a:endParaRPr lang="pt-BR" noProof="0" dirty="0"/>
           </a:p>
@@ -4842,7 +4842,7 @@
             <a:pPr rtl="0"/>
             <a:fld id="{26F4223D-1125-49F4-849D-69C7360807E9}" type="datetime1">
               <a:rPr lang="pt-BR" noProof="0" smtClean="0"/>
-              <a:t>19/03/2021</a:t>
+              <a:t>23/03/2021</a:t>
             </a:fld>
             <a:endParaRPr lang="pt-BR" noProof="0" dirty="0"/>
           </a:p>
@@ -5366,7 +5366,7 @@
             <a:pPr rtl="0"/>
             <a:fld id="{6AD52135-AF53-4A9A-A35F-59933B32DBCF}" type="datetime1">
               <a:rPr lang="pt-BR" noProof="0" smtClean="0"/>
-              <a:t>19/03/2021</a:t>
+              <a:t>23/03/2021</a:t>
             </a:fld>
             <a:endParaRPr lang="pt-BR" noProof="0" dirty="0"/>
           </a:p>
@@ -5490,7 +5490,7 @@
             <a:pPr rtl="0"/>
             <a:fld id="{7F812BA4-192F-42D6-B515-396E862C1C8F}" type="datetime1">
               <a:rPr lang="pt-BR" noProof="0" smtClean="0"/>
-              <a:t>19/03/2021</a:t>
+              <a:t>23/03/2021</a:t>
             </a:fld>
             <a:endParaRPr lang="pt-BR" noProof="0" dirty="0"/>
           </a:p>
@@ -5928,7 +5928,7 @@
             <a:pPr rtl="0"/>
             <a:fld id="{A43CB41E-BD29-439B-BF78-A64CBF9A3F58}" type="datetime1">
               <a:rPr lang="pt-BR" noProof="0" smtClean="0"/>
-              <a:t>19/03/2021</a:t>
+              <a:t>23/03/2021</a:t>
             </a:fld>
             <a:endParaRPr lang="pt-BR" noProof="0" dirty="0"/>
           </a:p>
@@ -6475,7 +6475,7 @@
             <a:pPr rtl="0"/>
             <a:fld id="{B6625A12-B868-480C-9272-328493957447}" type="datetime1">
               <a:rPr lang="pt-BR" noProof="0" smtClean="0"/>
-              <a:t>19/03/2021</a:t>
+              <a:t>23/03/2021</a:t>
             </a:fld>
             <a:endParaRPr lang="pt-BR" noProof="0" dirty="0"/>
           </a:p>
@@ -7268,8 +7268,47 @@
                   <a:schemeClr val="tx1"/>
                 </a:solidFill>
               </a:rPr>
-              <a:t>Poder ter a liberdade de alterar, excluir e inserir quando necessário qualquer tipo de lançamento, não ter vínculo com bancos e disponibilizando  dados sensíveis como CPF, endereço… O mais importante é ter um sistema próprio, com a cara de cada usuário, poder personalizar categorias diversas, alterar cor de fundo, e buscar por despesas/receitas em qualquer período.</a:t>
-            </a:r>
+              <a:t>1- sistema próprio</a:t>
+            </a:r>
+          </a:p>
+          <a:p>
+            <a:pPr marL="0" indent="0" algn="just" rtl="0">
+              <a:buFont typeface="Calibri" panose="020F0502020204030204" pitchFamily="34" charset="0"/>
+              <a:buNone/>
+            </a:pPr>
+            <a:r>
+              <a:rPr lang="pt-BR" spc="200" dirty="0"/>
+              <a:t>2- liberdade com os dados</a:t>
+            </a:r>
+          </a:p>
+          <a:p>
+            <a:pPr marL="0" indent="0" algn="just" rtl="0">
+              <a:buFont typeface="Calibri" panose="020F0502020204030204" pitchFamily="34" charset="0"/>
+              <a:buNone/>
+            </a:pPr>
+            <a:r>
+              <a:rPr lang="pt-BR" spc="200" dirty="0">
+                <a:solidFill>
+                  <a:schemeClr val="tx1"/>
+                </a:solidFill>
+              </a:rPr>
+              <a:t>3- gratuito</a:t>
+            </a:r>
+          </a:p>
+          <a:p>
+            <a:pPr marL="0" indent="0" algn="just" rtl="0">
+              <a:buFont typeface="Calibri" panose="020F0502020204030204" pitchFamily="34" charset="0"/>
+              <a:buNone/>
+            </a:pPr>
+            <a:r>
+              <a:rPr lang="pt-BR" spc="200" dirty="0"/>
+              <a:t>4- sem vínculos com banco</a:t>
+            </a:r>
+            <a:endParaRPr lang="pt-BR" spc="200" dirty="0">
+              <a:solidFill>
+                <a:schemeClr val="tx1"/>
+              </a:solidFill>
+            </a:endParaRPr>
           </a:p>
         </p:txBody>
       </p:sp>
@@ -7371,18 +7410,64 @@
             </a:r>
             <a:r>
               <a:rPr lang="pt-BR" dirty="0"/>
-              <a:t>: A ideia a principio surgiu de uma necessidade pessoal de controlar as finanças pessoais. Os aplicativos de bancos não estavam atendendo mais, principalmente quando o lançamento era em espécie. Evitando o uso do Excel para esse controle, surgiu a necessidade de ter um software que facilitasse a manipulação dos dados. </a:t>
+              <a:t>: </a:t>
+            </a:r>
+          </a:p>
+          <a:p>
+            <a:pPr marL="285750" indent="-285750" algn="just" rtl="0">
+              <a:buFontTx/>
+              <a:buChar char="-"/>
+            </a:pPr>
+            <a:r>
+              <a:rPr lang="pt-BR" dirty="0"/>
+              <a:t>Necessidade pessoal</a:t>
+            </a:r>
+          </a:p>
+          <a:p>
+            <a:pPr marL="285750" indent="-285750" algn="just" rtl="0">
+              <a:buFontTx/>
+              <a:buChar char="-"/>
+            </a:pPr>
+            <a:r>
+              <a:rPr lang="pt-BR" dirty="0"/>
+              <a:t>Analise do fluxo</a:t>
             </a:r>
           </a:p>
           <a:p>
             <a:pPr algn="just" rtl="0"/>
             <a:r>
               <a:rPr lang="pt-BR" b="1" dirty="0"/>
-              <a:t>Entrevista aberta</a:t>
-            </a:r>
+              <a:t>Entrevista aberta:</a:t>
+            </a:r>
+          </a:p>
+          <a:p>
+            <a:pPr marL="285750" indent="-285750" algn="just" rtl="0">
+              <a:buFontTx/>
+              <a:buChar char="-"/>
+            </a:pPr>
             <a:r>
               <a:rPr lang="pt-BR" dirty="0"/>
-              <a:t>: Em seguida uma breve apresentação para colegas e familiares sobre o projeto e como poderia estar melhorando.</a:t>
+              <a:t>Acumulo de opiniões</a:t>
+            </a:r>
+          </a:p>
+          <a:p>
+            <a:pPr marL="285750" indent="-285750" algn="just" rtl="0">
+              <a:buFontTx/>
+              <a:buChar char="-"/>
+            </a:pPr>
+            <a:r>
+              <a:rPr lang="pt-BR" dirty="0"/>
+              <a:t>Apresentação da ferramenta</a:t>
+            </a:r>
+          </a:p>
+          <a:p>
+            <a:pPr marL="285750" indent="-285750" algn="just" rtl="0">
+              <a:buFontTx/>
+              <a:buChar char="-"/>
+            </a:pPr>
+            <a:r>
+              <a:rPr lang="pt-BR" dirty="0"/>
+              <a:t>Acréscimo de funcionalidades</a:t>
             </a:r>
           </a:p>
         </p:txBody>

--- a/Documentacao/Fluxo de caixa.pptx
+++ b/Documentacao/Fluxo de caixa.pptx
@@ -5,10 +5,10 @@
     <p:sldMasterId id="2147483685" r:id="rId1"/>
   </p:sldMasterIdLst>
   <p:notesMasterIdLst>
-    <p:notesMasterId r:id="rId11"/>
+    <p:notesMasterId r:id="rId13"/>
   </p:notesMasterIdLst>
   <p:handoutMasterIdLst>
-    <p:handoutMasterId r:id="rId12"/>
+    <p:handoutMasterId r:id="rId14"/>
   </p:handoutMasterIdLst>
   <p:sldIdLst>
     <p:sldId id="343" r:id="rId2"/>
@@ -17,15 +17,17 @@
     <p:sldId id="284" r:id="rId5"/>
     <p:sldId id="283" r:id="rId6"/>
     <p:sldId id="351" r:id="rId7"/>
-    <p:sldId id="285" r:id="rId8"/>
+    <p:sldId id="352" r:id="rId8"/>
     <p:sldId id="342" r:id="rId9"/>
-    <p:sldId id="341" r:id="rId10"/>
+    <p:sldId id="285" r:id="rId10"/>
+    <p:sldId id="341" r:id="rId11"/>
+    <p:sldId id="353" r:id="rId12"/>
   </p:sldIdLst>
   <p:sldSz cx="12192000" cy="6858000"/>
   <p:notesSz cx="6858000" cy="9144000"/>
   <p:defaultTextStyle>
     <a:defPPr rtl="0">
-      <a:defRPr lang="pt-br"/>
+      <a:defRPr lang="pt-BR"/>
     </a:defPPr>
     <a:lvl1pPr marL="0" algn="l" defTabSz="914400" rtl="0" eaLnBrk="1" latinLnBrk="0" hangingPunct="1">
       <a:defRPr sz="1800" kern="1200">
@@ -120,10 +122,10 @@
   </p:defaultTextStyle>
   <p:extLst>
     <p:ext uri="{EFAFB233-063F-42B5-8137-9DF3F51BA10A}">
-      <p15:sldGuideLst xmlns:p15="http://schemas.microsoft.com/office/powerpoint/2012/main"/>
+      <p15:sldGuideLst xmlns:p15="http://schemas.microsoft.com/office/powerpoint/2012/main" xmlns=""/>
     </p:ext>
     <p:ext uri="{2D200454-40CA-4A62-9FC3-DE9A4176ACB9}">
-      <p15:notesGuideLst xmlns:p15="http://schemas.microsoft.com/office/powerpoint/2012/main"/>
+      <p15:notesGuideLst xmlns:p15="http://schemas.microsoft.com/office/powerpoint/2012/main" xmlns=""/>
     </p:ext>
   </p:extLst>
 </p:presentation>
@@ -213,7 +215,7 @@
             <a:pPr rtl="0"/>
             <a:fld id="{7FC1664B-5041-443B-91C6-A45B41A6020A}" type="datetime1">
               <a:rPr lang="pt-BR" smtClean="0"/>
-              <a:t>23/03/2021</a:t>
+              <a:t>07/05/2021</a:t>
             </a:fld>
             <a:endParaRPr lang="pt-BR" dirty="0"/>
           </a:p>
@@ -383,7 +385,7 @@
             <a:pPr rtl="0"/>
             <a:fld id="{F842E89D-3709-4A2B-9A3A-76E4CE2900D4}" type="datetime1">
               <a:rPr lang="pt-BR" noProof="0" smtClean="0"/>
-              <a:t>23/03/2021</a:t>
+              <a:t>07/05/2021</a:t>
             </a:fld>
             <a:endParaRPr lang="pt-BR" noProof="0" dirty="0"/>
           </a:p>
@@ -740,6 +742,92 @@
 </p:notes>
 </file>
 
+<file path=ppt/notesSlides/notesSlide10.xml><?xml version="1.0" encoding="utf-8"?>
+<p:notes xmlns:a="http://schemas.openxmlformats.org/drawingml/2006/main" xmlns:r="http://schemas.openxmlformats.org/officeDocument/2006/relationships" xmlns:p="http://schemas.openxmlformats.org/presentationml/2006/main">
+  <p:cSld>
+    <p:spTree>
+      <p:nvGrpSpPr>
+        <p:cNvPr id="1" name=""/>
+        <p:cNvGrpSpPr/>
+        <p:nvPr/>
+      </p:nvGrpSpPr>
+      <p:grpSpPr>
+        <a:xfrm>
+          <a:off x="0" y="0"/>
+          <a:ext cx="0" cy="0"/>
+          <a:chOff x="0" y="0"/>
+          <a:chExt cx="0" cy="0"/>
+        </a:xfrm>
+      </p:grpSpPr>
+      <p:sp>
+        <p:nvSpPr>
+          <p:cNvPr id="2" name="Espaço reservado para a imagem do slide 1"/>
+          <p:cNvSpPr>
+            <a:spLocks noGrp="1" noRot="1" noChangeAspect="1"/>
+          </p:cNvSpPr>
+          <p:nvPr>
+            <p:ph type="sldImg"/>
+          </p:nvPr>
+        </p:nvSpPr>
+        <p:spPr/>
+      </p:sp>
+      <p:sp>
+        <p:nvSpPr>
+          <p:cNvPr id="3" name="Espaço reservado para anotações 2"/>
+          <p:cNvSpPr>
+            <a:spLocks noGrp="1"/>
+          </p:cNvSpPr>
+          <p:nvPr>
+            <p:ph type="body" idx="1"/>
+          </p:nvPr>
+        </p:nvSpPr>
+        <p:spPr/>
+        <p:txBody>
+          <a:bodyPr rtlCol="0"/>
+          <a:lstStyle/>
+          <a:p>
+            <a:pPr rtl="0"/>
+            <a:endParaRPr lang="pt-BR" dirty="0"/>
+          </a:p>
+        </p:txBody>
+      </p:sp>
+      <p:sp>
+        <p:nvSpPr>
+          <p:cNvPr id="4" name="Espaço reservado para o número do slide 3"/>
+          <p:cNvSpPr>
+            <a:spLocks noGrp="1"/>
+          </p:cNvSpPr>
+          <p:nvPr>
+            <p:ph type="sldNum" sz="quarter" idx="10"/>
+          </p:nvPr>
+        </p:nvSpPr>
+        <p:spPr/>
+        <p:txBody>
+          <a:bodyPr rtlCol="0"/>
+          <a:lstStyle/>
+          <a:p>
+            <a:pPr rtl="0"/>
+            <a:fld id="{F5EB433F-E5C6-4E8D-82E5-3D359E2C0E58}" type="slidenum">
+              <a:rPr lang="pt-BR" smtClean="0"/>
+              <a:t>10</a:t>
+            </a:fld>
+            <a:endParaRPr lang="pt-BR" dirty="0"/>
+          </a:p>
+        </p:txBody>
+      </p:sp>
+    </p:spTree>
+    <p:extLst>
+      <p:ext uri="{BB962C8B-B14F-4D97-AF65-F5344CB8AC3E}">
+        <p14:creationId xmlns:p14="http://schemas.microsoft.com/office/powerpoint/2010/main" val="2956748390"/>
+      </p:ext>
+    </p:extLst>
+  </p:cSld>
+  <p:clrMapOvr>
+    <a:masterClrMapping/>
+  </p:clrMapOvr>
+</p:notes>
+</file>
+
 <file path=ppt/notesSlides/notesSlide2.xml><?xml version="1.0" encoding="utf-8"?>
 <p:notes xmlns:a="http://schemas.openxmlformats.org/drawingml/2006/main" xmlns:r="http://schemas.openxmlformats.org/officeDocument/2006/relationships" xmlns:p="http://schemas.openxmlformats.org/presentationml/2006/main">
   <p:cSld>
@@ -1221,7 +1309,7 @@
       </p:sp>
       <p:sp>
         <p:nvSpPr>
-          <p:cNvPr id="4" name="Espaço reservado para o número do slide 3"/>
+          <p:cNvPr id="4" name="Espaço Reservado para o Número do Slide 3"/>
           <p:cNvSpPr>
             <a:spLocks noGrp="1"/>
           </p:cNvSpPr>
@@ -1246,7 +1334,7 @@
     </p:spTree>
     <p:extLst>
       <p:ext uri="{BB962C8B-B14F-4D97-AF65-F5344CB8AC3E}">
-        <p14:creationId xmlns:p14="http://schemas.microsoft.com/office/powerpoint/2010/main" val="1148711386"/>
+        <p14:creationId xmlns:p14="http://schemas.microsoft.com/office/powerpoint/2010/main" val="1976732247"/>
       </p:ext>
     </p:extLst>
   </p:cSld>
@@ -1418,7 +1506,7 @@
     </p:spTree>
     <p:extLst>
       <p:ext uri="{BB962C8B-B14F-4D97-AF65-F5344CB8AC3E}">
-        <p14:creationId xmlns:p14="http://schemas.microsoft.com/office/powerpoint/2010/main" val="2956748390"/>
+        <p14:creationId xmlns:p14="http://schemas.microsoft.com/office/powerpoint/2010/main" val="1148711386"/>
       </p:ext>
     </p:extLst>
   </p:cSld>
@@ -1458,7 +1546,7 @@
           <p:cNvPr id="12" name="Retângulo">
             <a:extLst>
               <a:ext uri="{FF2B5EF4-FFF2-40B4-BE49-F238E27FC236}">
-                <a16:creationId xmlns:a16="http://schemas.microsoft.com/office/drawing/2014/main" id="{F9512BDE-EEA0-404B-8D45-8AA93D61DABC}"/>
+                <a16:creationId xmlns:a16="http://schemas.microsoft.com/office/drawing/2014/main" xmlns="" id="{F9512BDE-EEA0-404B-8D45-8AA93D61DABC}"/>
               </a:ext>
             </a:extLst>
           </p:cNvPr>
@@ -1504,7 +1592,7 @@
           <p:cNvPr id="11" name="Retângulo">
             <a:extLst>
               <a:ext uri="{FF2B5EF4-FFF2-40B4-BE49-F238E27FC236}">
-                <a16:creationId xmlns:a16="http://schemas.microsoft.com/office/drawing/2014/main" id="{E1223535-0F2F-6340-80B9-0B5D9364A13F}"/>
+                <a16:creationId xmlns:a16="http://schemas.microsoft.com/office/drawing/2014/main" xmlns="" id="{E1223535-0F2F-6340-80B9-0B5D9364A13F}"/>
               </a:ext>
             </a:extLst>
           </p:cNvPr>
@@ -1679,7 +1767,7 @@
           <p:cNvPr id="4" name="Espaço Reservado para Data 3">
             <a:extLst>
               <a:ext uri="{FF2B5EF4-FFF2-40B4-BE49-F238E27FC236}">
-                <a16:creationId xmlns:a16="http://schemas.microsoft.com/office/drawing/2014/main" id="{9925CCF1-92C0-4AF3-BFAF-4921631915AB}"/>
+                <a16:creationId xmlns:a16="http://schemas.microsoft.com/office/drawing/2014/main" xmlns="" id="{9925CCF1-92C0-4AF3-BFAF-4921631915AB}"/>
               </a:ext>
             </a:extLst>
           </p:cNvPr>
@@ -1698,7 +1786,7 @@
             <a:pPr rtl="0"/>
             <a:fld id="{53458F51-A324-4E75-90AA-F203FA9355A0}" type="datetime1">
               <a:rPr lang="pt-BR" noProof="0" smtClean="0"/>
-              <a:t>23/03/2021</a:t>
+              <a:t>07/05/2021</a:t>
             </a:fld>
             <a:endParaRPr lang="pt-BR" noProof="0" dirty="0"/>
           </a:p>
@@ -1709,7 +1797,7 @@
           <p:cNvPr id="5" name="Espaço Reservado para Rodapé 4">
             <a:extLst>
               <a:ext uri="{FF2B5EF4-FFF2-40B4-BE49-F238E27FC236}">
-                <a16:creationId xmlns:a16="http://schemas.microsoft.com/office/drawing/2014/main" id="{051A78A9-3DFF-4937-A9F2-5D8CF495F367}"/>
+                <a16:creationId xmlns:a16="http://schemas.microsoft.com/office/drawing/2014/main" xmlns="" id="{051A78A9-3DFF-4937-A9F2-5D8CF495F367}"/>
               </a:ext>
             </a:extLst>
           </p:cNvPr>
@@ -1735,7 +1823,7 @@
           <p:cNvPr id="6" name="Espaço Reservado para o Número do Slide 5">
             <a:extLst>
               <a:ext uri="{FF2B5EF4-FFF2-40B4-BE49-F238E27FC236}">
-                <a16:creationId xmlns:a16="http://schemas.microsoft.com/office/drawing/2014/main" id="{5FAEB271-5CC0-4759-BC6E-8BE53AB227C0}"/>
+                <a16:creationId xmlns:a16="http://schemas.microsoft.com/office/drawing/2014/main" xmlns="" id="{5FAEB271-5CC0-4759-BC6E-8BE53AB227C0}"/>
               </a:ext>
             </a:extLst>
           </p:cNvPr>
@@ -1803,7 +1891,7 @@
           <p:cNvPr id="2" name="Espaço Reservado para Data 1">
             <a:extLst>
               <a:ext uri="{FF2B5EF4-FFF2-40B4-BE49-F238E27FC236}">
-                <a16:creationId xmlns:a16="http://schemas.microsoft.com/office/drawing/2014/main" id="{94E9223F-721F-47BF-9FD5-0F8D12FF0DE1}"/>
+                <a16:creationId xmlns:a16="http://schemas.microsoft.com/office/drawing/2014/main" xmlns="" id="{94E9223F-721F-47BF-9FD5-0F8D12FF0DE1}"/>
               </a:ext>
             </a:extLst>
           </p:cNvPr>
@@ -1822,7 +1910,7 @@
             <a:pPr rtl="0"/>
             <a:fld id="{4C35D16D-7D9B-419D-82E3-F0B9FF9A3A9D}" type="datetime1">
               <a:rPr lang="pt-BR" noProof="0" smtClean="0"/>
-              <a:t>23/03/2021</a:t>
+              <a:t>07/05/2021</a:t>
             </a:fld>
             <a:endParaRPr lang="pt-BR" noProof="0" dirty="0"/>
           </a:p>
@@ -1833,7 +1921,7 @@
           <p:cNvPr id="3" name="Espaço Reservado para Rodapé 2">
             <a:extLst>
               <a:ext uri="{FF2B5EF4-FFF2-40B4-BE49-F238E27FC236}">
-                <a16:creationId xmlns:a16="http://schemas.microsoft.com/office/drawing/2014/main" id="{05915714-6BBA-4593-8591-4E26F7D58D9F}"/>
+                <a16:creationId xmlns:a16="http://schemas.microsoft.com/office/drawing/2014/main" xmlns="" id="{05915714-6BBA-4593-8591-4E26F7D58D9F}"/>
               </a:ext>
             </a:extLst>
           </p:cNvPr>
@@ -1859,7 +1947,7 @@
           <p:cNvPr id="4" name="Espaço reservado para o número do slide 3">
             <a:extLst>
               <a:ext uri="{FF2B5EF4-FFF2-40B4-BE49-F238E27FC236}">
-                <a16:creationId xmlns:a16="http://schemas.microsoft.com/office/drawing/2014/main" id="{BE06F857-D2E1-44DD-ABDD-EBB739645B67}"/>
+                <a16:creationId xmlns:a16="http://schemas.microsoft.com/office/drawing/2014/main" xmlns="" id="{BE06F857-D2E1-44DD-ABDD-EBB739645B67}"/>
               </a:ext>
             </a:extLst>
           </p:cNvPr>
@@ -1889,7 +1977,7 @@
           <p:cNvPr id="5" name="Retângulo">
             <a:extLst>
               <a:ext uri="{FF2B5EF4-FFF2-40B4-BE49-F238E27FC236}">
-                <a16:creationId xmlns:a16="http://schemas.microsoft.com/office/drawing/2014/main" id="{AA314B25-B4AF-394E-BBDA-7E6BAD315F39}"/>
+                <a16:creationId xmlns:a16="http://schemas.microsoft.com/office/drawing/2014/main" xmlns="" id="{AA314B25-B4AF-394E-BBDA-7E6BAD315F39}"/>
               </a:ext>
             </a:extLst>
           </p:cNvPr>
@@ -1935,7 +2023,7 @@
           <p:cNvPr id="6" name="Retângulo">
             <a:extLst>
               <a:ext uri="{FF2B5EF4-FFF2-40B4-BE49-F238E27FC236}">
-                <a16:creationId xmlns:a16="http://schemas.microsoft.com/office/drawing/2014/main" id="{737575EF-0D14-6140-A91B-260C9C9DFE41}"/>
+                <a16:creationId xmlns:a16="http://schemas.microsoft.com/office/drawing/2014/main" xmlns="" id="{737575EF-0D14-6140-A91B-260C9C9DFE41}"/>
               </a:ext>
             </a:extLst>
           </p:cNvPr>
@@ -1989,7 +2077,7 @@
           <p:cNvPr id="10" name="Espaço Reservado para Título 1">
             <a:extLst>
               <a:ext uri="{FF2B5EF4-FFF2-40B4-BE49-F238E27FC236}">
-                <a16:creationId xmlns:a16="http://schemas.microsoft.com/office/drawing/2014/main" id="{82544261-8049-494B-A93D-BDFF1BB84722}"/>
+                <a16:creationId xmlns:a16="http://schemas.microsoft.com/office/drawing/2014/main" xmlns="" id="{82544261-8049-494B-A93D-BDFF1BB84722}"/>
               </a:ext>
             </a:extLst>
           </p:cNvPr>
@@ -2032,7 +2120,7 @@
           <p:cNvPr id="12" name="Espaço Reservado para Conteúdo 3">
             <a:extLst>
               <a:ext uri="{FF2B5EF4-FFF2-40B4-BE49-F238E27FC236}">
-                <a16:creationId xmlns:a16="http://schemas.microsoft.com/office/drawing/2014/main" id="{9214786D-83EE-814C-A5E4-D0EC7D29D0C4}"/>
+                <a16:creationId xmlns:a16="http://schemas.microsoft.com/office/drawing/2014/main" xmlns="" id="{9214786D-83EE-814C-A5E4-D0EC7D29D0C4}"/>
               </a:ext>
             </a:extLst>
           </p:cNvPr>
@@ -2196,7 +2284,7 @@
           <p:cNvPr id="2" name="Espaço Reservado para Data 1">
             <a:extLst>
               <a:ext uri="{FF2B5EF4-FFF2-40B4-BE49-F238E27FC236}">
-                <a16:creationId xmlns:a16="http://schemas.microsoft.com/office/drawing/2014/main" id="{94E9223F-721F-47BF-9FD5-0F8D12FF0DE1}"/>
+                <a16:creationId xmlns:a16="http://schemas.microsoft.com/office/drawing/2014/main" xmlns="" id="{94E9223F-721F-47BF-9FD5-0F8D12FF0DE1}"/>
               </a:ext>
             </a:extLst>
           </p:cNvPr>
@@ -2215,7 +2303,7 @@
             <a:pPr rtl="0"/>
             <a:fld id="{844F27DD-582C-4796-B2D9-46C6D21E31B6}" type="datetime1">
               <a:rPr lang="pt-BR" noProof="0" smtClean="0"/>
-              <a:t>23/03/2021</a:t>
+              <a:t>07/05/2021</a:t>
             </a:fld>
             <a:endParaRPr lang="pt-BR" noProof="0" dirty="0"/>
           </a:p>
@@ -2226,7 +2314,7 @@
           <p:cNvPr id="3" name="Espaço Reservado para Rodapé 2">
             <a:extLst>
               <a:ext uri="{FF2B5EF4-FFF2-40B4-BE49-F238E27FC236}">
-                <a16:creationId xmlns:a16="http://schemas.microsoft.com/office/drawing/2014/main" id="{05915714-6BBA-4593-8591-4E26F7D58D9F}"/>
+                <a16:creationId xmlns:a16="http://schemas.microsoft.com/office/drawing/2014/main" xmlns="" id="{05915714-6BBA-4593-8591-4E26F7D58D9F}"/>
               </a:ext>
             </a:extLst>
           </p:cNvPr>
@@ -2252,7 +2340,7 @@
           <p:cNvPr id="4" name="Espaço reservado para o número do slide 3">
             <a:extLst>
               <a:ext uri="{FF2B5EF4-FFF2-40B4-BE49-F238E27FC236}">
-                <a16:creationId xmlns:a16="http://schemas.microsoft.com/office/drawing/2014/main" id="{BE06F857-D2E1-44DD-ABDD-EBB739645B67}"/>
+                <a16:creationId xmlns:a16="http://schemas.microsoft.com/office/drawing/2014/main" xmlns="" id="{BE06F857-D2E1-44DD-ABDD-EBB739645B67}"/>
               </a:ext>
             </a:extLst>
           </p:cNvPr>
@@ -2282,7 +2370,7 @@
           <p:cNvPr id="5" name="Retângulo">
             <a:extLst>
               <a:ext uri="{FF2B5EF4-FFF2-40B4-BE49-F238E27FC236}">
-                <a16:creationId xmlns:a16="http://schemas.microsoft.com/office/drawing/2014/main" id="{2E148DD3-DD87-154B-80B4-2421965D3C83}"/>
+                <a16:creationId xmlns:a16="http://schemas.microsoft.com/office/drawing/2014/main" xmlns="" id="{2E148DD3-DD87-154B-80B4-2421965D3C83}"/>
               </a:ext>
             </a:extLst>
           </p:cNvPr>
@@ -2328,7 +2416,7 @@
           <p:cNvPr id="6" name="Retângulo">
             <a:extLst>
               <a:ext uri="{FF2B5EF4-FFF2-40B4-BE49-F238E27FC236}">
-                <a16:creationId xmlns:a16="http://schemas.microsoft.com/office/drawing/2014/main" id="{742E4732-0E8F-7B46-BD08-0F2EE0DA8786}"/>
+                <a16:creationId xmlns:a16="http://schemas.microsoft.com/office/drawing/2014/main" xmlns="" id="{742E4732-0E8F-7B46-BD08-0F2EE0DA8786}"/>
               </a:ext>
             </a:extLst>
           </p:cNvPr>
@@ -2382,7 +2470,7 @@
           <p:cNvPr id="7" name="Espaço Reservado para Título 1">
             <a:extLst>
               <a:ext uri="{FF2B5EF4-FFF2-40B4-BE49-F238E27FC236}">
-                <a16:creationId xmlns:a16="http://schemas.microsoft.com/office/drawing/2014/main" id="{6E73F81A-7260-5C4F-A7FF-CA2CC731BC33}"/>
+                <a16:creationId xmlns:a16="http://schemas.microsoft.com/office/drawing/2014/main" xmlns="" id="{6E73F81A-7260-5C4F-A7FF-CA2CC731BC33}"/>
               </a:ext>
             </a:extLst>
           </p:cNvPr>
@@ -2421,7 +2509,7 @@
           <p:cNvPr id="9" name="Espaço Reservado para Conteúdo 3">
             <a:extLst>
               <a:ext uri="{FF2B5EF4-FFF2-40B4-BE49-F238E27FC236}">
-                <a16:creationId xmlns:a16="http://schemas.microsoft.com/office/drawing/2014/main" id="{4CD13CD4-3E4F-2E41-ACF4-2446257D236F}"/>
+                <a16:creationId xmlns:a16="http://schemas.microsoft.com/office/drawing/2014/main" xmlns="" id="{4CD13CD4-3E4F-2E41-ACF4-2446257D236F}"/>
               </a:ext>
             </a:extLst>
           </p:cNvPr>
@@ -2545,7 +2633,7 @@
           <p:cNvPr id="14" name="Espaço reservado para conteúdo 3">
             <a:extLst>
               <a:ext uri="{FF2B5EF4-FFF2-40B4-BE49-F238E27FC236}">
-                <a16:creationId xmlns:a16="http://schemas.microsoft.com/office/drawing/2014/main" id="{D8E69886-8907-DB47-87C2-0621AF156D9F}"/>
+                <a16:creationId xmlns:a16="http://schemas.microsoft.com/office/drawing/2014/main" xmlns="" id="{D8E69886-8907-DB47-87C2-0621AF156D9F}"/>
               </a:ext>
             </a:extLst>
           </p:cNvPr>
@@ -2710,7 +2798,7 @@
           <p:cNvPr id="9" name="Retângulo">
             <a:extLst>
               <a:ext uri="{FF2B5EF4-FFF2-40B4-BE49-F238E27FC236}">
-                <a16:creationId xmlns:a16="http://schemas.microsoft.com/office/drawing/2014/main" id="{9C88DF2D-0421-A94C-82C1-867E1E5E4907}"/>
+                <a16:creationId xmlns:a16="http://schemas.microsoft.com/office/drawing/2014/main" xmlns="" id="{9C88DF2D-0421-A94C-82C1-867E1E5E4907}"/>
               </a:ext>
             </a:extLst>
           </p:cNvPr>
@@ -2756,7 +2844,7 @@
           <p:cNvPr id="10" name="Retângulo">
             <a:extLst>
               <a:ext uri="{FF2B5EF4-FFF2-40B4-BE49-F238E27FC236}">
-                <a16:creationId xmlns:a16="http://schemas.microsoft.com/office/drawing/2014/main" id="{334D05A3-7A20-9447-8D39-F2980D85413A}"/>
+                <a16:creationId xmlns:a16="http://schemas.microsoft.com/office/drawing/2014/main" xmlns="" id="{334D05A3-7A20-9447-8D39-F2980D85413A}"/>
               </a:ext>
             </a:extLst>
           </p:cNvPr>
@@ -2810,7 +2898,7 @@
           <p:cNvPr id="8" name="Retângulo 7">
             <a:extLst>
               <a:ext uri="{FF2B5EF4-FFF2-40B4-BE49-F238E27FC236}">
-                <a16:creationId xmlns:a16="http://schemas.microsoft.com/office/drawing/2014/main" id="{DA134939-39C0-4522-A125-A13DFDA66490}"/>
+                <a16:creationId xmlns:a16="http://schemas.microsoft.com/office/drawing/2014/main" xmlns="" id="{DA134939-39C0-4522-A125-A13DFDA66490}"/>
               </a:ext>
             </a:extLst>
           </p:cNvPr>
@@ -3059,7 +3147,7 @@
             <a:pPr rtl="0"/>
             <a:fld id="{C61B7B32-8B9D-4D80-9F6E-0970D630EE88}" type="datetime1">
               <a:rPr lang="pt-BR" noProof="0" smtClean="0"/>
-              <a:t>23/03/2021</a:t>
+              <a:t>07/05/2021</a:t>
             </a:fld>
             <a:endParaRPr lang="pt-BR" noProof="0" dirty="0"/>
           </a:p>
@@ -3157,7 +3245,7 @@
           <p:cNvPr id="12" name="Retângulo">
             <a:extLst>
               <a:ext uri="{FF2B5EF4-FFF2-40B4-BE49-F238E27FC236}">
-                <a16:creationId xmlns:a16="http://schemas.microsoft.com/office/drawing/2014/main" id="{F9512BDE-EEA0-404B-8D45-8AA93D61DABC}"/>
+                <a16:creationId xmlns:a16="http://schemas.microsoft.com/office/drawing/2014/main" xmlns="" id="{F9512BDE-EEA0-404B-8D45-8AA93D61DABC}"/>
               </a:ext>
             </a:extLst>
           </p:cNvPr>
@@ -3203,7 +3291,7 @@
           <p:cNvPr id="11" name="Retângulo">
             <a:extLst>
               <a:ext uri="{FF2B5EF4-FFF2-40B4-BE49-F238E27FC236}">
-                <a16:creationId xmlns:a16="http://schemas.microsoft.com/office/drawing/2014/main" id="{E1223535-0F2F-6340-80B9-0B5D9364A13F}"/>
+                <a16:creationId xmlns:a16="http://schemas.microsoft.com/office/drawing/2014/main" xmlns="" id="{E1223535-0F2F-6340-80B9-0B5D9364A13F}"/>
               </a:ext>
             </a:extLst>
           </p:cNvPr>
@@ -3378,7 +3466,7 @@
           <p:cNvPr id="4" name="Espaço Reservado para Data 3">
             <a:extLst>
               <a:ext uri="{FF2B5EF4-FFF2-40B4-BE49-F238E27FC236}">
-                <a16:creationId xmlns:a16="http://schemas.microsoft.com/office/drawing/2014/main" id="{9925CCF1-92C0-4AF3-BFAF-4921631915AB}"/>
+                <a16:creationId xmlns:a16="http://schemas.microsoft.com/office/drawing/2014/main" xmlns="" id="{9925CCF1-92C0-4AF3-BFAF-4921631915AB}"/>
               </a:ext>
             </a:extLst>
           </p:cNvPr>
@@ -3397,7 +3485,7 @@
             <a:pPr rtl="0"/>
             <a:fld id="{FA95F483-0B9E-4DD8-9124-DC336470C76F}" type="datetime1">
               <a:rPr lang="pt-BR" noProof="0" smtClean="0"/>
-              <a:t>23/03/2021</a:t>
+              <a:t>07/05/2021</a:t>
             </a:fld>
             <a:endParaRPr lang="pt-BR" noProof="0" dirty="0"/>
           </a:p>
@@ -3408,7 +3496,7 @@
           <p:cNvPr id="5" name="Espaço Reservado para Rodapé 4">
             <a:extLst>
               <a:ext uri="{FF2B5EF4-FFF2-40B4-BE49-F238E27FC236}">
-                <a16:creationId xmlns:a16="http://schemas.microsoft.com/office/drawing/2014/main" id="{051A78A9-3DFF-4937-A9F2-5D8CF495F367}"/>
+                <a16:creationId xmlns:a16="http://schemas.microsoft.com/office/drawing/2014/main" xmlns="" id="{051A78A9-3DFF-4937-A9F2-5D8CF495F367}"/>
               </a:ext>
             </a:extLst>
           </p:cNvPr>
@@ -3434,7 +3522,7 @@
           <p:cNvPr id="6" name="Espaço Reservado para o Número do Slide 5">
             <a:extLst>
               <a:ext uri="{FF2B5EF4-FFF2-40B4-BE49-F238E27FC236}">
-                <a16:creationId xmlns:a16="http://schemas.microsoft.com/office/drawing/2014/main" id="{5FAEB271-5CC0-4759-BC6E-8BE53AB227C0}"/>
+                <a16:creationId xmlns:a16="http://schemas.microsoft.com/office/drawing/2014/main" xmlns="" id="{5FAEB271-5CC0-4759-BC6E-8BE53AB227C0}"/>
               </a:ext>
             </a:extLst>
           </p:cNvPr>
@@ -3502,7 +3590,7 @@
           <p:cNvPr id="12" name="Retângulo">
             <a:extLst>
               <a:ext uri="{FF2B5EF4-FFF2-40B4-BE49-F238E27FC236}">
-                <a16:creationId xmlns:a16="http://schemas.microsoft.com/office/drawing/2014/main" id="{202A34A5-A029-A246-82C6-D288185EB396}"/>
+                <a16:creationId xmlns:a16="http://schemas.microsoft.com/office/drawing/2014/main" xmlns="" id="{202A34A5-A029-A246-82C6-D288185EB396}"/>
               </a:ext>
             </a:extLst>
           </p:cNvPr>
@@ -3548,7 +3636,7 @@
           <p:cNvPr id="13" name="Retângulo">
             <a:extLst>
               <a:ext uri="{FF2B5EF4-FFF2-40B4-BE49-F238E27FC236}">
-                <a16:creationId xmlns:a16="http://schemas.microsoft.com/office/drawing/2014/main" id="{2773E1D8-C87F-EE46-8284-575DCA498E81}"/>
+                <a16:creationId xmlns:a16="http://schemas.microsoft.com/office/drawing/2014/main" xmlns="" id="{2773E1D8-C87F-EE46-8284-575DCA498E81}"/>
               </a:ext>
             </a:extLst>
           </p:cNvPr>
@@ -3690,7 +3778,7 @@
           <p:cNvPr id="7" name="Espaço Reservado para Data 6">
             <a:extLst>
               <a:ext uri="{FF2B5EF4-FFF2-40B4-BE49-F238E27FC236}">
-                <a16:creationId xmlns:a16="http://schemas.microsoft.com/office/drawing/2014/main" id="{354D8B55-9EA8-4B81-8E84-9B93B0A27559}"/>
+                <a16:creationId xmlns:a16="http://schemas.microsoft.com/office/drawing/2014/main" xmlns="" id="{354D8B55-9EA8-4B81-8E84-9B93B0A27559}"/>
               </a:ext>
             </a:extLst>
           </p:cNvPr>
@@ -3709,7 +3797,7 @@
             <a:pPr rtl="0"/>
             <a:fld id="{E27684DD-BD0D-4412-A976-BC0D80C04437}" type="datetime1">
               <a:rPr lang="pt-BR" noProof="0" smtClean="0"/>
-              <a:t>23/03/2021</a:t>
+              <a:t>07/05/2021</a:t>
             </a:fld>
             <a:endParaRPr lang="pt-BR" noProof="0" dirty="0"/>
           </a:p>
@@ -3720,7 +3808,7 @@
           <p:cNvPr id="8" name="Espaço Reservado para Rodapé 7">
             <a:extLst>
               <a:ext uri="{FF2B5EF4-FFF2-40B4-BE49-F238E27FC236}">
-                <a16:creationId xmlns:a16="http://schemas.microsoft.com/office/drawing/2014/main" id="{062CA021-2578-47CB-822C-BDDFF7223B28}"/>
+                <a16:creationId xmlns:a16="http://schemas.microsoft.com/office/drawing/2014/main" xmlns="" id="{062CA021-2578-47CB-822C-BDDFF7223B28}"/>
               </a:ext>
             </a:extLst>
           </p:cNvPr>
@@ -3746,7 +3834,7 @@
           <p:cNvPr id="9" name="Espaço Reservado para o Número do Slide 8">
             <a:extLst>
               <a:ext uri="{FF2B5EF4-FFF2-40B4-BE49-F238E27FC236}">
-                <a16:creationId xmlns:a16="http://schemas.microsoft.com/office/drawing/2014/main" id="{C4AAB51D-4141-4682-9375-DAFD5FB9DD10}"/>
+                <a16:creationId xmlns:a16="http://schemas.microsoft.com/office/drawing/2014/main" xmlns="" id="{C4AAB51D-4141-4682-9375-DAFD5FB9DD10}"/>
               </a:ext>
             </a:extLst>
           </p:cNvPr>
@@ -3776,7 +3864,7 @@
           <p:cNvPr id="11" name="Espaço Reservado para Título 1">
             <a:extLst>
               <a:ext uri="{FF2B5EF4-FFF2-40B4-BE49-F238E27FC236}">
-                <a16:creationId xmlns:a16="http://schemas.microsoft.com/office/drawing/2014/main" id="{C429A40D-770E-C144-A5B5-6A4442C09C24}"/>
+                <a16:creationId xmlns:a16="http://schemas.microsoft.com/office/drawing/2014/main" xmlns="" id="{C429A40D-770E-C144-A5B5-6A4442C09C24}"/>
               </a:ext>
             </a:extLst>
           </p:cNvPr>
@@ -3857,7 +3945,7 @@
           <p:cNvPr id="15" name="Retângulo">
             <a:extLst>
               <a:ext uri="{FF2B5EF4-FFF2-40B4-BE49-F238E27FC236}">
-                <a16:creationId xmlns:a16="http://schemas.microsoft.com/office/drawing/2014/main" id="{64248D99-2B30-464D-B9B7-4E5C3A1F3FB2}"/>
+                <a16:creationId xmlns:a16="http://schemas.microsoft.com/office/drawing/2014/main" xmlns="" id="{64248D99-2B30-464D-B9B7-4E5C3A1F3FB2}"/>
               </a:ext>
             </a:extLst>
           </p:cNvPr>
@@ -3903,7 +3991,7 @@
           <p:cNvPr id="16" name="Retângulo">
             <a:extLst>
               <a:ext uri="{FF2B5EF4-FFF2-40B4-BE49-F238E27FC236}">
-                <a16:creationId xmlns:a16="http://schemas.microsoft.com/office/drawing/2014/main" id="{3FAFF55B-FDE6-394B-A39B-22627D8FB6EA}"/>
+                <a16:creationId xmlns:a16="http://schemas.microsoft.com/office/drawing/2014/main" xmlns="" id="{3FAFF55B-FDE6-394B-A39B-22627D8FB6EA}"/>
               </a:ext>
             </a:extLst>
           </p:cNvPr>
@@ -4289,7 +4377,7 @@
           <p:cNvPr id="2" name="Espaço Reservado para Data 1">
             <a:extLst>
               <a:ext uri="{FF2B5EF4-FFF2-40B4-BE49-F238E27FC236}">
-                <a16:creationId xmlns:a16="http://schemas.microsoft.com/office/drawing/2014/main" id="{8AF8A515-AA94-45D1-9223-5C2272618D85}"/>
+                <a16:creationId xmlns:a16="http://schemas.microsoft.com/office/drawing/2014/main" xmlns="" id="{8AF8A515-AA94-45D1-9223-5C2272618D85}"/>
               </a:ext>
             </a:extLst>
           </p:cNvPr>
@@ -4308,7 +4396,7 @@
             <a:pPr rtl="0"/>
             <a:fld id="{5D230792-9F8B-479F-B4EA-6C9554157814}" type="datetime1">
               <a:rPr lang="pt-BR" noProof="0" smtClean="0"/>
-              <a:t>23/03/2021</a:t>
+              <a:t>07/05/2021</a:t>
             </a:fld>
             <a:endParaRPr lang="pt-BR" noProof="0" dirty="0"/>
           </a:p>
@@ -4319,7 +4407,7 @@
           <p:cNvPr id="11" name="Espaço Reservado para Rodapé 10">
             <a:extLst>
               <a:ext uri="{FF2B5EF4-FFF2-40B4-BE49-F238E27FC236}">
-                <a16:creationId xmlns:a16="http://schemas.microsoft.com/office/drawing/2014/main" id="{D052F5BC-98E0-4D60-AD67-9547738B7DD4}"/>
+                <a16:creationId xmlns:a16="http://schemas.microsoft.com/office/drawing/2014/main" xmlns="" id="{D052F5BC-98E0-4D60-AD67-9547738B7DD4}"/>
               </a:ext>
             </a:extLst>
           </p:cNvPr>
@@ -4345,7 +4433,7 @@
           <p:cNvPr id="12" name="Espaço Reservado para Número de Slide 11">
             <a:extLst>
               <a:ext uri="{FF2B5EF4-FFF2-40B4-BE49-F238E27FC236}">
-                <a16:creationId xmlns:a16="http://schemas.microsoft.com/office/drawing/2014/main" id="{A38552DC-952E-41EA-AAAF-C2187523C0B0}"/>
+                <a16:creationId xmlns:a16="http://schemas.microsoft.com/office/drawing/2014/main" xmlns="" id="{A38552DC-952E-41EA-AAAF-C2187523C0B0}"/>
               </a:ext>
             </a:extLst>
           </p:cNvPr>
@@ -4375,7 +4463,7 @@
           <p:cNvPr id="17" name="Espaço Reservado para Título 1">
             <a:extLst>
               <a:ext uri="{FF2B5EF4-FFF2-40B4-BE49-F238E27FC236}">
-                <a16:creationId xmlns:a16="http://schemas.microsoft.com/office/drawing/2014/main" id="{99E345E4-E77C-484E-9FBB-E4EC71F08545}"/>
+                <a16:creationId xmlns:a16="http://schemas.microsoft.com/office/drawing/2014/main" xmlns="" id="{99E345E4-E77C-484E-9FBB-E4EC71F08545}"/>
               </a:ext>
             </a:extLst>
           </p:cNvPr>
@@ -4456,7 +4544,7 @@
           <p:cNvPr id="9" name="Retângulo">
             <a:extLst>
               <a:ext uri="{FF2B5EF4-FFF2-40B4-BE49-F238E27FC236}">
-                <a16:creationId xmlns:a16="http://schemas.microsoft.com/office/drawing/2014/main" id="{83ACCAC0-2C8A-CE43-8C55-22BB53C73920}"/>
+                <a16:creationId xmlns:a16="http://schemas.microsoft.com/office/drawing/2014/main" xmlns="" id="{83ACCAC0-2C8A-CE43-8C55-22BB53C73920}"/>
               </a:ext>
             </a:extLst>
           </p:cNvPr>
@@ -4502,7 +4590,7 @@
           <p:cNvPr id="10" name="Retângulo">
             <a:extLst>
               <a:ext uri="{FF2B5EF4-FFF2-40B4-BE49-F238E27FC236}">
-                <a16:creationId xmlns:a16="http://schemas.microsoft.com/office/drawing/2014/main" id="{A400A9BD-AA60-E24D-9FC2-722758C8C933}"/>
+                <a16:creationId xmlns:a16="http://schemas.microsoft.com/office/drawing/2014/main" xmlns="" id="{A400A9BD-AA60-E24D-9FC2-722758C8C933}"/>
               </a:ext>
             </a:extLst>
           </p:cNvPr>
@@ -4556,7 +4644,7 @@
           <p:cNvPr id="6" name="Espaço Reservado para Data 5">
             <a:extLst>
               <a:ext uri="{FF2B5EF4-FFF2-40B4-BE49-F238E27FC236}">
-                <a16:creationId xmlns:a16="http://schemas.microsoft.com/office/drawing/2014/main" id="{7392073F-158F-44A3-8913-917AFFC1BC20}"/>
+                <a16:creationId xmlns:a16="http://schemas.microsoft.com/office/drawing/2014/main" xmlns="" id="{7392073F-158F-44A3-8913-917AFFC1BC20}"/>
               </a:ext>
             </a:extLst>
           </p:cNvPr>
@@ -4575,7 +4663,7 @@
             <a:pPr rtl="0"/>
             <a:fld id="{5368CB05-7649-41F3-8F7B-A06299C7FC72}" type="datetime1">
               <a:rPr lang="pt-BR" noProof="0" smtClean="0"/>
-              <a:t>23/03/2021</a:t>
+              <a:t>07/05/2021</a:t>
             </a:fld>
             <a:endParaRPr lang="pt-BR" noProof="0" dirty="0"/>
           </a:p>
@@ -4586,7 +4674,7 @@
           <p:cNvPr id="7" name="Espaço Reservado para Rodapé 6">
             <a:extLst>
               <a:ext uri="{FF2B5EF4-FFF2-40B4-BE49-F238E27FC236}">
-                <a16:creationId xmlns:a16="http://schemas.microsoft.com/office/drawing/2014/main" id="{EED72207-24CA-42B7-A975-2F8E41CBA904}"/>
+                <a16:creationId xmlns:a16="http://schemas.microsoft.com/office/drawing/2014/main" xmlns="" id="{EED72207-24CA-42B7-A975-2F8E41CBA904}"/>
               </a:ext>
             </a:extLst>
           </p:cNvPr>
@@ -4612,7 +4700,7 @@
           <p:cNvPr id="8" name="Espaço reservado para o número do slide 7">
             <a:extLst>
               <a:ext uri="{FF2B5EF4-FFF2-40B4-BE49-F238E27FC236}">
-                <a16:creationId xmlns:a16="http://schemas.microsoft.com/office/drawing/2014/main" id="{D01080F2-251A-4B88-9A62-16F46D724F83}"/>
+                <a16:creationId xmlns:a16="http://schemas.microsoft.com/office/drawing/2014/main" xmlns="" id="{D01080F2-251A-4B88-9A62-16F46D724F83}"/>
               </a:ext>
             </a:extLst>
           </p:cNvPr>
@@ -4642,7 +4730,7 @@
           <p:cNvPr id="14" name="Espaço Reservado para Título 1">
             <a:extLst>
               <a:ext uri="{FF2B5EF4-FFF2-40B4-BE49-F238E27FC236}">
-                <a16:creationId xmlns:a16="http://schemas.microsoft.com/office/drawing/2014/main" id="{D4076461-FF7A-8843-B7F9-D041F3FB22FC}"/>
+                <a16:creationId xmlns:a16="http://schemas.microsoft.com/office/drawing/2014/main" xmlns="" id="{D4076461-FF7A-8843-B7F9-D041F3FB22FC}"/>
               </a:ext>
             </a:extLst>
           </p:cNvPr>
@@ -4723,7 +4811,7 @@
           <p:cNvPr id="11" name="Retângulo">
             <a:extLst>
               <a:ext uri="{FF2B5EF4-FFF2-40B4-BE49-F238E27FC236}">
-                <a16:creationId xmlns:a16="http://schemas.microsoft.com/office/drawing/2014/main" id="{35FB147F-5DC4-B24C-B8CB-D3DA74290381}"/>
+                <a16:creationId xmlns:a16="http://schemas.microsoft.com/office/drawing/2014/main" xmlns="" id="{35FB147F-5DC4-B24C-B8CB-D3DA74290381}"/>
               </a:ext>
             </a:extLst>
           </p:cNvPr>
@@ -4769,7 +4857,7 @@
           <p:cNvPr id="10" name="Retângulo">
             <a:extLst>
               <a:ext uri="{FF2B5EF4-FFF2-40B4-BE49-F238E27FC236}">
-                <a16:creationId xmlns:a16="http://schemas.microsoft.com/office/drawing/2014/main" id="{A400A9BD-AA60-E24D-9FC2-722758C8C933}"/>
+                <a16:creationId xmlns:a16="http://schemas.microsoft.com/office/drawing/2014/main" xmlns="" id="{A400A9BD-AA60-E24D-9FC2-722758C8C933}"/>
               </a:ext>
             </a:extLst>
           </p:cNvPr>
@@ -4823,7 +4911,7 @@
           <p:cNvPr id="6" name="Espaço Reservado para Data 5">
             <a:extLst>
               <a:ext uri="{FF2B5EF4-FFF2-40B4-BE49-F238E27FC236}">
-                <a16:creationId xmlns:a16="http://schemas.microsoft.com/office/drawing/2014/main" id="{7392073F-158F-44A3-8913-917AFFC1BC20}"/>
+                <a16:creationId xmlns:a16="http://schemas.microsoft.com/office/drawing/2014/main" xmlns="" id="{7392073F-158F-44A3-8913-917AFFC1BC20}"/>
               </a:ext>
             </a:extLst>
           </p:cNvPr>
@@ -4842,7 +4930,7 @@
             <a:pPr rtl="0"/>
             <a:fld id="{26F4223D-1125-49F4-849D-69C7360807E9}" type="datetime1">
               <a:rPr lang="pt-BR" noProof="0" smtClean="0"/>
-              <a:t>23/03/2021</a:t>
+              <a:t>07/05/2021</a:t>
             </a:fld>
             <a:endParaRPr lang="pt-BR" noProof="0" dirty="0"/>
           </a:p>
@@ -4853,7 +4941,7 @@
           <p:cNvPr id="7" name="Espaço Reservado para Rodapé 6">
             <a:extLst>
               <a:ext uri="{FF2B5EF4-FFF2-40B4-BE49-F238E27FC236}">
-                <a16:creationId xmlns:a16="http://schemas.microsoft.com/office/drawing/2014/main" id="{EED72207-24CA-42B7-A975-2F8E41CBA904}"/>
+                <a16:creationId xmlns:a16="http://schemas.microsoft.com/office/drawing/2014/main" xmlns="" id="{EED72207-24CA-42B7-A975-2F8E41CBA904}"/>
               </a:ext>
             </a:extLst>
           </p:cNvPr>
@@ -4879,7 +4967,7 @@
           <p:cNvPr id="8" name="Espaço reservado para o número do slide 7">
             <a:extLst>
               <a:ext uri="{FF2B5EF4-FFF2-40B4-BE49-F238E27FC236}">
-                <a16:creationId xmlns:a16="http://schemas.microsoft.com/office/drawing/2014/main" id="{D01080F2-251A-4B88-9A62-16F46D724F83}"/>
+                <a16:creationId xmlns:a16="http://schemas.microsoft.com/office/drawing/2014/main" xmlns="" id="{D01080F2-251A-4B88-9A62-16F46D724F83}"/>
               </a:ext>
             </a:extLst>
           </p:cNvPr>
@@ -4909,7 +4997,7 @@
           <p:cNvPr id="19" name="Espaço Reservado para Imagem 3">
             <a:extLst>
               <a:ext uri="{FF2B5EF4-FFF2-40B4-BE49-F238E27FC236}">
-                <a16:creationId xmlns:a16="http://schemas.microsoft.com/office/drawing/2014/main" id="{B9308E97-4F89-394E-856A-5B4EFCB2E73D}"/>
+                <a16:creationId xmlns:a16="http://schemas.microsoft.com/office/drawing/2014/main" xmlns="" id="{B9308E97-4F89-394E-856A-5B4EFCB2E73D}"/>
               </a:ext>
             </a:extLst>
           </p:cNvPr>
@@ -4951,7 +5039,7 @@
           <p:cNvPr id="20" name="Espaço Reservado para Imagem 3">
             <a:extLst>
               <a:ext uri="{FF2B5EF4-FFF2-40B4-BE49-F238E27FC236}">
-                <a16:creationId xmlns:a16="http://schemas.microsoft.com/office/drawing/2014/main" id="{A50BECA0-8817-964B-AEDB-A45669684C37}"/>
+                <a16:creationId xmlns:a16="http://schemas.microsoft.com/office/drawing/2014/main" xmlns="" id="{A50BECA0-8817-964B-AEDB-A45669684C37}"/>
               </a:ext>
             </a:extLst>
           </p:cNvPr>
@@ -4993,7 +5081,7 @@
           <p:cNvPr id="21" name="Espaço Reservado para Imagem 3">
             <a:extLst>
               <a:ext uri="{FF2B5EF4-FFF2-40B4-BE49-F238E27FC236}">
-                <a16:creationId xmlns:a16="http://schemas.microsoft.com/office/drawing/2014/main" id="{EF399F4D-B67A-4C4B-BCF3-36FE110603F1}"/>
+                <a16:creationId xmlns:a16="http://schemas.microsoft.com/office/drawing/2014/main" xmlns="" id="{EF399F4D-B67A-4C4B-BCF3-36FE110603F1}"/>
               </a:ext>
             </a:extLst>
           </p:cNvPr>
@@ -5035,7 +5123,7 @@
           <p:cNvPr id="22" name="Espaço Reservado para Texto 3">
             <a:extLst>
               <a:ext uri="{FF2B5EF4-FFF2-40B4-BE49-F238E27FC236}">
-                <a16:creationId xmlns:a16="http://schemas.microsoft.com/office/drawing/2014/main" id="{08305C84-E25F-EC49-8F2B-4C0181FD3ABF}"/>
+                <a16:creationId xmlns:a16="http://schemas.microsoft.com/office/drawing/2014/main" xmlns="" id="{08305C84-E25F-EC49-8F2B-4C0181FD3ABF}"/>
               </a:ext>
             </a:extLst>
           </p:cNvPr>
@@ -5112,7 +5200,7 @@
           <p:cNvPr id="23" name="Espaço Reservado para Texto 3">
             <a:extLst>
               <a:ext uri="{FF2B5EF4-FFF2-40B4-BE49-F238E27FC236}">
-                <a16:creationId xmlns:a16="http://schemas.microsoft.com/office/drawing/2014/main" id="{A57A1FCE-E6BF-3747-9D43-42DBA6656EC0}"/>
+                <a16:creationId xmlns:a16="http://schemas.microsoft.com/office/drawing/2014/main" xmlns="" id="{A57A1FCE-E6BF-3747-9D43-42DBA6656EC0}"/>
               </a:ext>
             </a:extLst>
           </p:cNvPr>
@@ -5189,7 +5277,7 @@
           <p:cNvPr id="24" name="Espaço Reservado para Texto 3">
             <a:extLst>
               <a:ext uri="{FF2B5EF4-FFF2-40B4-BE49-F238E27FC236}">
-                <a16:creationId xmlns:a16="http://schemas.microsoft.com/office/drawing/2014/main" id="{5B4B74C8-96E7-684F-91B9-8CE56CD10F1E}"/>
+                <a16:creationId xmlns:a16="http://schemas.microsoft.com/office/drawing/2014/main" xmlns="" id="{5B4B74C8-96E7-684F-91B9-8CE56CD10F1E}"/>
               </a:ext>
             </a:extLst>
           </p:cNvPr>
@@ -5266,7 +5354,7 @@
           <p:cNvPr id="25" name="Espaço Reservado para Título 1">
             <a:extLst>
               <a:ext uri="{FF2B5EF4-FFF2-40B4-BE49-F238E27FC236}">
-                <a16:creationId xmlns:a16="http://schemas.microsoft.com/office/drawing/2014/main" id="{D522564E-B348-544F-A8E5-CFCAFA48B54B}"/>
+                <a16:creationId xmlns:a16="http://schemas.microsoft.com/office/drawing/2014/main" xmlns="" id="{D522564E-B348-544F-A8E5-CFCAFA48B54B}"/>
               </a:ext>
             </a:extLst>
           </p:cNvPr>
@@ -5347,7 +5435,7 @@
           <p:cNvPr id="2" name="Espaço Reservado para Data 1">
             <a:extLst>
               <a:ext uri="{FF2B5EF4-FFF2-40B4-BE49-F238E27FC236}">
-                <a16:creationId xmlns:a16="http://schemas.microsoft.com/office/drawing/2014/main" id="{94E9223F-721F-47BF-9FD5-0F8D12FF0DE1}"/>
+                <a16:creationId xmlns:a16="http://schemas.microsoft.com/office/drawing/2014/main" xmlns="" id="{94E9223F-721F-47BF-9FD5-0F8D12FF0DE1}"/>
               </a:ext>
             </a:extLst>
           </p:cNvPr>
@@ -5366,7 +5454,7 @@
             <a:pPr rtl="0"/>
             <a:fld id="{6AD52135-AF53-4A9A-A35F-59933B32DBCF}" type="datetime1">
               <a:rPr lang="pt-BR" noProof="0" smtClean="0"/>
-              <a:t>23/03/2021</a:t>
+              <a:t>07/05/2021</a:t>
             </a:fld>
             <a:endParaRPr lang="pt-BR" noProof="0" dirty="0"/>
           </a:p>
@@ -5377,7 +5465,7 @@
           <p:cNvPr id="3" name="Espaço Reservado para Rodapé 2">
             <a:extLst>
               <a:ext uri="{FF2B5EF4-FFF2-40B4-BE49-F238E27FC236}">
-                <a16:creationId xmlns:a16="http://schemas.microsoft.com/office/drawing/2014/main" id="{05915714-6BBA-4593-8591-4E26F7D58D9F}"/>
+                <a16:creationId xmlns:a16="http://schemas.microsoft.com/office/drawing/2014/main" xmlns="" id="{05915714-6BBA-4593-8591-4E26F7D58D9F}"/>
               </a:ext>
             </a:extLst>
           </p:cNvPr>
@@ -5403,7 +5491,7 @@
           <p:cNvPr id="4" name="Espaço reservado para o número do slide 3">
             <a:extLst>
               <a:ext uri="{FF2B5EF4-FFF2-40B4-BE49-F238E27FC236}">
-                <a16:creationId xmlns:a16="http://schemas.microsoft.com/office/drawing/2014/main" id="{BE06F857-D2E1-44DD-ABDD-EBB739645B67}"/>
+                <a16:creationId xmlns:a16="http://schemas.microsoft.com/office/drawing/2014/main" xmlns="" id="{BE06F857-D2E1-44DD-ABDD-EBB739645B67}"/>
               </a:ext>
             </a:extLst>
           </p:cNvPr>
@@ -5471,7 +5559,7 @@
           <p:cNvPr id="2" name="Espaço Reservado para Data 1">
             <a:extLst>
               <a:ext uri="{FF2B5EF4-FFF2-40B4-BE49-F238E27FC236}">
-                <a16:creationId xmlns:a16="http://schemas.microsoft.com/office/drawing/2014/main" id="{94E9223F-721F-47BF-9FD5-0F8D12FF0DE1}"/>
+                <a16:creationId xmlns:a16="http://schemas.microsoft.com/office/drawing/2014/main" xmlns="" id="{94E9223F-721F-47BF-9FD5-0F8D12FF0DE1}"/>
               </a:ext>
             </a:extLst>
           </p:cNvPr>
@@ -5490,7 +5578,7 @@
             <a:pPr rtl="0"/>
             <a:fld id="{7F812BA4-192F-42D6-B515-396E862C1C8F}" type="datetime1">
               <a:rPr lang="pt-BR" noProof="0" smtClean="0"/>
-              <a:t>23/03/2021</a:t>
+              <a:t>07/05/2021</a:t>
             </a:fld>
             <a:endParaRPr lang="pt-BR" noProof="0" dirty="0"/>
           </a:p>
@@ -5501,7 +5589,7 @@
           <p:cNvPr id="3" name="Espaço Reservado para Rodapé 2">
             <a:extLst>
               <a:ext uri="{FF2B5EF4-FFF2-40B4-BE49-F238E27FC236}">
-                <a16:creationId xmlns:a16="http://schemas.microsoft.com/office/drawing/2014/main" id="{05915714-6BBA-4593-8591-4E26F7D58D9F}"/>
+                <a16:creationId xmlns:a16="http://schemas.microsoft.com/office/drawing/2014/main" xmlns="" id="{05915714-6BBA-4593-8591-4E26F7D58D9F}"/>
               </a:ext>
             </a:extLst>
           </p:cNvPr>
@@ -5527,7 +5615,7 @@
           <p:cNvPr id="4" name="Espaço reservado para o número do slide 3">
             <a:extLst>
               <a:ext uri="{FF2B5EF4-FFF2-40B4-BE49-F238E27FC236}">
-                <a16:creationId xmlns:a16="http://schemas.microsoft.com/office/drawing/2014/main" id="{BE06F857-D2E1-44DD-ABDD-EBB739645B67}"/>
+                <a16:creationId xmlns:a16="http://schemas.microsoft.com/office/drawing/2014/main" xmlns="" id="{BE06F857-D2E1-44DD-ABDD-EBB739645B67}"/>
               </a:ext>
             </a:extLst>
           </p:cNvPr>
@@ -5557,7 +5645,7 @@
           <p:cNvPr id="5" name="Retângulo">
             <a:extLst>
               <a:ext uri="{FF2B5EF4-FFF2-40B4-BE49-F238E27FC236}">
-                <a16:creationId xmlns:a16="http://schemas.microsoft.com/office/drawing/2014/main" id="{05BFC727-5650-B049-AA2A-2511C08FB35B}"/>
+                <a16:creationId xmlns:a16="http://schemas.microsoft.com/office/drawing/2014/main" xmlns="" id="{05BFC727-5650-B049-AA2A-2511C08FB35B}"/>
               </a:ext>
             </a:extLst>
           </p:cNvPr>
@@ -5603,7 +5691,7 @@
           <p:cNvPr id="6" name="Retângulo">
             <a:extLst>
               <a:ext uri="{FF2B5EF4-FFF2-40B4-BE49-F238E27FC236}">
-                <a16:creationId xmlns:a16="http://schemas.microsoft.com/office/drawing/2014/main" id="{E700C598-C823-744D-BE16-5114B7625057}"/>
+                <a16:creationId xmlns:a16="http://schemas.microsoft.com/office/drawing/2014/main" xmlns="" id="{E700C598-C823-744D-BE16-5114B7625057}"/>
               </a:ext>
             </a:extLst>
           </p:cNvPr>
@@ -5657,7 +5745,7 @@
           <p:cNvPr id="10" name="Espaço Reservado para Imagem 8">
             <a:extLst>
               <a:ext uri="{FF2B5EF4-FFF2-40B4-BE49-F238E27FC236}">
-                <a16:creationId xmlns:a16="http://schemas.microsoft.com/office/drawing/2014/main" id="{21BED569-C9C5-8F4D-A42A-ED4914579D63}"/>
+                <a16:creationId xmlns:a16="http://schemas.microsoft.com/office/drawing/2014/main" xmlns="" id="{21BED569-C9C5-8F4D-A42A-ED4914579D63}"/>
               </a:ext>
             </a:extLst>
           </p:cNvPr>
@@ -5703,7 +5791,7 @@
           <p:cNvPr id="11" name="Espaço Reservado para Título 1">
             <a:extLst>
               <a:ext uri="{FF2B5EF4-FFF2-40B4-BE49-F238E27FC236}">
-                <a16:creationId xmlns:a16="http://schemas.microsoft.com/office/drawing/2014/main" id="{ACB6E588-2EB7-9A41-A93A-7757596EF9D6}"/>
+                <a16:creationId xmlns:a16="http://schemas.microsoft.com/office/drawing/2014/main" xmlns="" id="{ACB6E588-2EB7-9A41-A93A-7757596EF9D6}"/>
               </a:ext>
             </a:extLst>
           </p:cNvPr>
@@ -5746,7 +5834,7 @@
           <p:cNvPr id="12" name="Espaço Reservado para Conteúdo 3">
             <a:extLst>
               <a:ext uri="{FF2B5EF4-FFF2-40B4-BE49-F238E27FC236}">
-                <a16:creationId xmlns:a16="http://schemas.microsoft.com/office/drawing/2014/main" id="{A6C0FE70-F6BB-3D40-AD3C-E704CABE499C}"/>
+                <a16:creationId xmlns:a16="http://schemas.microsoft.com/office/drawing/2014/main" xmlns="" id="{A6C0FE70-F6BB-3D40-AD3C-E704CABE499C}"/>
               </a:ext>
             </a:extLst>
           </p:cNvPr>
@@ -5909,7 +5997,7 @@
           <p:cNvPr id="2" name="Espaço Reservado para Data 1">
             <a:extLst>
               <a:ext uri="{FF2B5EF4-FFF2-40B4-BE49-F238E27FC236}">
-                <a16:creationId xmlns:a16="http://schemas.microsoft.com/office/drawing/2014/main" id="{94E9223F-721F-47BF-9FD5-0F8D12FF0DE1}"/>
+                <a16:creationId xmlns:a16="http://schemas.microsoft.com/office/drawing/2014/main" xmlns="" id="{94E9223F-721F-47BF-9FD5-0F8D12FF0DE1}"/>
               </a:ext>
             </a:extLst>
           </p:cNvPr>
@@ -5928,7 +6016,7 @@
             <a:pPr rtl="0"/>
             <a:fld id="{A43CB41E-BD29-439B-BF78-A64CBF9A3F58}" type="datetime1">
               <a:rPr lang="pt-BR" noProof="0" smtClean="0"/>
-              <a:t>23/03/2021</a:t>
+              <a:t>07/05/2021</a:t>
             </a:fld>
             <a:endParaRPr lang="pt-BR" noProof="0" dirty="0"/>
           </a:p>
@@ -5939,7 +6027,7 @@
           <p:cNvPr id="3" name="Espaço Reservado para Rodapé 2">
             <a:extLst>
               <a:ext uri="{FF2B5EF4-FFF2-40B4-BE49-F238E27FC236}">
-                <a16:creationId xmlns:a16="http://schemas.microsoft.com/office/drawing/2014/main" id="{05915714-6BBA-4593-8591-4E26F7D58D9F}"/>
+                <a16:creationId xmlns:a16="http://schemas.microsoft.com/office/drawing/2014/main" xmlns="" id="{05915714-6BBA-4593-8591-4E26F7D58D9F}"/>
               </a:ext>
             </a:extLst>
           </p:cNvPr>
@@ -5965,7 +6053,7 @@
           <p:cNvPr id="4" name="Espaço reservado para o número do slide 3">
             <a:extLst>
               <a:ext uri="{FF2B5EF4-FFF2-40B4-BE49-F238E27FC236}">
-                <a16:creationId xmlns:a16="http://schemas.microsoft.com/office/drawing/2014/main" id="{BE06F857-D2E1-44DD-ABDD-EBB739645B67}"/>
+                <a16:creationId xmlns:a16="http://schemas.microsoft.com/office/drawing/2014/main" xmlns="" id="{BE06F857-D2E1-44DD-ABDD-EBB739645B67}"/>
               </a:ext>
             </a:extLst>
           </p:cNvPr>
@@ -5995,7 +6083,7 @@
           <p:cNvPr id="5" name="Retângulo">
             <a:extLst>
               <a:ext uri="{FF2B5EF4-FFF2-40B4-BE49-F238E27FC236}">
-                <a16:creationId xmlns:a16="http://schemas.microsoft.com/office/drawing/2014/main" id="{0AB10FFC-D586-994D-8D3D-F4042255CB72}"/>
+                <a16:creationId xmlns:a16="http://schemas.microsoft.com/office/drawing/2014/main" xmlns="" id="{0AB10FFC-D586-994D-8D3D-F4042255CB72}"/>
               </a:ext>
             </a:extLst>
           </p:cNvPr>
@@ -6041,7 +6129,7 @@
           <p:cNvPr id="6" name="Retângulo">
             <a:extLst>
               <a:ext uri="{FF2B5EF4-FFF2-40B4-BE49-F238E27FC236}">
-                <a16:creationId xmlns:a16="http://schemas.microsoft.com/office/drawing/2014/main" id="{C7B0C08A-E831-D242-B2CE-2DEB004F982F}"/>
+                <a16:creationId xmlns:a16="http://schemas.microsoft.com/office/drawing/2014/main" xmlns="" id="{C7B0C08A-E831-D242-B2CE-2DEB004F982F}"/>
               </a:ext>
             </a:extLst>
           </p:cNvPr>
@@ -6095,7 +6183,7 @@
           <p:cNvPr id="7" name="Conector Reto 6">
             <a:extLst>
               <a:ext uri="{FF2B5EF4-FFF2-40B4-BE49-F238E27FC236}">
-                <a16:creationId xmlns:a16="http://schemas.microsoft.com/office/drawing/2014/main" id="{105C2191-88F7-4148-96FD-E129F707E038}"/>
+                <a16:creationId xmlns:a16="http://schemas.microsoft.com/office/drawing/2014/main" xmlns="" id="{105C2191-88F7-4148-96FD-E129F707E038}"/>
               </a:ext>
             </a:extLst>
           </p:cNvPr>
@@ -6136,7 +6224,7 @@
           <p:cNvPr id="10" name="Espaço Reservado para Título 1">
             <a:extLst>
               <a:ext uri="{FF2B5EF4-FFF2-40B4-BE49-F238E27FC236}">
-                <a16:creationId xmlns:a16="http://schemas.microsoft.com/office/drawing/2014/main" id="{61FB2196-E251-5A40-86F7-6092CEBFA133}"/>
+                <a16:creationId xmlns:a16="http://schemas.microsoft.com/office/drawing/2014/main" xmlns="" id="{61FB2196-E251-5A40-86F7-6092CEBFA133}"/>
               </a:ext>
             </a:extLst>
           </p:cNvPr>
@@ -6179,7 +6267,7 @@
           <p:cNvPr id="12" name="Espaço Reservado para Conteúdo 3">
             <a:extLst>
               <a:ext uri="{FF2B5EF4-FFF2-40B4-BE49-F238E27FC236}">
-                <a16:creationId xmlns:a16="http://schemas.microsoft.com/office/drawing/2014/main" id="{C2FACD1B-0D9C-A547-98A0-D66C341D3D74}"/>
+                <a16:creationId xmlns:a16="http://schemas.microsoft.com/office/drawing/2014/main" xmlns="" id="{C2FACD1B-0D9C-A547-98A0-D66C341D3D74}"/>
               </a:ext>
             </a:extLst>
           </p:cNvPr>
@@ -6298,7 +6386,7 @@
           <p:cNvPr id="11" name="Retângulo">
             <a:extLst>
               <a:ext uri="{FF2B5EF4-FFF2-40B4-BE49-F238E27FC236}">
-                <a16:creationId xmlns:a16="http://schemas.microsoft.com/office/drawing/2014/main" id="{1552108B-1F90-0044-A7D4-0956E919F29A}"/>
+                <a16:creationId xmlns:a16="http://schemas.microsoft.com/office/drawing/2014/main" xmlns="" id="{1552108B-1F90-0044-A7D4-0956E919F29A}"/>
               </a:ext>
             </a:extLst>
           </p:cNvPr>
@@ -6475,7 +6563,7 @@
             <a:pPr rtl="0"/>
             <a:fld id="{B6625A12-B868-480C-9272-328493957447}" type="datetime1">
               <a:rPr lang="pt-BR" noProof="0" smtClean="0"/>
-              <a:t>23/03/2021</a:t>
+              <a:t>07/05/2021</a:t>
             </a:fld>
             <a:endParaRPr lang="pt-BR" noProof="0" dirty="0"/>
           </a:p>
@@ -6962,7 +7050,7 @@
           <p:cNvPr id="4" name="Título 3">
             <a:extLst>
               <a:ext uri="{FF2B5EF4-FFF2-40B4-BE49-F238E27FC236}">
-                <a16:creationId xmlns:a16="http://schemas.microsoft.com/office/drawing/2014/main" id="{5B7AEFB0-51F2-5449-996C-73382891D2F9}"/>
+                <a16:creationId xmlns:a16="http://schemas.microsoft.com/office/drawing/2014/main" xmlns="" id="{5B7AEFB0-51F2-5449-996C-73382891D2F9}"/>
               </a:ext>
             </a:extLst>
           </p:cNvPr>
@@ -6991,7 +7079,7 @@
           <p:cNvPr id="5" name="Subtítulo 4">
             <a:extLst>
               <a:ext uri="{FF2B5EF4-FFF2-40B4-BE49-F238E27FC236}">
-                <a16:creationId xmlns:a16="http://schemas.microsoft.com/office/drawing/2014/main" id="{B0F6D6CF-8D73-6643-A348-53AAE29FD1C2}"/>
+                <a16:creationId xmlns:a16="http://schemas.microsoft.com/office/drawing/2014/main" xmlns="" id="{B0F6D6CF-8D73-6643-A348-53AAE29FD1C2}"/>
               </a:ext>
             </a:extLst>
           </p:cNvPr>
@@ -7019,6 +7107,336 @@
     <p:extLst>
       <p:ext uri="{BB962C8B-B14F-4D97-AF65-F5344CB8AC3E}">
         <p14:creationId xmlns:p14="http://schemas.microsoft.com/office/powerpoint/2010/main" val="1833365833"/>
+      </p:ext>
+    </p:extLst>
+  </p:cSld>
+  <p:clrMapOvr>
+    <a:masterClrMapping/>
+  </p:clrMapOvr>
+</p:sld>
+</file>
+
+<file path=ppt/slides/slide10.xml><?xml version="1.0" encoding="utf-8"?>
+<p:sld xmlns:a="http://schemas.openxmlformats.org/drawingml/2006/main" xmlns:r="http://schemas.openxmlformats.org/officeDocument/2006/relationships" xmlns:p="http://schemas.openxmlformats.org/presentationml/2006/main">
+  <p:cSld>
+    <p:spTree>
+      <p:nvGrpSpPr>
+        <p:cNvPr id="1" name=""/>
+        <p:cNvGrpSpPr/>
+        <p:nvPr/>
+      </p:nvGrpSpPr>
+      <p:grpSpPr>
+        <a:xfrm>
+          <a:off x="0" y="0"/>
+          <a:ext cx="0" cy="0"/>
+          <a:chOff x="0" y="0"/>
+          <a:chExt cx="0" cy="0"/>
+        </a:xfrm>
+      </p:grpSpPr>
+      <p:pic>
+        <p:nvPicPr>
+          <p:cNvPr id="5" name="Espaço Reservado para Conteúdo 4" descr="Gráfico, Gráfico de pizza&#10;&#10;Descrição gerada automaticamente">
+            <a:extLst>
+              <a:ext uri="{FF2B5EF4-FFF2-40B4-BE49-F238E27FC236}">
+                <a16:creationId xmlns:a16="http://schemas.microsoft.com/office/drawing/2014/main" xmlns="" id="{94B89880-C933-4704-871C-40754EAC0B49}"/>
+              </a:ext>
+            </a:extLst>
+          </p:cNvPr>
+          <p:cNvPicPr>
+            <a:picLocks noGrp="1" noChangeAspect="1"/>
+          </p:cNvPicPr>
+          <p:nvPr>
+            <p:ph type="pic" sz="quarter" idx="13"/>
+          </p:nvPr>
+        </p:nvPicPr>
+        <p:blipFill rotWithShape="1">
+          <a:blip r:embed="rId3"/>
+          <a:stretch/>
+        </p:blipFill>
+        <p:spPr>
+          <a:xfrm>
+            <a:off x="5924550" y="1252934"/>
+            <a:ext cx="5632450" cy="4353056"/>
+          </a:xfrm>
+          <a:noFill/>
+        </p:spPr>
+      </p:pic>
+      <p:sp>
+        <p:nvSpPr>
+          <p:cNvPr id="29" name="Título 28">
+            <a:extLst>
+              <a:ext uri="{FF2B5EF4-FFF2-40B4-BE49-F238E27FC236}">
+                <a16:creationId xmlns:a16="http://schemas.microsoft.com/office/drawing/2014/main" xmlns="" id="{F87770D2-E48E-7A42-9413-8C2720FCAC9F}"/>
+              </a:ext>
+            </a:extLst>
+          </p:cNvPr>
+          <p:cNvSpPr>
+            <a:spLocks noGrp="1"/>
+          </p:cNvSpPr>
+          <p:nvPr>
+            <p:ph type="title"/>
+          </p:nvPr>
+        </p:nvSpPr>
+        <p:spPr>
+          <a:xfrm>
+            <a:off x="1195754" y="942870"/>
+            <a:ext cx="4157296" cy="1292750"/>
+          </a:xfrm>
+        </p:spPr>
+        <p:txBody>
+          <a:bodyPr rtlCol="0" anchor="ctr">
+            <a:normAutofit/>
+          </a:bodyPr>
+          <a:lstStyle/>
+          <a:p>
+            <a:pPr rtl="0"/>
+            <a:r>
+              <a:rPr lang="pt-BR" dirty="0"/>
+              <a:t>Conclusão</a:t>
+            </a:r>
+          </a:p>
+        </p:txBody>
+      </p:sp>
+      <p:sp>
+        <p:nvSpPr>
+          <p:cNvPr id="30" name="Espaço Reservado para Conteúdo 29">
+            <a:extLst>
+              <a:ext uri="{FF2B5EF4-FFF2-40B4-BE49-F238E27FC236}">
+                <a16:creationId xmlns:a16="http://schemas.microsoft.com/office/drawing/2014/main" xmlns="" id="{42F24CA9-34C3-CF4E-B2C6-AAC4B1BBA81E}"/>
+              </a:ext>
+            </a:extLst>
+          </p:cNvPr>
+          <p:cNvSpPr>
+            <a:spLocks noGrp="1"/>
+          </p:cNvSpPr>
+          <p:nvPr>
+            <p:ph sz="half" idx="2"/>
+          </p:nvPr>
+        </p:nvSpPr>
+        <p:spPr>
+          <a:xfrm>
+            <a:off x="1195754" y="2281657"/>
+            <a:ext cx="4157296" cy="3633471"/>
+          </a:xfrm>
+        </p:spPr>
+        <p:txBody>
+          <a:bodyPr rtlCol="0">
+            <a:normAutofit/>
+          </a:bodyPr>
+          <a:lstStyle/>
+          <a:p>
+            <a:pPr algn="just" rtl="0"/>
+            <a:r>
+              <a:rPr lang="pt-BR" dirty="0"/>
+              <a:t>Foi feito uma pesquisa com familiares e colegas, e é possível mostrar o índice de aprovação </a:t>
+            </a:r>
+            <a:r>
+              <a:rPr lang="pt-BR"/>
+              <a:t>conforme mostrado </a:t>
+            </a:r>
+            <a:r>
+              <a:rPr lang="pt-BR" dirty="0"/>
+              <a:t>no gráfico.</a:t>
+            </a:r>
+          </a:p>
+        </p:txBody>
+      </p:sp>
+    </p:spTree>
+    <p:extLst>
+      <p:ext uri="{BB962C8B-B14F-4D97-AF65-F5344CB8AC3E}">
+        <p14:creationId xmlns:p14="http://schemas.microsoft.com/office/powerpoint/2010/main" val="3171150445"/>
+      </p:ext>
+    </p:extLst>
+  </p:cSld>
+  <p:clrMapOvr>
+    <a:masterClrMapping/>
+  </p:clrMapOvr>
+</p:sld>
+</file>
+
+<file path=ppt/slides/slide11.xml><?xml version="1.0" encoding="utf-8"?>
+<p:sld xmlns:a="http://schemas.openxmlformats.org/drawingml/2006/main" xmlns:r="http://schemas.openxmlformats.org/officeDocument/2006/relationships" xmlns:p="http://schemas.openxmlformats.org/presentationml/2006/main">
+  <p:cSld>
+    <p:spTree>
+      <p:nvGrpSpPr>
+        <p:cNvPr id="1" name=""/>
+        <p:cNvGrpSpPr/>
+        <p:nvPr/>
+      </p:nvGrpSpPr>
+      <p:grpSpPr>
+        <a:xfrm>
+          <a:off x="0" y="0"/>
+          <a:ext cx="0" cy="0"/>
+          <a:chOff x="0" y="0"/>
+          <a:chExt cx="0" cy="0"/>
+        </a:xfrm>
+      </p:grpSpPr>
+      <p:sp>
+        <p:nvSpPr>
+          <p:cNvPr id="3" name="Título 2"/>
+          <p:cNvSpPr>
+            <a:spLocks noGrp="1"/>
+          </p:cNvSpPr>
+          <p:nvPr>
+            <p:ph type="title"/>
+          </p:nvPr>
+        </p:nvSpPr>
+        <p:spPr/>
+        <p:txBody>
+          <a:bodyPr/>
+          <a:lstStyle/>
+          <a:p>
+            <a:r>
+              <a:rPr lang="pt-BR" dirty="0" smtClean="0"/>
+              <a:t>ReferênciaS</a:t>
+            </a:r>
+            <a:endParaRPr lang="pt-BR" dirty="0"/>
+          </a:p>
+        </p:txBody>
+      </p:sp>
+      <p:sp>
+        <p:nvSpPr>
+          <p:cNvPr id="5" name="CaixaDeTexto 4"/>
+          <p:cNvSpPr txBox="1"/>
+          <p:nvPr/>
+        </p:nvSpPr>
+        <p:spPr>
+          <a:xfrm>
+            <a:off x="1238864" y="2163096"/>
+            <a:ext cx="9517626" cy="3416320"/>
+          </a:xfrm>
+          <a:prstGeom prst="rect">
+            <a:avLst/>
+          </a:prstGeom>
+          <a:noFill/>
+        </p:spPr>
+        <p:txBody>
+          <a:bodyPr wrap="square" rtlCol="0">
+            <a:spAutoFit/>
+          </a:bodyPr>
+          <a:lstStyle/>
+          <a:p>
+            <a:r>
+              <a:rPr lang="pt-BR" dirty="0"/>
+              <a:t>MELO, Ana. </a:t>
+            </a:r>
+            <a:r>
+              <a:rPr lang="pt-BR" b="1" dirty="0"/>
+              <a:t>Exercitando modelagem em UML</a:t>
+            </a:r>
+            <a:r>
+              <a:rPr lang="pt-BR" dirty="0"/>
+              <a:t>. 51 exercícios resolvidos. </a:t>
+            </a:r>
+          </a:p>
+          <a:p>
+            <a:endParaRPr lang="pt-BR" dirty="0" smtClean="0"/>
+          </a:p>
+          <a:p>
+            <a:r>
+              <a:rPr lang="pt-BR" dirty="0" smtClean="0"/>
+              <a:t>PRESMAN</a:t>
+            </a:r>
+            <a:r>
+              <a:rPr lang="pt-BR" dirty="0"/>
+              <a:t>, Roger. </a:t>
+            </a:r>
+            <a:r>
+              <a:rPr lang="pt-BR" b="1" dirty="0"/>
+              <a:t>Engenharia de Software</a:t>
+            </a:r>
+            <a:r>
+              <a:rPr lang="pt-BR" dirty="0"/>
+              <a:t>: Uma abordagem profissional. 7° ed. AMGH, 2011</a:t>
+            </a:r>
+          </a:p>
+          <a:p>
+            <a:endParaRPr lang="pt-BR" dirty="0" smtClean="0"/>
+          </a:p>
+          <a:p>
+            <a:r>
+              <a:rPr lang="pt-BR" dirty="0" smtClean="0"/>
+              <a:t>SUMMERVILLE</a:t>
+            </a:r>
+            <a:r>
+              <a:rPr lang="pt-BR" dirty="0"/>
+              <a:t>, Ian. </a:t>
+            </a:r>
+            <a:r>
+              <a:rPr lang="pt-BR" b="1" dirty="0"/>
+              <a:t>Engenharia de Software</a:t>
+            </a:r>
+            <a:r>
+              <a:rPr lang="pt-BR" dirty="0"/>
+              <a:t>. 6° ed. Pearson, 2003</a:t>
+            </a:r>
+          </a:p>
+          <a:p>
+            <a:endParaRPr lang="pt-BR" dirty="0" smtClean="0"/>
+          </a:p>
+          <a:p>
+            <a:r>
+              <a:rPr lang="pt-BR" dirty="0" smtClean="0"/>
+              <a:t>OpenJS</a:t>
+            </a:r>
+            <a:r>
+              <a:rPr lang="pt-BR" dirty="0"/>
+              <a:t>, Foundation. Nodejs, 2009. </a:t>
+            </a:r>
+            <a:r>
+              <a:rPr lang="pt-BR" b="1" dirty="0"/>
+              <a:t>Introduction to Nodejs.</a:t>
+            </a:r>
+            <a:r>
+              <a:rPr lang="pt-BR" dirty="0"/>
+              <a:t> Disponivel em: &lt;</a:t>
+            </a:r>
+            <a:r>
+              <a:rPr lang="pt-BR" u="sng" dirty="0">
+                <a:hlinkClick r:id="rId2"/>
+              </a:rPr>
+              <a:t>https://nodejs.dev/learn</a:t>
+            </a:r>
+            <a:r>
+              <a:rPr lang="pt-BR" dirty="0"/>
+              <a:t>&gt;, 13, abril, 2021</a:t>
+            </a:r>
+          </a:p>
+          <a:p>
+            <a:endParaRPr lang="pt-BR" dirty="0" smtClean="0"/>
+          </a:p>
+          <a:p>
+            <a:r>
+              <a:rPr lang="pt-BR" dirty="0" smtClean="0"/>
+              <a:t>Facebook </a:t>
+            </a:r>
+            <a:r>
+              <a:rPr lang="pt-BR" dirty="0"/>
+              <a:t>Open Source. React, 2003. </a:t>
+            </a:r>
+            <a:r>
+              <a:rPr lang="pt-BR" b="1" dirty="0"/>
+              <a:t>React</a:t>
+            </a:r>
+            <a:r>
+              <a:rPr lang="pt-BR" dirty="0"/>
+              <a:t>. Uma biblioteca javascript para criar interfaces de usuários. Disponível em: &lt;</a:t>
+            </a:r>
+            <a:r>
+              <a:rPr lang="pt-BR" u="sng" dirty="0"/>
+              <a:t>https://pt-br.reactjs.org</a:t>
+            </a:r>
+            <a:r>
+              <a:rPr lang="pt-BR" dirty="0"/>
+              <a:t>&gt;</a:t>
+            </a:r>
+          </a:p>
+        </p:txBody>
+      </p:sp>
+    </p:spTree>
+    <p:extLst>
+      <p:ext uri="{BB962C8B-B14F-4D97-AF65-F5344CB8AC3E}">
+        <p14:creationId xmlns:p14="http://schemas.microsoft.com/office/powerpoint/2010/main" val="3181810892"/>
       </p:ext>
     </p:extLst>
   </p:cSld>
@@ -7058,7 +7476,7 @@
           <p:cNvPr id="19" name="Título 18">
             <a:extLst>
               <a:ext uri="{FF2B5EF4-FFF2-40B4-BE49-F238E27FC236}">
-                <a16:creationId xmlns:a16="http://schemas.microsoft.com/office/drawing/2014/main" id="{55BA9AC8-EA60-644D-9DDA-B76203EA1E87}"/>
+                <a16:creationId xmlns:a16="http://schemas.microsoft.com/office/drawing/2014/main" xmlns="" id="{55BA9AC8-EA60-644D-9DDA-B76203EA1E87}"/>
               </a:ext>
             </a:extLst>
           </p:cNvPr>
@@ -7091,7 +7509,7 @@
           <p:cNvPr id="17" name="Espaço Reservado para Conteúdo 16">
             <a:extLst>
               <a:ext uri="{FF2B5EF4-FFF2-40B4-BE49-F238E27FC236}">
-                <a16:creationId xmlns:a16="http://schemas.microsoft.com/office/drawing/2014/main" id="{8E7591AD-81F4-2E45-AE36-F4DA40C19031}"/>
+                <a16:creationId xmlns:a16="http://schemas.microsoft.com/office/drawing/2014/main" xmlns="" id="{8E7591AD-81F4-2E45-AE36-F4DA40C19031}"/>
               </a:ext>
             </a:extLst>
           </p:cNvPr>
@@ -7192,7 +7610,7 @@
           <p:cNvPr id="4" name="Título 3">
             <a:extLst>
               <a:ext uri="{FF2B5EF4-FFF2-40B4-BE49-F238E27FC236}">
-                <a16:creationId xmlns:a16="http://schemas.microsoft.com/office/drawing/2014/main" id="{E5E51183-D0D9-A74B-94F0-9EC0104A75F3}"/>
+                <a16:creationId xmlns:a16="http://schemas.microsoft.com/office/drawing/2014/main" xmlns="" id="{E5E51183-D0D9-A74B-94F0-9EC0104A75F3}"/>
               </a:ext>
             </a:extLst>
           </p:cNvPr>
@@ -7237,7 +7655,7 @@
           <p:cNvPr id="5" name="Espaço Reservado para Conteúdo 4">
             <a:extLst>
               <a:ext uri="{FF2B5EF4-FFF2-40B4-BE49-F238E27FC236}">
-                <a16:creationId xmlns:a16="http://schemas.microsoft.com/office/drawing/2014/main" id="{319ED1B1-6FE0-FA43-95C4-366DBD1F1305}"/>
+                <a16:creationId xmlns:a16="http://schemas.microsoft.com/office/drawing/2014/main" xmlns="" id="{319ED1B1-6FE0-FA43-95C4-366DBD1F1305}"/>
               </a:ext>
             </a:extLst>
           </p:cNvPr>
@@ -7355,7 +7773,7 @@
           <p:cNvPr id="8" name="Título 7">
             <a:extLst>
               <a:ext uri="{FF2B5EF4-FFF2-40B4-BE49-F238E27FC236}">
-                <a16:creationId xmlns:a16="http://schemas.microsoft.com/office/drawing/2014/main" id="{900900CD-B943-934F-857F-30AA913FE9D9}"/>
+                <a16:creationId xmlns:a16="http://schemas.microsoft.com/office/drawing/2014/main" xmlns="" id="{900900CD-B943-934F-857F-30AA913FE9D9}"/>
               </a:ext>
             </a:extLst>
           </p:cNvPr>
@@ -7385,7 +7803,7 @@
           <p:cNvPr id="12" name="Espaço Reservado para Conteúdo 11">
             <a:extLst>
               <a:ext uri="{FF2B5EF4-FFF2-40B4-BE49-F238E27FC236}">
-                <a16:creationId xmlns:a16="http://schemas.microsoft.com/office/drawing/2014/main" id="{2A09EEBC-5E2C-D240-A5D6-6952B8392E49}"/>
+                <a16:creationId xmlns:a16="http://schemas.microsoft.com/office/drawing/2014/main" xmlns="" id="{2A09EEBC-5E2C-D240-A5D6-6952B8392E49}"/>
               </a:ext>
             </a:extLst>
           </p:cNvPr>
@@ -7477,7 +7895,7 @@
           <p:cNvPr id="5" name="Espaço Reservado para Imagem 4" descr="Ícone&#10;&#10;Descrição gerada automaticamente">
             <a:extLst>
               <a:ext uri="{FF2B5EF4-FFF2-40B4-BE49-F238E27FC236}">
-                <a16:creationId xmlns:a16="http://schemas.microsoft.com/office/drawing/2014/main" id="{E5503DD1-CD1C-43E7-A376-59ADD99335DC}"/>
+                <a16:creationId xmlns:a16="http://schemas.microsoft.com/office/drawing/2014/main" xmlns="" id="{E5503DD1-CD1C-43E7-A376-59ADD99335DC}"/>
               </a:ext>
             </a:extLst>
           </p:cNvPr>
@@ -7536,7 +7954,7 @@
           <p:cNvPr id="7" name="Imagem 6" descr="Desenho de personagem de desenho animado&#10;&#10;Descrição gerada automaticamente com confiança média">
             <a:extLst>
               <a:ext uri="{FF2B5EF4-FFF2-40B4-BE49-F238E27FC236}">
-                <a16:creationId xmlns:a16="http://schemas.microsoft.com/office/drawing/2014/main" id="{5A75D33D-EAFD-4416-9ED0-B0BFAF217D9B}"/>
+                <a16:creationId xmlns:a16="http://schemas.microsoft.com/office/drawing/2014/main" xmlns="" id="{5A75D33D-EAFD-4416-9ED0-B0BFAF217D9B}"/>
               </a:ext>
             </a:extLst>
           </p:cNvPr>
@@ -7633,7 +8051,7 @@
           <p:cNvPr id="8" name="Título 15">
             <a:extLst>
               <a:ext uri="{FF2B5EF4-FFF2-40B4-BE49-F238E27FC236}">
-                <a16:creationId xmlns:a16="http://schemas.microsoft.com/office/drawing/2014/main" id="{3995AF21-A1CC-4CFB-A4FA-6A1C1BF7E93F}"/>
+                <a16:creationId xmlns:a16="http://schemas.microsoft.com/office/drawing/2014/main" xmlns="" id="{3995AF21-A1CC-4CFB-A4FA-6A1C1BF7E93F}"/>
               </a:ext>
             </a:extLst>
           </p:cNvPr>
@@ -7687,31 +8105,41 @@
       </p:sp>
       <p:pic>
         <p:nvPicPr>
-          <p:cNvPr id="14" name="Espaço Reservado para Conteúdo 13" descr="Diagrama&#10;&#10;Descrição gerada automaticamente">
-            <a:extLst>
-              <a:ext uri="{FF2B5EF4-FFF2-40B4-BE49-F238E27FC236}">
-                <a16:creationId xmlns:a16="http://schemas.microsoft.com/office/drawing/2014/main" id="{C291F123-80CB-4BC8-AD00-E73C970F52EB}"/>
-              </a:ext>
-            </a:extLst>
-          </p:cNvPr>
-          <p:cNvPicPr>
-            <a:picLocks noGrp="1" noChangeAspect="1"/>
-          </p:cNvPicPr>
-          <p:nvPr>
-            <p:ph idx="1"/>
-          </p:nvPr>
+          <p:cNvPr id="4" name="Imagem 3">
+            <a:extLst>
+              <a:ext uri="{FF2B5EF4-FFF2-40B4-BE49-F238E27FC236}">
+                <a16:creationId xmlns:a16="http://schemas.microsoft.com/office/drawing/2014/main" xmlns="" id="{94E27E98-6B54-4897-B644-2F7075793D53}"/>
+              </a:ext>
+            </a:extLst>
+          </p:cNvPr>
+          <p:cNvPicPr/>
+          <p:nvPr/>
         </p:nvPicPr>
         <p:blipFill>
-          <a:blip r:embed="rId3"/>
+          <a:blip r:embed="rId3">
+            <a:extLst>
+              <a:ext uri="{28A0092B-C50C-407E-A947-70E740481C1C}">
+                <a14:useLocalDpi xmlns:a14="http://schemas.microsoft.com/office/drawing/2010/main" val="0"/>
+              </a:ext>
+            </a:extLst>
+          </a:blip>
+          <a:srcRect/>
           <a:stretch>
             <a:fillRect/>
           </a:stretch>
         </p:blipFill>
-        <p:spPr>
+        <p:spPr bwMode="auto">
           <a:xfrm>
-            <a:off x="2531263" y="1095271"/>
-            <a:ext cx="8289137" cy="4703978"/>
-          </a:xfrm>
+            <a:off x="2581065" y="1145512"/>
+            <a:ext cx="7029869" cy="4835647"/>
+          </a:xfrm>
+          <a:prstGeom prst="rect">
+            <a:avLst/>
+          </a:prstGeom>
+          <a:noFill/>
+          <a:ln>
+            <a:noFill/>
+          </a:ln>
         </p:spPr>
       </p:pic>
     </p:spTree>
@@ -7744,46 +8172,12 @@
           <a:chExt cx="0" cy="0"/>
         </a:xfrm>
       </p:grpSpPr>
-      <p:sp>
-        <p:nvSpPr>
-          <p:cNvPr id="16" name="Título 15">
-            <a:extLst>
-              <a:ext uri="{FF2B5EF4-FFF2-40B4-BE49-F238E27FC236}">
-                <a16:creationId xmlns:a16="http://schemas.microsoft.com/office/drawing/2014/main" id="{09E9EE2C-A105-614C-A133-EF7DF2AD004A}"/>
-              </a:ext>
-            </a:extLst>
-          </p:cNvPr>
-          <p:cNvSpPr>
-            <a:spLocks noGrp="1"/>
-          </p:cNvSpPr>
-          <p:nvPr>
-            <p:ph type="title"/>
-          </p:nvPr>
-        </p:nvSpPr>
-        <p:spPr>
-          <a:xfrm>
-            <a:off x="7357403" y="1095271"/>
-            <a:ext cx="3709182" cy="587584"/>
-          </a:xfrm>
-        </p:spPr>
-        <p:txBody>
-          <a:bodyPr rtlCol="0"/>
-          <a:lstStyle/>
-          <a:p>
-            <a:pPr rtl="0"/>
-            <a:r>
-              <a:rPr lang="pt-BR" dirty="0"/>
-              <a:t>Banco de dados</a:t>
-            </a:r>
-          </a:p>
-        </p:txBody>
-      </p:sp>
       <p:pic>
         <p:nvPicPr>
           <p:cNvPr id="5" name="Espaço Reservado para Conteúdo 4" descr="Diagrama&#10;&#10;Descrição gerada automaticamente">
             <a:extLst>
               <a:ext uri="{FF2B5EF4-FFF2-40B4-BE49-F238E27FC236}">
-                <a16:creationId xmlns:a16="http://schemas.microsoft.com/office/drawing/2014/main" id="{D8226A16-4FCA-4538-9259-EC9F83CF2206}"/>
+                <a16:creationId xmlns:a16="http://schemas.microsoft.com/office/drawing/2014/main" xmlns="" id="{D8226A16-4FCA-4538-9259-EC9F83CF2206}"/>
               </a:ext>
             </a:extLst>
           </p:cNvPr>
@@ -7802,8 +8196,8 @@
         </p:blipFill>
         <p:spPr>
           <a:xfrm>
-            <a:off x="1097280" y="1920631"/>
-            <a:ext cx="4269616" cy="3760788"/>
+            <a:off x="1249680" y="1779954"/>
+            <a:ext cx="4539845" cy="3760788"/>
           </a:xfrm>
         </p:spPr>
       </p:pic>
@@ -7812,7 +8206,7 @@
           <p:cNvPr id="8" name="Título 15">
             <a:extLst>
               <a:ext uri="{FF2B5EF4-FFF2-40B4-BE49-F238E27FC236}">
-                <a16:creationId xmlns:a16="http://schemas.microsoft.com/office/drawing/2014/main" id="{3995AF21-A1CC-4CFB-A4FA-6A1C1BF7E93F}"/>
+                <a16:creationId xmlns:a16="http://schemas.microsoft.com/office/drawing/2014/main" xmlns="" id="{3995AF21-A1CC-4CFB-A4FA-6A1C1BF7E93F}"/>
               </a:ext>
             </a:extLst>
           </p:cNvPr>
@@ -7865,36 +8259,6 @@
           </a:p>
         </p:txBody>
       </p:sp>
-      <p:pic>
-        <p:nvPicPr>
-          <p:cNvPr id="7" name="Imagem 6" descr="Diagrama&#10;&#10;Descrição gerada automaticamente">
-            <a:extLst>
-              <a:ext uri="{FF2B5EF4-FFF2-40B4-BE49-F238E27FC236}">
-                <a16:creationId xmlns:a16="http://schemas.microsoft.com/office/drawing/2014/main" id="{F51C3F5C-E405-4431-9A89-C99AE1A76134}"/>
-              </a:ext>
-            </a:extLst>
-          </p:cNvPr>
-          <p:cNvPicPr>
-            <a:picLocks noChangeAspect="1"/>
-          </p:cNvPicPr>
-          <p:nvPr/>
-        </p:nvPicPr>
-        <p:blipFill>
-          <a:blip r:embed="rId4"/>
-          <a:stretch>
-            <a:fillRect/>
-          </a:stretch>
-        </p:blipFill>
-        <p:spPr>
-          <a:xfrm>
-            <a:off x="6493788" y="1920631"/>
-            <a:ext cx="4826953" cy="3760788"/>
-          </a:xfrm>
-          <a:prstGeom prst="rect">
-            <a:avLst/>
-          </a:prstGeom>
-        </p:spPr>
-      </p:pic>
     </p:spTree>
     <p:extLst>
       <p:ext uri="{BB962C8B-B14F-4D97-AF65-F5344CB8AC3E}">
@@ -7911,14 +8275,6 @@
 <file path=ppt/slides/slide7.xml><?xml version="1.0" encoding="utf-8"?>
 <p:sld xmlns:a="http://schemas.openxmlformats.org/drawingml/2006/main" xmlns:r="http://schemas.openxmlformats.org/officeDocument/2006/relationships" xmlns:p="http://schemas.openxmlformats.org/presentationml/2006/main">
   <p:cSld>
-    <p:bg>
-      <p:bgPr>
-        <a:solidFill>
-          <a:srgbClr val="EDEFF7"/>
-        </a:solidFill>
-        <a:effectLst/>
-      </p:bgPr>
-    </p:bg>
     <p:spTree>
       <p:nvGrpSpPr>
         <p:cNvPr id="1" name=""/>
@@ -7935,10 +8291,10 @@
       </p:grpSpPr>
       <p:sp>
         <p:nvSpPr>
-          <p:cNvPr id="9" name="Título 8">
-            <a:extLst>
-              <a:ext uri="{FF2B5EF4-FFF2-40B4-BE49-F238E27FC236}">
-                <a16:creationId xmlns:a16="http://schemas.microsoft.com/office/drawing/2014/main" id="{1B6C6BD0-EDC9-7C44-A414-B66D25E34B52}"/>
+          <p:cNvPr id="16" name="Título 15">
+            <a:extLst>
+              <a:ext uri="{FF2B5EF4-FFF2-40B4-BE49-F238E27FC236}">
+                <a16:creationId xmlns:a16="http://schemas.microsoft.com/office/drawing/2014/main" xmlns="" id="{09E9EE2C-A105-614C-A133-EF7DF2AD004A}"/>
               </a:ext>
             </a:extLst>
           </p:cNvPr>
@@ -7951,8 +8307,8 @@
         </p:nvSpPr>
         <p:spPr>
           <a:xfrm>
-            <a:off x="1097280" y="942871"/>
-            <a:ext cx="10058400" cy="587584"/>
+            <a:off x="979833" y="1102124"/>
+            <a:ext cx="3709182" cy="587584"/>
           </a:xfrm>
         </p:spPr>
         <p:txBody>
@@ -7962,17 +8318,17 @@
             <a:pPr rtl="0"/>
             <a:r>
               <a:rPr lang="pt-BR" dirty="0"/>
-              <a:t>Ferramentas</a:t>
+              <a:t>Banco de dados</a:t>
             </a:r>
           </a:p>
         </p:txBody>
       </p:sp>
       <p:pic>
         <p:nvPicPr>
-          <p:cNvPr id="16" name="Imagem 15" descr="Logotipo&#10;&#10;nodejs">
-            <a:extLst>
-              <a:ext uri="{FF2B5EF4-FFF2-40B4-BE49-F238E27FC236}">
-                <a16:creationId xmlns:a16="http://schemas.microsoft.com/office/drawing/2014/main" id="{EBA1AF48-4BAA-4744-B535-7AFE74671335}"/>
+          <p:cNvPr id="7" name="Imagem 6" descr="Diagrama&#10;&#10;Descrição gerada automaticamente">
+            <a:extLst>
+              <a:ext uri="{FF2B5EF4-FFF2-40B4-BE49-F238E27FC236}">
+                <a16:creationId xmlns:a16="http://schemas.microsoft.com/office/drawing/2014/main" xmlns="" id="{F51C3F5C-E405-4431-9A89-C99AE1A76134}"/>
               </a:ext>
             </a:extLst>
           </p:cNvPr>
@@ -7989,338 +8345,8 @@
         </p:blipFill>
         <p:spPr>
           <a:xfrm>
-            <a:off x="672483" y="1530455"/>
-            <a:ext cx="1646627" cy="1646627"/>
-          </a:xfrm>
-          <a:prstGeom prst="rect">
-            <a:avLst/>
-          </a:prstGeom>
-        </p:spPr>
-      </p:pic>
-      <p:pic>
-        <p:nvPicPr>
-          <p:cNvPr id="18" name="Imagem 17" descr="react">
-            <a:extLst>
-              <a:ext uri="{FF2B5EF4-FFF2-40B4-BE49-F238E27FC236}">
-                <a16:creationId xmlns:a16="http://schemas.microsoft.com/office/drawing/2014/main" id="{B9466FC1-71DA-4832-A0E2-A8A5B839E898}"/>
-              </a:ext>
-            </a:extLst>
-          </p:cNvPr>
-          <p:cNvPicPr>
-            <a:picLocks noChangeAspect="1"/>
-          </p:cNvPicPr>
-          <p:nvPr/>
-        </p:nvPicPr>
-        <p:blipFill>
-          <a:blip r:embed="rId4"/>
-          <a:stretch>
-            <a:fillRect/>
-          </a:stretch>
-        </p:blipFill>
-        <p:spPr>
-          <a:xfrm>
-            <a:off x="815002" y="3337464"/>
-            <a:ext cx="1915289" cy="1163003"/>
-          </a:xfrm>
-          <a:prstGeom prst="rect">
-            <a:avLst/>
-          </a:prstGeom>
-        </p:spPr>
-      </p:pic>
-      <p:pic>
-        <p:nvPicPr>
-          <p:cNvPr id="21" name="Imagem 20" descr="Ícone&#10;&#10;Descrição gerada automaticamente">
-            <a:extLst>
-              <a:ext uri="{FF2B5EF4-FFF2-40B4-BE49-F238E27FC236}">
-                <a16:creationId xmlns:a16="http://schemas.microsoft.com/office/drawing/2014/main" id="{B33BC870-8E51-44D4-BEB8-BFF7F2A1B46B}"/>
-              </a:ext>
-            </a:extLst>
-          </p:cNvPr>
-          <p:cNvPicPr>
-            <a:picLocks noChangeAspect="1"/>
-          </p:cNvPicPr>
-          <p:nvPr/>
-        </p:nvPicPr>
-        <p:blipFill>
-          <a:blip r:embed="rId5"/>
-          <a:stretch>
-            <a:fillRect/>
-          </a:stretch>
-        </p:blipFill>
-        <p:spPr>
-          <a:xfrm>
-            <a:off x="2894357" y="4025582"/>
-            <a:ext cx="1275208" cy="1275208"/>
-          </a:xfrm>
-          <a:prstGeom prst="rect">
-            <a:avLst/>
-          </a:prstGeom>
-        </p:spPr>
-      </p:pic>
-      <p:pic>
-        <p:nvPicPr>
-          <p:cNvPr id="25" name="Imagem 24" descr="Logotipo, nome da empresa&#10;&#10;Descrição gerada automaticamente">
-            <a:extLst>
-              <a:ext uri="{FF2B5EF4-FFF2-40B4-BE49-F238E27FC236}">
-                <a16:creationId xmlns:a16="http://schemas.microsoft.com/office/drawing/2014/main" id="{0D9357A5-A4B9-4228-B31C-AFF00224C94E}"/>
-              </a:ext>
-            </a:extLst>
-          </p:cNvPr>
-          <p:cNvPicPr>
-            <a:picLocks noChangeAspect="1"/>
-          </p:cNvPicPr>
-          <p:nvPr/>
-        </p:nvPicPr>
-        <p:blipFill>
-          <a:blip r:embed="rId6"/>
-          <a:stretch>
-            <a:fillRect/>
-          </a:stretch>
-        </p:blipFill>
-        <p:spPr>
-          <a:xfrm>
-            <a:off x="815002" y="4430726"/>
-            <a:ext cx="3965186" cy="1880159"/>
-          </a:xfrm>
-          <a:prstGeom prst="rect">
-            <a:avLst/>
-          </a:prstGeom>
-        </p:spPr>
-      </p:pic>
-      <p:pic>
-        <p:nvPicPr>
-          <p:cNvPr id="27" name="Imagem 26" descr="Ícone&#10;&#10;Descrição gerada automaticamente">
-            <a:extLst>
-              <a:ext uri="{FF2B5EF4-FFF2-40B4-BE49-F238E27FC236}">
-                <a16:creationId xmlns:a16="http://schemas.microsoft.com/office/drawing/2014/main" id="{F4C53E8A-80FA-46DC-8CA1-82A0A8E8202C}"/>
-              </a:ext>
-            </a:extLst>
-          </p:cNvPr>
-          <p:cNvPicPr>
-            <a:picLocks noChangeAspect="1"/>
-          </p:cNvPicPr>
-          <p:nvPr/>
-        </p:nvPicPr>
-        <p:blipFill>
-          <a:blip r:embed="rId7"/>
-          <a:stretch>
-            <a:fillRect/>
-          </a:stretch>
-        </p:blipFill>
-        <p:spPr>
-          <a:xfrm>
-            <a:off x="3121375" y="2196830"/>
-            <a:ext cx="1066228" cy="1066228"/>
-          </a:xfrm>
-          <a:prstGeom prst="rect">
-            <a:avLst/>
-          </a:prstGeom>
-        </p:spPr>
-      </p:pic>
-      <p:pic>
-        <p:nvPicPr>
-          <p:cNvPr id="30" name="Imagem 29" descr="Interface gráfica do usuário, Aplicativo&#10;&#10;Descrição gerada automaticamente">
-            <a:extLst>
-              <a:ext uri="{FF2B5EF4-FFF2-40B4-BE49-F238E27FC236}">
-                <a16:creationId xmlns:a16="http://schemas.microsoft.com/office/drawing/2014/main" id="{75C8CE5E-2184-437E-8A2A-93D2F200A93F}"/>
-              </a:ext>
-            </a:extLst>
-          </p:cNvPr>
-          <p:cNvPicPr>
-            <a:picLocks noChangeAspect="1"/>
-          </p:cNvPicPr>
-          <p:nvPr/>
-        </p:nvPicPr>
-        <p:blipFill>
-          <a:blip r:embed="rId8"/>
-          <a:stretch>
-            <a:fillRect/>
-          </a:stretch>
-        </p:blipFill>
-        <p:spPr>
-          <a:xfrm>
-            <a:off x="5045045" y="5141188"/>
-            <a:ext cx="1497869" cy="937238"/>
-          </a:xfrm>
-          <a:prstGeom prst="rect">
-            <a:avLst/>
-          </a:prstGeom>
-        </p:spPr>
-      </p:pic>
-      <p:pic>
-        <p:nvPicPr>
-          <p:cNvPr id="32" name="Imagem 31" descr="Ícone&#10;&#10;Descrição gerada automaticamente">
-            <a:extLst>
-              <a:ext uri="{FF2B5EF4-FFF2-40B4-BE49-F238E27FC236}">
-                <a16:creationId xmlns:a16="http://schemas.microsoft.com/office/drawing/2014/main" id="{D4209CDD-C8ED-4C52-8BD8-F54B936CF093}"/>
-              </a:ext>
-            </a:extLst>
-          </p:cNvPr>
-          <p:cNvPicPr>
-            <a:picLocks noChangeAspect="1"/>
-          </p:cNvPicPr>
-          <p:nvPr/>
-        </p:nvPicPr>
-        <p:blipFill>
-          <a:blip r:embed="rId9"/>
-          <a:stretch>
-            <a:fillRect/>
-          </a:stretch>
-        </p:blipFill>
-        <p:spPr>
-          <a:xfrm>
-            <a:off x="6859543" y="4895645"/>
-            <a:ext cx="1685123" cy="1415240"/>
-          </a:xfrm>
-          <a:prstGeom prst="rect">
-            <a:avLst/>
-          </a:prstGeom>
-        </p:spPr>
-      </p:pic>
-      <p:pic>
-        <p:nvPicPr>
-          <p:cNvPr id="34" name="Imagem 33" descr="Ícone&#10;&#10;Descrição gerada automaticamente">
-            <a:extLst>
-              <a:ext uri="{FF2B5EF4-FFF2-40B4-BE49-F238E27FC236}">
-                <a16:creationId xmlns:a16="http://schemas.microsoft.com/office/drawing/2014/main" id="{ECA870FA-D060-4BAA-B0E3-FD50DBF47875}"/>
-              </a:ext>
-            </a:extLst>
-          </p:cNvPr>
-          <p:cNvPicPr>
-            <a:picLocks noChangeAspect="1"/>
-          </p:cNvPicPr>
-          <p:nvPr/>
-        </p:nvPicPr>
-        <p:blipFill>
-          <a:blip r:embed="rId10"/>
-          <a:stretch>
-            <a:fillRect/>
-          </a:stretch>
-        </p:blipFill>
-        <p:spPr>
-          <a:xfrm>
-            <a:off x="4508367" y="3589831"/>
-            <a:ext cx="1073355" cy="1073355"/>
-          </a:xfrm>
-          <a:prstGeom prst="rect">
-            <a:avLst/>
-          </a:prstGeom>
-        </p:spPr>
-      </p:pic>
-      <p:pic>
-        <p:nvPicPr>
-          <p:cNvPr id="37" name="Imagem 36" descr="Desenho de uma pessoa&#10;&#10;Descrição gerada automaticamente com confiança média">
-            <a:extLst>
-              <a:ext uri="{FF2B5EF4-FFF2-40B4-BE49-F238E27FC236}">
-                <a16:creationId xmlns:a16="http://schemas.microsoft.com/office/drawing/2014/main" id="{46C36800-4A8B-4F4F-B931-BADE61554316}"/>
-              </a:ext>
-            </a:extLst>
-          </p:cNvPr>
-          <p:cNvPicPr>
-            <a:picLocks noChangeAspect="1"/>
-          </p:cNvPicPr>
-          <p:nvPr/>
-        </p:nvPicPr>
-        <p:blipFill>
-          <a:blip r:embed="rId11"/>
-          <a:stretch>
-            <a:fillRect/>
-          </a:stretch>
-        </p:blipFill>
-        <p:spPr>
-          <a:xfrm>
-            <a:off x="6096000" y="3596862"/>
-            <a:ext cx="1807210" cy="903605"/>
-          </a:xfrm>
-          <a:prstGeom prst="rect">
-            <a:avLst/>
-          </a:prstGeom>
-        </p:spPr>
-      </p:pic>
-      <p:pic>
-        <p:nvPicPr>
-          <p:cNvPr id="42" name="Imagem 41" descr="Logotipo&#10;&#10;Descrição gerada automaticamente">
-            <a:extLst>
-              <a:ext uri="{FF2B5EF4-FFF2-40B4-BE49-F238E27FC236}">
-                <a16:creationId xmlns:a16="http://schemas.microsoft.com/office/drawing/2014/main" id="{23130236-B090-4134-9EF3-58BEEBA4B67C}"/>
-              </a:ext>
-            </a:extLst>
-          </p:cNvPr>
-          <p:cNvPicPr>
-            <a:picLocks noChangeAspect="1"/>
-          </p:cNvPicPr>
-          <p:nvPr/>
-        </p:nvPicPr>
-        <p:blipFill>
-          <a:blip r:embed="rId12"/>
-          <a:stretch>
-            <a:fillRect/>
-          </a:stretch>
-        </p:blipFill>
-        <p:spPr>
-          <a:xfrm>
-            <a:off x="5080068" y="2202231"/>
-            <a:ext cx="2092823" cy="765733"/>
-          </a:xfrm>
-          <a:prstGeom prst="rect">
-            <a:avLst/>
-          </a:prstGeom>
-        </p:spPr>
-      </p:pic>
-      <p:pic>
-        <p:nvPicPr>
-          <p:cNvPr id="46" name="Imagem 45" descr="Uma imagem contendo Logotipo&#10;&#10;Descrição gerada automaticamente">
-            <a:extLst>
-              <a:ext uri="{FF2B5EF4-FFF2-40B4-BE49-F238E27FC236}">
-                <a16:creationId xmlns:a16="http://schemas.microsoft.com/office/drawing/2014/main" id="{1D9EB583-AA2A-4A44-9B78-7E6F23D97F3B}"/>
-              </a:ext>
-            </a:extLst>
-          </p:cNvPr>
-          <p:cNvPicPr>
-            <a:picLocks noChangeAspect="1"/>
-          </p:cNvPicPr>
-          <p:nvPr/>
-        </p:nvPicPr>
-        <p:blipFill>
-          <a:blip r:embed="rId13"/>
-          <a:stretch>
-            <a:fillRect/>
-          </a:stretch>
-        </p:blipFill>
-        <p:spPr>
-          <a:xfrm>
-            <a:off x="8861295" y="4761892"/>
-            <a:ext cx="2068839" cy="1316534"/>
-          </a:xfrm>
-          <a:prstGeom prst="rect">
-            <a:avLst/>
-          </a:prstGeom>
-        </p:spPr>
-      </p:pic>
-      <p:pic>
-        <p:nvPicPr>
-          <p:cNvPr id="48" name="Imagem 47" descr="Logotipo&#10;&#10;Descrição gerada automaticamente">
-            <a:extLst>
-              <a:ext uri="{FF2B5EF4-FFF2-40B4-BE49-F238E27FC236}">
-                <a16:creationId xmlns:a16="http://schemas.microsoft.com/office/drawing/2014/main" id="{C3C7D096-551A-4472-BD44-45EE78797D7E}"/>
-              </a:ext>
-            </a:extLst>
-          </p:cNvPr>
-          <p:cNvPicPr>
-            <a:picLocks noChangeAspect="1"/>
-          </p:cNvPicPr>
-          <p:nvPr/>
-        </p:nvPicPr>
-        <p:blipFill>
-          <a:blip r:embed="rId14"/>
-          <a:stretch>
-            <a:fillRect/>
-          </a:stretch>
-        </p:blipFill>
-        <p:spPr>
-          <a:xfrm>
-            <a:off x="8006410" y="2930802"/>
-            <a:ext cx="2343777" cy="1294130"/>
+            <a:off x="1049959" y="1779954"/>
+            <a:ext cx="4826953" cy="3760788"/>
           </a:xfrm>
           <a:prstGeom prst="rect">
             <a:avLst/>
@@ -8330,7 +8356,7 @@
     </p:spTree>
     <p:extLst>
       <p:ext uri="{BB962C8B-B14F-4D97-AF65-F5344CB8AC3E}">
-        <p14:creationId xmlns:p14="http://schemas.microsoft.com/office/powerpoint/2010/main" val="1640389276"/>
+        <p14:creationId xmlns:p14="http://schemas.microsoft.com/office/powerpoint/2010/main" val="40478806"/>
       </p:ext>
     </p:extLst>
   </p:cSld>
@@ -8362,7 +8388,7 @@
           <p:cNvPr id="2" name="Título 1">
             <a:extLst>
               <a:ext uri="{FF2B5EF4-FFF2-40B4-BE49-F238E27FC236}">
-                <a16:creationId xmlns:a16="http://schemas.microsoft.com/office/drawing/2014/main" id="{D2CD59CD-1242-F149-AB16-9D02E7C89131}"/>
+                <a16:creationId xmlns:a16="http://schemas.microsoft.com/office/drawing/2014/main" xmlns="" id="{D2CD59CD-1242-F149-AB16-9D02E7C89131}"/>
               </a:ext>
             </a:extLst>
           </p:cNvPr>
@@ -8391,7 +8417,7 @@
           <p:cNvPr id="12" name="Espaço Reservado para Conteúdo 11" descr="Diagrama&#10;&#10;Descrição gerada automaticamente">
             <a:extLst>
               <a:ext uri="{FF2B5EF4-FFF2-40B4-BE49-F238E27FC236}">
-                <a16:creationId xmlns:a16="http://schemas.microsoft.com/office/drawing/2014/main" id="{7560ADDB-44C2-49EB-8A3D-077D345FE03C}"/>
+                <a16:creationId xmlns:a16="http://schemas.microsoft.com/office/drawing/2014/main" xmlns="" id="{7560ADDB-44C2-49EB-8A3D-077D345FE03C}"/>
               </a:ext>
             </a:extLst>
           </p:cNvPr>
@@ -8420,7 +8446,7 @@
           <p:cNvPr id="10" name="Espaço Reservado para Conteúdo 9" descr="Diagrama&#10;&#10;Descrição gerada automaticamente">
             <a:extLst>
               <a:ext uri="{FF2B5EF4-FFF2-40B4-BE49-F238E27FC236}">
-                <a16:creationId xmlns:a16="http://schemas.microsoft.com/office/drawing/2014/main" id="{95537439-F13C-46EB-B579-5C6FBAF190CB}"/>
+                <a16:creationId xmlns:a16="http://schemas.microsoft.com/office/drawing/2014/main" xmlns="" id="{95537439-F13C-46EB-B579-5C6FBAF190CB}"/>
               </a:ext>
             </a:extLst>
           </p:cNvPr>
@@ -8460,6 +8486,14 @@
 <file path=ppt/slides/slide9.xml><?xml version="1.0" encoding="utf-8"?>
 <p:sld xmlns:a="http://schemas.openxmlformats.org/drawingml/2006/main" xmlns:r="http://schemas.openxmlformats.org/officeDocument/2006/relationships" xmlns:p="http://schemas.openxmlformats.org/presentationml/2006/main">
   <p:cSld>
+    <p:bg>
+      <p:bgPr>
+        <a:solidFill>
+          <a:srgbClr val="EDEFF7"/>
+        </a:solidFill>
+        <a:effectLst/>
+      </p:bgPr>
+    </p:bg>
     <p:spTree>
       <p:nvGrpSpPr>
         <p:cNvPr id="1" name=""/>
@@ -8474,118 +8508,404 @@
           <a:chExt cx="0" cy="0"/>
         </a:xfrm>
       </p:grpSpPr>
+      <p:sp>
+        <p:nvSpPr>
+          <p:cNvPr id="9" name="Título 8">
+            <a:extLst>
+              <a:ext uri="{FF2B5EF4-FFF2-40B4-BE49-F238E27FC236}">
+                <a16:creationId xmlns:a16="http://schemas.microsoft.com/office/drawing/2014/main" xmlns="" id="{1B6C6BD0-EDC9-7C44-A414-B66D25E34B52}"/>
+              </a:ext>
+            </a:extLst>
+          </p:cNvPr>
+          <p:cNvSpPr>
+            <a:spLocks noGrp="1"/>
+          </p:cNvSpPr>
+          <p:nvPr>
+            <p:ph type="title"/>
+          </p:nvPr>
+        </p:nvSpPr>
+        <p:spPr>
+          <a:xfrm>
+            <a:off x="1097280" y="942871"/>
+            <a:ext cx="10058400" cy="587584"/>
+          </a:xfrm>
+        </p:spPr>
+        <p:txBody>
+          <a:bodyPr rtlCol="0"/>
+          <a:lstStyle/>
+          <a:p>
+            <a:pPr rtl="0"/>
+            <a:r>
+              <a:rPr lang="pt-BR" dirty="0"/>
+              <a:t>Ferramentas</a:t>
+            </a:r>
+          </a:p>
+        </p:txBody>
+      </p:sp>
       <p:pic>
         <p:nvPicPr>
-          <p:cNvPr id="5" name="Espaço Reservado para Conteúdo 4" descr="Gráfico, Gráfico de pizza&#10;&#10;Descrição gerada automaticamente">
-            <a:extLst>
-              <a:ext uri="{FF2B5EF4-FFF2-40B4-BE49-F238E27FC236}">
-                <a16:creationId xmlns:a16="http://schemas.microsoft.com/office/drawing/2014/main" id="{94B89880-C933-4704-871C-40754EAC0B49}"/>
+          <p:cNvPr id="16" name="Imagem 15" descr="Logotipo&#10;&#10;nodejs">
+            <a:extLst>
+              <a:ext uri="{FF2B5EF4-FFF2-40B4-BE49-F238E27FC236}">
+                <a16:creationId xmlns:a16="http://schemas.microsoft.com/office/drawing/2014/main" xmlns="" id="{EBA1AF48-4BAA-4744-B535-7AFE74671335}"/>
               </a:ext>
             </a:extLst>
           </p:cNvPr>
           <p:cNvPicPr>
-            <a:picLocks noGrp="1" noChangeAspect="1"/>
+            <a:picLocks noChangeAspect="1"/>
           </p:cNvPicPr>
-          <p:nvPr>
-            <p:ph type="pic" sz="quarter" idx="13"/>
-          </p:nvPr>
+          <p:nvPr/>
         </p:nvPicPr>
-        <p:blipFill rotWithShape="1">
+        <p:blipFill>
           <a:blip r:embed="rId3"/>
-          <a:stretch/>
+          <a:stretch>
+            <a:fillRect/>
+          </a:stretch>
         </p:blipFill>
         <p:spPr>
           <a:xfrm>
-            <a:off x="5924550" y="1252934"/>
-            <a:ext cx="5632450" cy="4353056"/>
-          </a:xfrm>
-          <a:noFill/>
+            <a:off x="672483" y="1530455"/>
+            <a:ext cx="1646627" cy="1646627"/>
+          </a:xfrm>
+          <a:prstGeom prst="rect">
+            <a:avLst/>
+          </a:prstGeom>
         </p:spPr>
       </p:pic>
-      <p:sp>
-        <p:nvSpPr>
-          <p:cNvPr id="29" name="Título 28">
-            <a:extLst>
-              <a:ext uri="{FF2B5EF4-FFF2-40B4-BE49-F238E27FC236}">
-                <a16:creationId xmlns:a16="http://schemas.microsoft.com/office/drawing/2014/main" id="{F87770D2-E48E-7A42-9413-8C2720FCAC9F}"/>
-              </a:ext>
-            </a:extLst>
-          </p:cNvPr>
-          <p:cNvSpPr>
-            <a:spLocks noGrp="1"/>
-          </p:cNvSpPr>
-          <p:nvPr>
-            <p:ph type="title"/>
-          </p:nvPr>
-        </p:nvSpPr>
+      <p:pic>
+        <p:nvPicPr>
+          <p:cNvPr id="18" name="Imagem 17" descr="react">
+            <a:extLst>
+              <a:ext uri="{FF2B5EF4-FFF2-40B4-BE49-F238E27FC236}">
+                <a16:creationId xmlns:a16="http://schemas.microsoft.com/office/drawing/2014/main" xmlns="" id="{B9466FC1-71DA-4832-A0E2-A8A5B839E898}"/>
+              </a:ext>
+            </a:extLst>
+          </p:cNvPr>
+          <p:cNvPicPr>
+            <a:picLocks noChangeAspect="1"/>
+          </p:cNvPicPr>
+          <p:nvPr/>
+        </p:nvPicPr>
+        <p:blipFill>
+          <a:blip r:embed="rId4"/>
+          <a:stretch>
+            <a:fillRect/>
+          </a:stretch>
+        </p:blipFill>
         <p:spPr>
           <a:xfrm>
-            <a:off x="1195754" y="942870"/>
-            <a:ext cx="4157296" cy="1292750"/>
-          </a:xfrm>
-        </p:spPr>
-        <p:txBody>
-          <a:bodyPr rtlCol="0" anchor="ctr">
-            <a:normAutofit/>
-          </a:bodyPr>
-          <a:lstStyle/>
-          <a:p>
-            <a:pPr rtl="0"/>
-            <a:r>
-              <a:rPr lang="pt-BR" dirty="0"/>
-              <a:t>Conclusão</a:t>
-            </a:r>
-          </a:p>
-        </p:txBody>
-      </p:sp>
-      <p:sp>
-        <p:nvSpPr>
-          <p:cNvPr id="30" name="Espaço Reservado para Conteúdo 29">
-            <a:extLst>
-              <a:ext uri="{FF2B5EF4-FFF2-40B4-BE49-F238E27FC236}">
-                <a16:creationId xmlns:a16="http://schemas.microsoft.com/office/drawing/2014/main" id="{42F24CA9-34C3-CF4E-B2C6-AAC4B1BBA81E}"/>
-              </a:ext>
-            </a:extLst>
-          </p:cNvPr>
-          <p:cNvSpPr>
-            <a:spLocks noGrp="1"/>
-          </p:cNvSpPr>
-          <p:nvPr>
-            <p:ph sz="half" idx="2"/>
-          </p:nvPr>
-        </p:nvSpPr>
+            <a:off x="815002" y="3337464"/>
+            <a:ext cx="1915289" cy="1163003"/>
+          </a:xfrm>
+          <a:prstGeom prst="rect">
+            <a:avLst/>
+          </a:prstGeom>
+        </p:spPr>
+      </p:pic>
+      <p:pic>
+        <p:nvPicPr>
+          <p:cNvPr id="21" name="Imagem 20" descr="Ícone&#10;&#10;Descrição gerada automaticamente">
+            <a:extLst>
+              <a:ext uri="{FF2B5EF4-FFF2-40B4-BE49-F238E27FC236}">
+                <a16:creationId xmlns:a16="http://schemas.microsoft.com/office/drawing/2014/main" xmlns="" id="{B33BC870-8E51-44D4-BEB8-BFF7F2A1B46B}"/>
+              </a:ext>
+            </a:extLst>
+          </p:cNvPr>
+          <p:cNvPicPr>
+            <a:picLocks noChangeAspect="1"/>
+          </p:cNvPicPr>
+          <p:nvPr/>
+        </p:nvPicPr>
+        <p:blipFill>
+          <a:blip r:embed="rId5"/>
+          <a:stretch>
+            <a:fillRect/>
+          </a:stretch>
+        </p:blipFill>
         <p:spPr>
           <a:xfrm>
-            <a:off x="1195754" y="2281657"/>
-            <a:ext cx="4157296" cy="3633471"/>
-          </a:xfrm>
-        </p:spPr>
-        <p:txBody>
-          <a:bodyPr rtlCol="0">
-            <a:normAutofit/>
-          </a:bodyPr>
-          <a:lstStyle/>
-          <a:p>
-            <a:pPr algn="just" rtl="0"/>
-            <a:r>
-              <a:rPr lang="pt-BR" dirty="0"/>
-              <a:t>Foi feito uma pesquisa com familiares e colegas, e é possível mostrar o índice de aprovação </a:t>
-            </a:r>
-            <a:r>
-              <a:rPr lang="pt-BR"/>
-              <a:t>conforme mostrado </a:t>
-            </a:r>
-            <a:r>
-              <a:rPr lang="pt-BR" dirty="0"/>
-              <a:t>no gráfico.</a:t>
-            </a:r>
-          </a:p>
-        </p:txBody>
-      </p:sp>
+            <a:off x="2894357" y="4025582"/>
+            <a:ext cx="1275208" cy="1275208"/>
+          </a:xfrm>
+          <a:prstGeom prst="rect">
+            <a:avLst/>
+          </a:prstGeom>
+        </p:spPr>
+      </p:pic>
+      <p:pic>
+        <p:nvPicPr>
+          <p:cNvPr id="25" name="Imagem 24" descr="Logotipo, nome da empresa&#10;&#10;Descrição gerada automaticamente">
+            <a:extLst>
+              <a:ext uri="{FF2B5EF4-FFF2-40B4-BE49-F238E27FC236}">
+                <a16:creationId xmlns:a16="http://schemas.microsoft.com/office/drawing/2014/main" xmlns="" id="{0D9357A5-A4B9-4228-B31C-AFF00224C94E}"/>
+              </a:ext>
+            </a:extLst>
+          </p:cNvPr>
+          <p:cNvPicPr>
+            <a:picLocks noChangeAspect="1"/>
+          </p:cNvPicPr>
+          <p:nvPr/>
+        </p:nvPicPr>
+        <p:blipFill>
+          <a:blip r:embed="rId6"/>
+          <a:stretch>
+            <a:fillRect/>
+          </a:stretch>
+        </p:blipFill>
+        <p:spPr>
+          <a:xfrm>
+            <a:off x="815002" y="4430726"/>
+            <a:ext cx="3965186" cy="1880159"/>
+          </a:xfrm>
+          <a:prstGeom prst="rect">
+            <a:avLst/>
+          </a:prstGeom>
+        </p:spPr>
+      </p:pic>
+      <p:pic>
+        <p:nvPicPr>
+          <p:cNvPr id="27" name="Imagem 26" descr="Ícone&#10;&#10;Descrição gerada automaticamente">
+            <a:extLst>
+              <a:ext uri="{FF2B5EF4-FFF2-40B4-BE49-F238E27FC236}">
+                <a16:creationId xmlns:a16="http://schemas.microsoft.com/office/drawing/2014/main" xmlns="" id="{F4C53E8A-80FA-46DC-8CA1-82A0A8E8202C}"/>
+              </a:ext>
+            </a:extLst>
+          </p:cNvPr>
+          <p:cNvPicPr>
+            <a:picLocks noChangeAspect="1"/>
+          </p:cNvPicPr>
+          <p:nvPr/>
+        </p:nvPicPr>
+        <p:blipFill>
+          <a:blip r:embed="rId7"/>
+          <a:stretch>
+            <a:fillRect/>
+          </a:stretch>
+        </p:blipFill>
+        <p:spPr>
+          <a:xfrm>
+            <a:off x="3121375" y="2196830"/>
+            <a:ext cx="1066228" cy="1066228"/>
+          </a:xfrm>
+          <a:prstGeom prst="rect">
+            <a:avLst/>
+          </a:prstGeom>
+        </p:spPr>
+      </p:pic>
+      <p:pic>
+        <p:nvPicPr>
+          <p:cNvPr id="30" name="Imagem 29" descr="Interface gráfica do usuário, Aplicativo&#10;&#10;Descrição gerada automaticamente">
+            <a:extLst>
+              <a:ext uri="{FF2B5EF4-FFF2-40B4-BE49-F238E27FC236}">
+                <a16:creationId xmlns:a16="http://schemas.microsoft.com/office/drawing/2014/main" xmlns="" id="{75C8CE5E-2184-437E-8A2A-93D2F200A93F}"/>
+              </a:ext>
+            </a:extLst>
+          </p:cNvPr>
+          <p:cNvPicPr>
+            <a:picLocks noChangeAspect="1"/>
+          </p:cNvPicPr>
+          <p:nvPr/>
+        </p:nvPicPr>
+        <p:blipFill>
+          <a:blip r:embed="rId8"/>
+          <a:stretch>
+            <a:fillRect/>
+          </a:stretch>
+        </p:blipFill>
+        <p:spPr>
+          <a:xfrm>
+            <a:off x="5045045" y="5141188"/>
+            <a:ext cx="1497869" cy="937238"/>
+          </a:xfrm>
+          <a:prstGeom prst="rect">
+            <a:avLst/>
+          </a:prstGeom>
+        </p:spPr>
+      </p:pic>
+      <p:pic>
+        <p:nvPicPr>
+          <p:cNvPr id="32" name="Imagem 31" descr="Ícone&#10;&#10;Descrição gerada automaticamente">
+            <a:extLst>
+              <a:ext uri="{FF2B5EF4-FFF2-40B4-BE49-F238E27FC236}">
+                <a16:creationId xmlns:a16="http://schemas.microsoft.com/office/drawing/2014/main" xmlns="" id="{D4209CDD-C8ED-4C52-8BD8-F54B936CF093}"/>
+              </a:ext>
+            </a:extLst>
+          </p:cNvPr>
+          <p:cNvPicPr>
+            <a:picLocks noChangeAspect="1"/>
+          </p:cNvPicPr>
+          <p:nvPr/>
+        </p:nvPicPr>
+        <p:blipFill>
+          <a:blip r:embed="rId9"/>
+          <a:stretch>
+            <a:fillRect/>
+          </a:stretch>
+        </p:blipFill>
+        <p:spPr>
+          <a:xfrm>
+            <a:off x="6859543" y="4895645"/>
+            <a:ext cx="1685123" cy="1415240"/>
+          </a:xfrm>
+          <a:prstGeom prst="rect">
+            <a:avLst/>
+          </a:prstGeom>
+        </p:spPr>
+      </p:pic>
+      <p:pic>
+        <p:nvPicPr>
+          <p:cNvPr id="34" name="Imagem 33" descr="Ícone&#10;&#10;Descrição gerada automaticamente">
+            <a:extLst>
+              <a:ext uri="{FF2B5EF4-FFF2-40B4-BE49-F238E27FC236}">
+                <a16:creationId xmlns:a16="http://schemas.microsoft.com/office/drawing/2014/main" xmlns="" id="{ECA870FA-D060-4BAA-B0E3-FD50DBF47875}"/>
+              </a:ext>
+            </a:extLst>
+          </p:cNvPr>
+          <p:cNvPicPr>
+            <a:picLocks noChangeAspect="1"/>
+          </p:cNvPicPr>
+          <p:nvPr/>
+        </p:nvPicPr>
+        <p:blipFill>
+          <a:blip r:embed="rId10"/>
+          <a:stretch>
+            <a:fillRect/>
+          </a:stretch>
+        </p:blipFill>
+        <p:spPr>
+          <a:xfrm>
+            <a:off x="4508367" y="3589831"/>
+            <a:ext cx="1073355" cy="1073355"/>
+          </a:xfrm>
+          <a:prstGeom prst="rect">
+            <a:avLst/>
+          </a:prstGeom>
+        </p:spPr>
+      </p:pic>
+      <p:pic>
+        <p:nvPicPr>
+          <p:cNvPr id="37" name="Imagem 36" descr="Desenho de uma pessoa&#10;&#10;Descrição gerada automaticamente com confiança média">
+            <a:extLst>
+              <a:ext uri="{FF2B5EF4-FFF2-40B4-BE49-F238E27FC236}">
+                <a16:creationId xmlns:a16="http://schemas.microsoft.com/office/drawing/2014/main" xmlns="" id="{46C36800-4A8B-4F4F-B931-BADE61554316}"/>
+              </a:ext>
+            </a:extLst>
+          </p:cNvPr>
+          <p:cNvPicPr>
+            <a:picLocks noChangeAspect="1"/>
+          </p:cNvPicPr>
+          <p:nvPr/>
+        </p:nvPicPr>
+        <p:blipFill>
+          <a:blip r:embed="rId11"/>
+          <a:stretch>
+            <a:fillRect/>
+          </a:stretch>
+        </p:blipFill>
+        <p:spPr>
+          <a:xfrm>
+            <a:off x="6096000" y="3596862"/>
+            <a:ext cx="1807210" cy="903605"/>
+          </a:xfrm>
+          <a:prstGeom prst="rect">
+            <a:avLst/>
+          </a:prstGeom>
+        </p:spPr>
+      </p:pic>
+      <p:pic>
+        <p:nvPicPr>
+          <p:cNvPr id="42" name="Imagem 41" descr="Logotipo&#10;&#10;Descrição gerada automaticamente">
+            <a:extLst>
+              <a:ext uri="{FF2B5EF4-FFF2-40B4-BE49-F238E27FC236}">
+                <a16:creationId xmlns:a16="http://schemas.microsoft.com/office/drawing/2014/main" xmlns="" id="{23130236-B090-4134-9EF3-58BEEBA4B67C}"/>
+              </a:ext>
+            </a:extLst>
+          </p:cNvPr>
+          <p:cNvPicPr>
+            <a:picLocks noChangeAspect="1"/>
+          </p:cNvPicPr>
+          <p:nvPr/>
+        </p:nvPicPr>
+        <p:blipFill>
+          <a:blip r:embed="rId12"/>
+          <a:stretch>
+            <a:fillRect/>
+          </a:stretch>
+        </p:blipFill>
+        <p:spPr>
+          <a:xfrm>
+            <a:off x="5080068" y="2202231"/>
+            <a:ext cx="2092823" cy="765733"/>
+          </a:xfrm>
+          <a:prstGeom prst="rect">
+            <a:avLst/>
+          </a:prstGeom>
+        </p:spPr>
+      </p:pic>
+      <p:pic>
+        <p:nvPicPr>
+          <p:cNvPr id="46" name="Imagem 45" descr="Uma imagem contendo Logotipo&#10;&#10;Descrição gerada automaticamente">
+            <a:extLst>
+              <a:ext uri="{FF2B5EF4-FFF2-40B4-BE49-F238E27FC236}">
+                <a16:creationId xmlns:a16="http://schemas.microsoft.com/office/drawing/2014/main" xmlns="" id="{1D9EB583-AA2A-4A44-9B78-7E6F23D97F3B}"/>
+              </a:ext>
+            </a:extLst>
+          </p:cNvPr>
+          <p:cNvPicPr>
+            <a:picLocks noChangeAspect="1"/>
+          </p:cNvPicPr>
+          <p:nvPr/>
+        </p:nvPicPr>
+        <p:blipFill>
+          <a:blip r:embed="rId13"/>
+          <a:stretch>
+            <a:fillRect/>
+          </a:stretch>
+        </p:blipFill>
+        <p:spPr>
+          <a:xfrm>
+            <a:off x="8861295" y="4761892"/>
+            <a:ext cx="2068839" cy="1316534"/>
+          </a:xfrm>
+          <a:prstGeom prst="rect">
+            <a:avLst/>
+          </a:prstGeom>
+        </p:spPr>
+      </p:pic>
+      <p:pic>
+        <p:nvPicPr>
+          <p:cNvPr id="48" name="Imagem 47" descr="Logotipo&#10;&#10;Descrição gerada automaticamente">
+            <a:extLst>
+              <a:ext uri="{FF2B5EF4-FFF2-40B4-BE49-F238E27FC236}">
+                <a16:creationId xmlns:a16="http://schemas.microsoft.com/office/drawing/2014/main" xmlns="" id="{C3C7D096-551A-4472-BD44-45EE78797D7E}"/>
+              </a:ext>
+            </a:extLst>
+          </p:cNvPr>
+          <p:cNvPicPr>
+            <a:picLocks noChangeAspect="1"/>
+          </p:cNvPicPr>
+          <p:nvPr/>
+        </p:nvPicPr>
+        <p:blipFill>
+          <a:blip r:embed="rId14"/>
+          <a:stretch>
+            <a:fillRect/>
+          </a:stretch>
+        </p:blipFill>
+        <p:spPr>
+          <a:xfrm>
+            <a:off x="8006410" y="2930802"/>
+            <a:ext cx="2343777" cy="1294130"/>
+          </a:xfrm>
+          <a:prstGeom prst="rect">
+            <a:avLst/>
+          </a:prstGeom>
+        </p:spPr>
+      </p:pic>
     </p:spTree>
     <p:extLst>
       <p:ext uri="{BB962C8B-B14F-4D97-AF65-F5344CB8AC3E}">
-        <p14:creationId xmlns:p14="http://schemas.microsoft.com/office/powerpoint/2010/main" val="3171150445"/>
+        <p14:creationId xmlns:p14="http://schemas.microsoft.com/office/powerpoint/2010/main" val="1640389276"/>
       </p:ext>
     </p:extLst>
   </p:cSld>
@@ -8872,7 +9192,7 @@
   <a:extraClrSchemeLst/>
   <a:extLst>
     <a:ext uri="{05A4C25C-085E-4340-85A3-A5531E510DB2}">
-      <thm15:themeFamily xmlns:thm15="http://schemas.microsoft.com/office/thememl/2012/main" name="Office_42167388_TF22318419.potx" id="{41277046-092E-49B8-A86C-C49293541265}" vid="{7E72C3F1-4A8D-4A8B-95D8-B9B51976FFA9}"/>
+      <thm15:themeFamily xmlns:thm15="http://schemas.microsoft.com/office/thememl/2012/main" xmlns="" name="Office_42167388_TF22318419.potx" id="{41277046-092E-49B8-A86C-C49293541265}" vid="{7E72C3F1-4A8D-4A8B-95D8-B9B51976FFA9}"/>
     </a:ext>
   </a:extLst>
 </a:theme>
@@ -9133,7 +9453,7 @@
   <a:extraClrSchemeLst/>
   <a:extLst>
     <a:ext uri="{05A4C25C-085E-4340-85A3-A5531E510DB2}">
-      <thm15:themeFamily xmlns:thm15="http://schemas.microsoft.com/office/thememl/2012/main" name="Office Theme" id="{62F939B6-93AF-4DB8-9C6B-D6C7DFDC589F}" vid="{4A3C46E8-61CC-4603-A589-7422A47A8E4A}"/>
+      <thm15:themeFamily xmlns:thm15="http://schemas.microsoft.com/office/thememl/2012/main" xmlns="" name="Office Theme" id="{62F939B6-93AF-4DB8-9C6B-D6C7DFDC589F}" vid="{4A3C46E8-61CC-4603-A589-7422A47A8E4A}"/>
     </a:ext>
   </a:extLst>
 </a:theme>
@@ -9394,7 +9714,7 @@
   <a:extraClrSchemeLst/>
   <a:extLst>
     <a:ext uri="{05A4C25C-085E-4340-85A3-A5531E510DB2}">
-      <thm15:themeFamily xmlns:thm15="http://schemas.microsoft.com/office/thememl/2012/main" name="Office Theme" id="{62F939B6-93AF-4DB8-9C6B-D6C7DFDC589F}" vid="{4A3C46E8-61CC-4603-A589-7422A47A8E4A}"/>
+      <thm15:themeFamily xmlns:thm15="http://schemas.microsoft.com/office/thememl/2012/main" xmlns="" name="Office Theme" id="{62F939B6-93AF-4DB8-9C6B-D6C7DFDC589F}" vid="{4A3C46E8-61CC-4603-A589-7422A47A8E4A}"/>
     </a:ext>
   </a:extLst>
 </a:theme>

--- a/Documentacao/Fluxo de caixa.pptx
+++ b/Documentacao/Fluxo de caixa.pptx
@@ -19,8 +19,8 @@
     <p:sldId id="351" r:id="rId7"/>
     <p:sldId id="352" r:id="rId8"/>
     <p:sldId id="342" r:id="rId9"/>
-    <p:sldId id="285" r:id="rId10"/>
-    <p:sldId id="341" r:id="rId11"/>
+    <p:sldId id="341" r:id="rId10"/>
+    <p:sldId id="285" r:id="rId11"/>
     <p:sldId id="353" r:id="rId12"/>
   </p:sldIdLst>
   <p:sldSz cx="12192000" cy="6858000"/>
@@ -122,10 +122,10 @@
   </p:defaultTextStyle>
   <p:extLst>
     <p:ext uri="{EFAFB233-063F-42B5-8137-9DF3F51BA10A}">
-      <p15:sldGuideLst xmlns:p15="http://schemas.microsoft.com/office/powerpoint/2012/main" xmlns=""/>
+      <p15:sldGuideLst xmlns="" xmlns:p15="http://schemas.microsoft.com/office/powerpoint/2012/main"/>
     </p:ext>
     <p:ext uri="{2D200454-40CA-4A62-9FC3-DE9A4176ACB9}">
-      <p15:notesGuideLst xmlns:p15="http://schemas.microsoft.com/office/powerpoint/2012/main" xmlns=""/>
+      <p15:notesGuideLst xmlns="" xmlns:p15="http://schemas.microsoft.com/office/powerpoint/2012/main"/>
     </p:ext>
   </p:extLst>
 </p:presentation>
@@ -215,7 +215,7 @@
             <a:pPr rtl="0"/>
             <a:fld id="{7FC1664B-5041-443B-91C6-A45B41A6020A}" type="datetime1">
               <a:rPr lang="pt-BR" smtClean="0"/>
-              <a:t>07/05/2021</a:t>
+              <a:t>11/05/2021</a:t>
             </a:fld>
             <a:endParaRPr lang="pt-BR" dirty="0"/>
           </a:p>
@@ -385,7 +385,7 @@
             <a:pPr rtl="0"/>
             <a:fld id="{F842E89D-3709-4A2B-9A3A-76E4CE2900D4}" type="datetime1">
               <a:rPr lang="pt-BR" noProof="0" smtClean="0"/>
-              <a:t>07/05/2021</a:t>
+              <a:t>11/05/2021</a:t>
             </a:fld>
             <a:endParaRPr lang="pt-BR" noProof="0" dirty="0"/>
           </a:p>
@@ -818,7 +818,7 @@
     </p:spTree>
     <p:extLst>
       <p:ext uri="{BB962C8B-B14F-4D97-AF65-F5344CB8AC3E}">
-        <p14:creationId xmlns:p14="http://schemas.microsoft.com/office/powerpoint/2010/main" val="2956748390"/>
+        <p14:creationId xmlns:p14="http://schemas.microsoft.com/office/powerpoint/2010/main" val="1148711386"/>
       </p:ext>
     </p:extLst>
   </p:cSld>
@@ -1506,7 +1506,7 @@
     </p:spTree>
     <p:extLst>
       <p:ext uri="{BB962C8B-B14F-4D97-AF65-F5344CB8AC3E}">
-        <p14:creationId xmlns:p14="http://schemas.microsoft.com/office/powerpoint/2010/main" val="1148711386"/>
+        <p14:creationId xmlns:p14="http://schemas.microsoft.com/office/powerpoint/2010/main" val="2956748390"/>
       </p:ext>
     </p:extLst>
   </p:cSld>
@@ -1546,7 +1546,7 @@
           <p:cNvPr id="12" name="Retângulo">
             <a:extLst>
               <a:ext uri="{FF2B5EF4-FFF2-40B4-BE49-F238E27FC236}">
-                <a16:creationId xmlns:a16="http://schemas.microsoft.com/office/drawing/2014/main" xmlns="" id="{F9512BDE-EEA0-404B-8D45-8AA93D61DABC}"/>
+                <a16:creationId xmlns="" xmlns:a16="http://schemas.microsoft.com/office/drawing/2014/main" id="{F9512BDE-EEA0-404B-8D45-8AA93D61DABC}"/>
               </a:ext>
             </a:extLst>
           </p:cNvPr>
@@ -1592,7 +1592,7 @@
           <p:cNvPr id="11" name="Retângulo">
             <a:extLst>
               <a:ext uri="{FF2B5EF4-FFF2-40B4-BE49-F238E27FC236}">
-                <a16:creationId xmlns:a16="http://schemas.microsoft.com/office/drawing/2014/main" xmlns="" id="{E1223535-0F2F-6340-80B9-0B5D9364A13F}"/>
+                <a16:creationId xmlns="" xmlns:a16="http://schemas.microsoft.com/office/drawing/2014/main" id="{E1223535-0F2F-6340-80B9-0B5D9364A13F}"/>
               </a:ext>
             </a:extLst>
           </p:cNvPr>
@@ -1767,7 +1767,7 @@
           <p:cNvPr id="4" name="Espaço Reservado para Data 3">
             <a:extLst>
               <a:ext uri="{FF2B5EF4-FFF2-40B4-BE49-F238E27FC236}">
-                <a16:creationId xmlns:a16="http://schemas.microsoft.com/office/drawing/2014/main" xmlns="" id="{9925CCF1-92C0-4AF3-BFAF-4921631915AB}"/>
+                <a16:creationId xmlns="" xmlns:a16="http://schemas.microsoft.com/office/drawing/2014/main" id="{9925CCF1-92C0-4AF3-BFAF-4921631915AB}"/>
               </a:ext>
             </a:extLst>
           </p:cNvPr>
@@ -1786,7 +1786,7 @@
             <a:pPr rtl="0"/>
             <a:fld id="{53458F51-A324-4E75-90AA-F203FA9355A0}" type="datetime1">
               <a:rPr lang="pt-BR" noProof="0" smtClean="0"/>
-              <a:t>07/05/2021</a:t>
+              <a:t>11/05/2021</a:t>
             </a:fld>
             <a:endParaRPr lang="pt-BR" noProof="0" dirty="0"/>
           </a:p>
@@ -1797,7 +1797,7 @@
           <p:cNvPr id="5" name="Espaço Reservado para Rodapé 4">
             <a:extLst>
               <a:ext uri="{FF2B5EF4-FFF2-40B4-BE49-F238E27FC236}">
-                <a16:creationId xmlns:a16="http://schemas.microsoft.com/office/drawing/2014/main" xmlns="" id="{051A78A9-3DFF-4937-A9F2-5D8CF495F367}"/>
+                <a16:creationId xmlns="" xmlns:a16="http://schemas.microsoft.com/office/drawing/2014/main" id="{051A78A9-3DFF-4937-A9F2-5D8CF495F367}"/>
               </a:ext>
             </a:extLst>
           </p:cNvPr>
@@ -1823,7 +1823,7 @@
           <p:cNvPr id="6" name="Espaço Reservado para o Número do Slide 5">
             <a:extLst>
               <a:ext uri="{FF2B5EF4-FFF2-40B4-BE49-F238E27FC236}">
-                <a16:creationId xmlns:a16="http://schemas.microsoft.com/office/drawing/2014/main" xmlns="" id="{5FAEB271-5CC0-4759-BC6E-8BE53AB227C0}"/>
+                <a16:creationId xmlns="" xmlns:a16="http://schemas.microsoft.com/office/drawing/2014/main" id="{5FAEB271-5CC0-4759-BC6E-8BE53AB227C0}"/>
               </a:ext>
             </a:extLst>
           </p:cNvPr>
@@ -1891,7 +1891,7 @@
           <p:cNvPr id="2" name="Espaço Reservado para Data 1">
             <a:extLst>
               <a:ext uri="{FF2B5EF4-FFF2-40B4-BE49-F238E27FC236}">
-                <a16:creationId xmlns:a16="http://schemas.microsoft.com/office/drawing/2014/main" xmlns="" id="{94E9223F-721F-47BF-9FD5-0F8D12FF0DE1}"/>
+                <a16:creationId xmlns="" xmlns:a16="http://schemas.microsoft.com/office/drawing/2014/main" id="{94E9223F-721F-47BF-9FD5-0F8D12FF0DE1}"/>
               </a:ext>
             </a:extLst>
           </p:cNvPr>
@@ -1910,7 +1910,7 @@
             <a:pPr rtl="0"/>
             <a:fld id="{4C35D16D-7D9B-419D-82E3-F0B9FF9A3A9D}" type="datetime1">
               <a:rPr lang="pt-BR" noProof="0" smtClean="0"/>
-              <a:t>07/05/2021</a:t>
+              <a:t>11/05/2021</a:t>
             </a:fld>
             <a:endParaRPr lang="pt-BR" noProof="0" dirty="0"/>
           </a:p>
@@ -1921,7 +1921,7 @@
           <p:cNvPr id="3" name="Espaço Reservado para Rodapé 2">
             <a:extLst>
               <a:ext uri="{FF2B5EF4-FFF2-40B4-BE49-F238E27FC236}">
-                <a16:creationId xmlns:a16="http://schemas.microsoft.com/office/drawing/2014/main" xmlns="" id="{05915714-6BBA-4593-8591-4E26F7D58D9F}"/>
+                <a16:creationId xmlns="" xmlns:a16="http://schemas.microsoft.com/office/drawing/2014/main" id="{05915714-6BBA-4593-8591-4E26F7D58D9F}"/>
               </a:ext>
             </a:extLst>
           </p:cNvPr>
@@ -1947,7 +1947,7 @@
           <p:cNvPr id="4" name="Espaço reservado para o número do slide 3">
             <a:extLst>
               <a:ext uri="{FF2B5EF4-FFF2-40B4-BE49-F238E27FC236}">
-                <a16:creationId xmlns:a16="http://schemas.microsoft.com/office/drawing/2014/main" xmlns="" id="{BE06F857-D2E1-44DD-ABDD-EBB739645B67}"/>
+                <a16:creationId xmlns="" xmlns:a16="http://schemas.microsoft.com/office/drawing/2014/main" id="{BE06F857-D2E1-44DD-ABDD-EBB739645B67}"/>
               </a:ext>
             </a:extLst>
           </p:cNvPr>
@@ -1977,7 +1977,7 @@
           <p:cNvPr id="5" name="Retângulo">
             <a:extLst>
               <a:ext uri="{FF2B5EF4-FFF2-40B4-BE49-F238E27FC236}">
-                <a16:creationId xmlns:a16="http://schemas.microsoft.com/office/drawing/2014/main" xmlns="" id="{AA314B25-B4AF-394E-BBDA-7E6BAD315F39}"/>
+                <a16:creationId xmlns="" xmlns:a16="http://schemas.microsoft.com/office/drawing/2014/main" id="{AA314B25-B4AF-394E-BBDA-7E6BAD315F39}"/>
               </a:ext>
             </a:extLst>
           </p:cNvPr>
@@ -2023,7 +2023,7 @@
           <p:cNvPr id="6" name="Retângulo">
             <a:extLst>
               <a:ext uri="{FF2B5EF4-FFF2-40B4-BE49-F238E27FC236}">
-                <a16:creationId xmlns:a16="http://schemas.microsoft.com/office/drawing/2014/main" xmlns="" id="{737575EF-0D14-6140-A91B-260C9C9DFE41}"/>
+                <a16:creationId xmlns="" xmlns:a16="http://schemas.microsoft.com/office/drawing/2014/main" id="{737575EF-0D14-6140-A91B-260C9C9DFE41}"/>
               </a:ext>
             </a:extLst>
           </p:cNvPr>
@@ -2077,7 +2077,7 @@
           <p:cNvPr id="10" name="Espaço Reservado para Título 1">
             <a:extLst>
               <a:ext uri="{FF2B5EF4-FFF2-40B4-BE49-F238E27FC236}">
-                <a16:creationId xmlns:a16="http://schemas.microsoft.com/office/drawing/2014/main" xmlns="" id="{82544261-8049-494B-A93D-BDFF1BB84722}"/>
+                <a16:creationId xmlns="" xmlns:a16="http://schemas.microsoft.com/office/drawing/2014/main" id="{82544261-8049-494B-A93D-BDFF1BB84722}"/>
               </a:ext>
             </a:extLst>
           </p:cNvPr>
@@ -2120,7 +2120,7 @@
           <p:cNvPr id="12" name="Espaço Reservado para Conteúdo 3">
             <a:extLst>
               <a:ext uri="{FF2B5EF4-FFF2-40B4-BE49-F238E27FC236}">
-                <a16:creationId xmlns:a16="http://schemas.microsoft.com/office/drawing/2014/main" xmlns="" id="{9214786D-83EE-814C-A5E4-D0EC7D29D0C4}"/>
+                <a16:creationId xmlns="" xmlns:a16="http://schemas.microsoft.com/office/drawing/2014/main" id="{9214786D-83EE-814C-A5E4-D0EC7D29D0C4}"/>
               </a:ext>
             </a:extLst>
           </p:cNvPr>
@@ -2284,7 +2284,7 @@
           <p:cNvPr id="2" name="Espaço Reservado para Data 1">
             <a:extLst>
               <a:ext uri="{FF2B5EF4-FFF2-40B4-BE49-F238E27FC236}">
-                <a16:creationId xmlns:a16="http://schemas.microsoft.com/office/drawing/2014/main" xmlns="" id="{94E9223F-721F-47BF-9FD5-0F8D12FF0DE1}"/>
+                <a16:creationId xmlns="" xmlns:a16="http://schemas.microsoft.com/office/drawing/2014/main" id="{94E9223F-721F-47BF-9FD5-0F8D12FF0DE1}"/>
               </a:ext>
             </a:extLst>
           </p:cNvPr>
@@ -2303,7 +2303,7 @@
             <a:pPr rtl="0"/>
             <a:fld id="{844F27DD-582C-4796-B2D9-46C6D21E31B6}" type="datetime1">
               <a:rPr lang="pt-BR" noProof="0" smtClean="0"/>
-              <a:t>07/05/2021</a:t>
+              <a:t>11/05/2021</a:t>
             </a:fld>
             <a:endParaRPr lang="pt-BR" noProof="0" dirty="0"/>
           </a:p>
@@ -2314,7 +2314,7 @@
           <p:cNvPr id="3" name="Espaço Reservado para Rodapé 2">
             <a:extLst>
               <a:ext uri="{FF2B5EF4-FFF2-40B4-BE49-F238E27FC236}">
-                <a16:creationId xmlns:a16="http://schemas.microsoft.com/office/drawing/2014/main" xmlns="" id="{05915714-6BBA-4593-8591-4E26F7D58D9F}"/>
+                <a16:creationId xmlns="" xmlns:a16="http://schemas.microsoft.com/office/drawing/2014/main" id="{05915714-6BBA-4593-8591-4E26F7D58D9F}"/>
               </a:ext>
             </a:extLst>
           </p:cNvPr>
@@ -2340,7 +2340,7 @@
           <p:cNvPr id="4" name="Espaço reservado para o número do slide 3">
             <a:extLst>
               <a:ext uri="{FF2B5EF4-FFF2-40B4-BE49-F238E27FC236}">
-                <a16:creationId xmlns:a16="http://schemas.microsoft.com/office/drawing/2014/main" xmlns="" id="{BE06F857-D2E1-44DD-ABDD-EBB739645B67}"/>
+                <a16:creationId xmlns="" xmlns:a16="http://schemas.microsoft.com/office/drawing/2014/main" id="{BE06F857-D2E1-44DD-ABDD-EBB739645B67}"/>
               </a:ext>
             </a:extLst>
           </p:cNvPr>
@@ -2370,7 +2370,7 @@
           <p:cNvPr id="5" name="Retângulo">
             <a:extLst>
               <a:ext uri="{FF2B5EF4-FFF2-40B4-BE49-F238E27FC236}">
-                <a16:creationId xmlns:a16="http://schemas.microsoft.com/office/drawing/2014/main" xmlns="" id="{2E148DD3-DD87-154B-80B4-2421965D3C83}"/>
+                <a16:creationId xmlns="" xmlns:a16="http://schemas.microsoft.com/office/drawing/2014/main" id="{2E148DD3-DD87-154B-80B4-2421965D3C83}"/>
               </a:ext>
             </a:extLst>
           </p:cNvPr>
@@ -2416,7 +2416,7 @@
           <p:cNvPr id="6" name="Retângulo">
             <a:extLst>
               <a:ext uri="{FF2B5EF4-FFF2-40B4-BE49-F238E27FC236}">
-                <a16:creationId xmlns:a16="http://schemas.microsoft.com/office/drawing/2014/main" xmlns="" id="{742E4732-0E8F-7B46-BD08-0F2EE0DA8786}"/>
+                <a16:creationId xmlns="" xmlns:a16="http://schemas.microsoft.com/office/drawing/2014/main" id="{742E4732-0E8F-7B46-BD08-0F2EE0DA8786}"/>
               </a:ext>
             </a:extLst>
           </p:cNvPr>
@@ -2470,7 +2470,7 @@
           <p:cNvPr id="7" name="Espaço Reservado para Título 1">
             <a:extLst>
               <a:ext uri="{FF2B5EF4-FFF2-40B4-BE49-F238E27FC236}">
-                <a16:creationId xmlns:a16="http://schemas.microsoft.com/office/drawing/2014/main" xmlns="" id="{6E73F81A-7260-5C4F-A7FF-CA2CC731BC33}"/>
+                <a16:creationId xmlns="" xmlns:a16="http://schemas.microsoft.com/office/drawing/2014/main" id="{6E73F81A-7260-5C4F-A7FF-CA2CC731BC33}"/>
               </a:ext>
             </a:extLst>
           </p:cNvPr>
@@ -2509,7 +2509,7 @@
           <p:cNvPr id="9" name="Espaço Reservado para Conteúdo 3">
             <a:extLst>
               <a:ext uri="{FF2B5EF4-FFF2-40B4-BE49-F238E27FC236}">
-                <a16:creationId xmlns:a16="http://schemas.microsoft.com/office/drawing/2014/main" xmlns="" id="{4CD13CD4-3E4F-2E41-ACF4-2446257D236F}"/>
+                <a16:creationId xmlns="" xmlns:a16="http://schemas.microsoft.com/office/drawing/2014/main" id="{4CD13CD4-3E4F-2E41-ACF4-2446257D236F}"/>
               </a:ext>
             </a:extLst>
           </p:cNvPr>
@@ -2633,7 +2633,7 @@
           <p:cNvPr id="14" name="Espaço reservado para conteúdo 3">
             <a:extLst>
               <a:ext uri="{FF2B5EF4-FFF2-40B4-BE49-F238E27FC236}">
-                <a16:creationId xmlns:a16="http://schemas.microsoft.com/office/drawing/2014/main" xmlns="" id="{D8E69886-8907-DB47-87C2-0621AF156D9F}"/>
+                <a16:creationId xmlns="" xmlns:a16="http://schemas.microsoft.com/office/drawing/2014/main" id="{D8E69886-8907-DB47-87C2-0621AF156D9F}"/>
               </a:ext>
             </a:extLst>
           </p:cNvPr>
@@ -2798,7 +2798,7 @@
           <p:cNvPr id="9" name="Retângulo">
             <a:extLst>
               <a:ext uri="{FF2B5EF4-FFF2-40B4-BE49-F238E27FC236}">
-                <a16:creationId xmlns:a16="http://schemas.microsoft.com/office/drawing/2014/main" xmlns="" id="{9C88DF2D-0421-A94C-82C1-867E1E5E4907}"/>
+                <a16:creationId xmlns="" xmlns:a16="http://schemas.microsoft.com/office/drawing/2014/main" id="{9C88DF2D-0421-A94C-82C1-867E1E5E4907}"/>
               </a:ext>
             </a:extLst>
           </p:cNvPr>
@@ -2844,7 +2844,7 @@
           <p:cNvPr id="10" name="Retângulo">
             <a:extLst>
               <a:ext uri="{FF2B5EF4-FFF2-40B4-BE49-F238E27FC236}">
-                <a16:creationId xmlns:a16="http://schemas.microsoft.com/office/drawing/2014/main" xmlns="" id="{334D05A3-7A20-9447-8D39-F2980D85413A}"/>
+                <a16:creationId xmlns="" xmlns:a16="http://schemas.microsoft.com/office/drawing/2014/main" id="{334D05A3-7A20-9447-8D39-F2980D85413A}"/>
               </a:ext>
             </a:extLst>
           </p:cNvPr>
@@ -2898,7 +2898,7 @@
           <p:cNvPr id="8" name="Retângulo 7">
             <a:extLst>
               <a:ext uri="{FF2B5EF4-FFF2-40B4-BE49-F238E27FC236}">
-                <a16:creationId xmlns:a16="http://schemas.microsoft.com/office/drawing/2014/main" xmlns="" id="{DA134939-39C0-4522-A125-A13DFDA66490}"/>
+                <a16:creationId xmlns="" xmlns:a16="http://schemas.microsoft.com/office/drawing/2014/main" id="{DA134939-39C0-4522-A125-A13DFDA66490}"/>
               </a:ext>
             </a:extLst>
           </p:cNvPr>
@@ -3147,7 +3147,7 @@
             <a:pPr rtl="0"/>
             <a:fld id="{C61B7B32-8B9D-4D80-9F6E-0970D630EE88}" type="datetime1">
               <a:rPr lang="pt-BR" noProof="0" smtClean="0"/>
-              <a:t>07/05/2021</a:t>
+              <a:t>11/05/2021</a:t>
             </a:fld>
             <a:endParaRPr lang="pt-BR" noProof="0" dirty="0"/>
           </a:p>
@@ -3245,7 +3245,7 @@
           <p:cNvPr id="12" name="Retângulo">
             <a:extLst>
               <a:ext uri="{FF2B5EF4-FFF2-40B4-BE49-F238E27FC236}">
-                <a16:creationId xmlns:a16="http://schemas.microsoft.com/office/drawing/2014/main" xmlns="" id="{F9512BDE-EEA0-404B-8D45-8AA93D61DABC}"/>
+                <a16:creationId xmlns="" xmlns:a16="http://schemas.microsoft.com/office/drawing/2014/main" id="{F9512BDE-EEA0-404B-8D45-8AA93D61DABC}"/>
               </a:ext>
             </a:extLst>
           </p:cNvPr>
@@ -3291,7 +3291,7 @@
           <p:cNvPr id="11" name="Retângulo">
             <a:extLst>
               <a:ext uri="{FF2B5EF4-FFF2-40B4-BE49-F238E27FC236}">
-                <a16:creationId xmlns:a16="http://schemas.microsoft.com/office/drawing/2014/main" xmlns="" id="{E1223535-0F2F-6340-80B9-0B5D9364A13F}"/>
+                <a16:creationId xmlns="" xmlns:a16="http://schemas.microsoft.com/office/drawing/2014/main" id="{E1223535-0F2F-6340-80B9-0B5D9364A13F}"/>
               </a:ext>
             </a:extLst>
           </p:cNvPr>
@@ -3466,7 +3466,7 @@
           <p:cNvPr id="4" name="Espaço Reservado para Data 3">
             <a:extLst>
               <a:ext uri="{FF2B5EF4-FFF2-40B4-BE49-F238E27FC236}">
-                <a16:creationId xmlns:a16="http://schemas.microsoft.com/office/drawing/2014/main" xmlns="" id="{9925CCF1-92C0-4AF3-BFAF-4921631915AB}"/>
+                <a16:creationId xmlns="" xmlns:a16="http://schemas.microsoft.com/office/drawing/2014/main" id="{9925CCF1-92C0-4AF3-BFAF-4921631915AB}"/>
               </a:ext>
             </a:extLst>
           </p:cNvPr>
@@ -3485,7 +3485,7 @@
             <a:pPr rtl="0"/>
             <a:fld id="{FA95F483-0B9E-4DD8-9124-DC336470C76F}" type="datetime1">
               <a:rPr lang="pt-BR" noProof="0" smtClean="0"/>
-              <a:t>07/05/2021</a:t>
+              <a:t>11/05/2021</a:t>
             </a:fld>
             <a:endParaRPr lang="pt-BR" noProof="0" dirty="0"/>
           </a:p>
@@ -3496,7 +3496,7 @@
           <p:cNvPr id="5" name="Espaço Reservado para Rodapé 4">
             <a:extLst>
               <a:ext uri="{FF2B5EF4-FFF2-40B4-BE49-F238E27FC236}">
-                <a16:creationId xmlns:a16="http://schemas.microsoft.com/office/drawing/2014/main" xmlns="" id="{051A78A9-3DFF-4937-A9F2-5D8CF495F367}"/>
+                <a16:creationId xmlns="" xmlns:a16="http://schemas.microsoft.com/office/drawing/2014/main" id="{051A78A9-3DFF-4937-A9F2-5D8CF495F367}"/>
               </a:ext>
             </a:extLst>
           </p:cNvPr>
@@ -3522,7 +3522,7 @@
           <p:cNvPr id="6" name="Espaço Reservado para o Número do Slide 5">
             <a:extLst>
               <a:ext uri="{FF2B5EF4-FFF2-40B4-BE49-F238E27FC236}">
-                <a16:creationId xmlns:a16="http://schemas.microsoft.com/office/drawing/2014/main" xmlns="" id="{5FAEB271-5CC0-4759-BC6E-8BE53AB227C0}"/>
+                <a16:creationId xmlns="" xmlns:a16="http://schemas.microsoft.com/office/drawing/2014/main" id="{5FAEB271-5CC0-4759-BC6E-8BE53AB227C0}"/>
               </a:ext>
             </a:extLst>
           </p:cNvPr>
@@ -3590,7 +3590,7 @@
           <p:cNvPr id="12" name="Retângulo">
             <a:extLst>
               <a:ext uri="{FF2B5EF4-FFF2-40B4-BE49-F238E27FC236}">
-                <a16:creationId xmlns:a16="http://schemas.microsoft.com/office/drawing/2014/main" xmlns="" id="{202A34A5-A029-A246-82C6-D288185EB396}"/>
+                <a16:creationId xmlns="" xmlns:a16="http://schemas.microsoft.com/office/drawing/2014/main" id="{202A34A5-A029-A246-82C6-D288185EB396}"/>
               </a:ext>
             </a:extLst>
           </p:cNvPr>
@@ -3636,7 +3636,7 @@
           <p:cNvPr id="13" name="Retângulo">
             <a:extLst>
               <a:ext uri="{FF2B5EF4-FFF2-40B4-BE49-F238E27FC236}">
-                <a16:creationId xmlns:a16="http://schemas.microsoft.com/office/drawing/2014/main" xmlns="" id="{2773E1D8-C87F-EE46-8284-575DCA498E81}"/>
+                <a16:creationId xmlns="" xmlns:a16="http://schemas.microsoft.com/office/drawing/2014/main" id="{2773E1D8-C87F-EE46-8284-575DCA498E81}"/>
               </a:ext>
             </a:extLst>
           </p:cNvPr>
@@ -3778,7 +3778,7 @@
           <p:cNvPr id="7" name="Espaço Reservado para Data 6">
             <a:extLst>
               <a:ext uri="{FF2B5EF4-FFF2-40B4-BE49-F238E27FC236}">
-                <a16:creationId xmlns:a16="http://schemas.microsoft.com/office/drawing/2014/main" xmlns="" id="{354D8B55-9EA8-4B81-8E84-9B93B0A27559}"/>
+                <a16:creationId xmlns="" xmlns:a16="http://schemas.microsoft.com/office/drawing/2014/main" id="{354D8B55-9EA8-4B81-8E84-9B93B0A27559}"/>
               </a:ext>
             </a:extLst>
           </p:cNvPr>
@@ -3797,7 +3797,7 @@
             <a:pPr rtl="0"/>
             <a:fld id="{E27684DD-BD0D-4412-A976-BC0D80C04437}" type="datetime1">
               <a:rPr lang="pt-BR" noProof="0" smtClean="0"/>
-              <a:t>07/05/2021</a:t>
+              <a:t>11/05/2021</a:t>
             </a:fld>
             <a:endParaRPr lang="pt-BR" noProof="0" dirty="0"/>
           </a:p>
@@ -3808,7 +3808,7 @@
           <p:cNvPr id="8" name="Espaço Reservado para Rodapé 7">
             <a:extLst>
               <a:ext uri="{FF2B5EF4-FFF2-40B4-BE49-F238E27FC236}">
-                <a16:creationId xmlns:a16="http://schemas.microsoft.com/office/drawing/2014/main" xmlns="" id="{062CA021-2578-47CB-822C-BDDFF7223B28}"/>
+                <a16:creationId xmlns="" xmlns:a16="http://schemas.microsoft.com/office/drawing/2014/main" id="{062CA021-2578-47CB-822C-BDDFF7223B28}"/>
               </a:ext>
             </a:extLst>
           </p:cNvPr>
@@ -3834,7 +3834,7 @@
           <p:cNvPr id="9" name="Espaço Reservado para o Número do Slide 8">
             <a:extLst>
               <a:ext uri="{FF2B5EF4-FFF2-40B4-BE49-F238E27FC236}">
-                <a16:creationId xmlns:a16="http://schemas.microsoft.com/office/drawing/2014/main" xmlns="" id="{C4AAB51D-4141-4682-9375-DAFD5FB9DD10}"/>
+                <a16:creationId xmlns="" xmlns:a16="http://schemas.microsoft.com/office/drawing/2014/main" id="{C4AAB51D-4141-4682-9375-DAFD5FB9DD10}"/>
               </a:ext>
             </a:extLst>
           </p:cNvPr>
@@ -3864,7 +3864,7 @@
           <p:cNvPr id="11" name="Espaço Reservado para Título 1">
             <a:extLst>
               <a:ext uri="{FF2B5EF4-FFF2-40B4-BE49-F238E27FC236}">
-                <a16:creationId xmlns:a16="http://schemas.microsoft.com/office/drawing/2014/main" xmlns="" id="{C429A40D-770E-C144-A5B5-6A4442C09C24}"/>
+                <a16:creationId xmlns="" xmlns:a16="http://schemas.microsoft.com/office/drawing/2014/main" id="{C429A40D-770E-C144-A5B5-6A4442C09C24}"/>
               </a:ext>
             </a:extLst>
           </p:cNvPr>
@@ -3945,7 +3945,7 @@
           <p:cNvPr id="15" name="Retângulo">
             <a:extLst>
               <a:ext uri="{FF2B5EF4-FFF2-40B4-BE49-F238E27FC236}">
-                <a16:creationId xmlns:a16="http://schemas.microsoft.com/office/drawing/2014/main" xmlns="" id="{64248D99-2B30-464D-B9B7-4E5C3A1F3FB2}"/>
+                <a16:creationId xmlns="" xmlns:a16="http://schemas.microsoft.com/office/drawing/2014/main" id="{64248D99-2B30-464D-B9B7-4E5C3A1F3FB2}"/>
               </a:ext>
             </a:extLst>
           </p:cNvPr>
@@ -3991,7 +3991,7 @@
           <p:cNvPr id="16" name="Retângulo">
             <a:extLst>
               <a:ext uri="{FF2B5EF4-FFF2-40B4-BE49-F238E27FC236}">
-                <a16:creationId xmlns:a16="http://schemas.microsoft.com/office/drawing/2014/main" xmlns="" id="{3FAFF55B-FDE6-394B-A39B-22627D8FB6EA}"/>
+                <a16:creationId xmlns="" xmlns:a16="http://schemas.microsoft.com/office/drawing/2014/main" id="{3FAFF55B-FDE6-394B-A39B-22627D8FB6EA}"/>
               </a:ext>
             </a:extLst>
           </p:cNvPr>
@@ -4377,7 +4377,7 @@
           <p:cNvPr id="2" name="Espaço Reservado para Data 1">
             <a:extLst>
               <a:ext uri="{FF2B5EF4-FFF2-40B4-BE49-F238E27FC236}">
-                <a16:creationId xmlns:a16="http://schemas.microsoft.com/office/drawing/2014/main" xmlns="" id="{8AF8A515-AA94-45D1-9223-5C2272618D85}"/>
+                <a16:creationId xmlns="" xmlns:a16="http://schemas.microsoft.com/office/drawing/2014/main" id="{8AF8A515-AA94-45D1-9223-5C2272618D85}"/>
               </a:ext>
             </a:extLst>
           </p:cNvPr>
@@ -4396,7 +4396,7 @@
             <a:pPr rtl="0"/>
             <a:fld id="{5D230792-9F8B-479F-B4EA-6C9554157814}" type="datetime1">
               <a:rPr lang="pt-BR" noProof="0" smtClean="0"/>
-              <a:t>07/05/2021</a:t>
+              <a:t>11/05/2021</a:t>
             </a:fld>
             <a:endParaRPr lang="pt-BR" noProof="0" dirty="0"/>
           </a:p>
@@ -4407,7 +4407,7 @@
           <p:cNvPr id="11" name="Espaço Reservado para Rodapé 10">
             <a:extLst>
               <a:ext uri="{FF2B5EF4-FFF2-40B4-BE49-F238E27FC236}">
-                <a16:creationId xmlns:a16="http://schemas.microsoft.com/office/drawing/2014/main" xmlns="" id="{D052F5BC-98E0-4D60-AD67-9547738B7DD4}"/>
+                <a16:creationId xmlns="" xmlns:a16="http://schemas.microsoft.com/office/drawing/2014/main" id="{D052F5BC-98E0-4D60-AD67-9547738B7DD4}"/>
               </a:ext>
             </a:extLst>
           </p:cNvPr>
@@ -4433,7 +4433,7 @@
           <p:cNvPr id="12" name="Espaço Reservado para Número de Slide 11">
             <a:extLst>
               <a:ext uri="{FF2B5EF4-FFF2-40B4-BE49-F238E27FC236}">
-                <a16:creationId xmlns:a16="http://schemas.microsoft.com/office/drawing/2014/main" xmlns="" id="{A38552DC-952E-41EA-AAAF-C2187523C0B0}"/>
+                <a16:creationId xmlns="" xmlns:a16="http://schemas.microsoft.com/office/drawing/2014/main" id="{A38552DC-952E-41EA-AAAF-C2187523C0B0}"/>
               </a:ext>
             </a:extLst>
           </p:cNvPr>
@@ -4463,7 +4463,7 @@
           <p:cNvPr id="17" name="Espaço Reservado para Título 1">
             <a:extLst>
               <a:ext uri="{FF2B5EF4-FFF2-40B4-BE49-F238E27FC236}">
-                <a16:creationId xmlns:a16="http://schemas.microsoft.com/office/drawing/2014/main" xmlns="" id="{99E345E4-E77C-484E-9FBB-E4EC71F08545}"/>
+                <a16:creationId xmlns="" xmlns:a16="http://schemas.microsoft.com/office/drawing/2014/main" id="{99E345E4-E77C-484E-9FBB-E4EC71F08545}"/>
               </a:ext>
             </a:extLst>
           </p:cNvPr>
@@ -4544,7 +4544,7 @@
           <p:cNvPr id="9" name="Retângulo">
             <a:extLst>
               <a:ext uri="{FF2B5EF4-FFF2-40B4-BE49-F238E27FC236}">
-                <a16:creationId xmlns:a16="http://schemas.microsoft.com/office/drawing/2014/main" xmlns="" id="{83ACCAC0-2C8A-CE43-8C55-22BB53C73920}"/>
+                <a16:creationId xmlns="" xmlns:a16="http://schemas.microsoft.com/office/drawing/2014/main" id="{83ACCAC0-2C8A-CE43-8C55-22BB53C73920}"/>
               </a:ext>
             </a:extLst>
           </p:cNvPr>
@@ -4590,7 +4590,7 @@
           <p:cNvPr id="10" name="Retângulo">
             <a:extLst>
               <a:ext uri="{FF2B5EF4-FFF2-40B4-BE49-F238E27FC236}">
-                <a16:creationId xmlns:a16="http://schemas.microsoft.com/office/drawing/2014/main" xmlns="" id="{A400A9BD-AA60-E24D-9FC2-722758C8C933}"/>
+                <a16:creationId xmlns="" xmlns:a16="http://schemas.microsoft.com/office/drawing/2014/main" id="{A400A9BD-AA60-E24D-9FC2-722758C8C933}"/>
               </a:ext>
             </a:extLst>
           </p:cNvPr>
@@ -4644,7 +4644,7 @@
           <p:cNvPr id="6" name="Espaço Reservado para Data 5">
             <a:extLst>
               <a:ext uri="{FF2B5EF4-FFF2-40B4-BE49-F238E27FC236}">
-                <a16:creationId xmlns:a16="http://schemas.microsoft.com/office/drawing/2014/main" xmlns="" id="{7392073F-158F-44A3-8913-917AFFC1BC20}"/>
+                <a16:creationId xmlns="" xmlns:a16="http://schemas.microsoft.com/office/drawing/2014/main" id="{7392073F-158F-44A3-8913-917AFFC1BC20}"/>
               </a:ext>
             </a:extLst>
           </p:cNvPr>
@@ -4663,7 +4663,7 @@
             <a:pPr rtl="0"/>
             <a:fld id="{5368CB05-7649-41F3-8F7B-A06299C7FC72}" type="datetime1">
               <a:rPr lang="pt-BR" noProof="0" smtClean="0"/>
-              <a:t>07/05/2021</a:t>
+              <a:t>11/05/2021</a:t>
             </a:fld>
             <a:endParaRPr lang="pt-BR" noProof="0" dirty="0"/>
           </a:p>
@@ -4674,7 +4674,7 @@
           <p:cNvPr id="7" name="Espaço Reservado para Rodapé 6">
             <a:extLst>
               <a:ext uri="{FF2B5EF4-FFF2-40B4-BE49-F238E27FC236}">
-                <a16:creationId xmlns:a16="http://schemas.microsoft.com/office/drawing/2014/main" xmlns="" id="{EED72207-24CA-42B7-A975-2F8E41CBA904}"/>
+                <a16:creationId xmlns="" xmlns:a16="http://schemas.microsoft.com/office/drawing/2014/main" id="{EED72207-24CA-42B7-A975-2F8E41CBA904}"/>
               </a:ext>
             </a:extLst>
           </p:cNvPr>
@@ -4700,7 +4700,7 @@
           <p:cNvPr id="8" name="Espaço reservado para o número do slide 7">
             <a:extLst>
               <a:ext uri="{FF2B5EF4-FFF2-40B4-BE49-F238E27FC236}">
-                <a16:creationId xmlns:a16="http://schemas.microsoft.com/office/drawing/2014/main" xmlns="" id="{D01080F2-251A-4B88-9A62-16F46D724F83}"/>
+                <a16:creationId xmlns="" xmlns:a16="http://schemas.microsoft.com/office/drawing/2014/main" id="{D01080F2-251A-4B88-9A62-16F46D724F83}"/>
               </a:ext>
             </a:extLst>
           </p:cNvPr>
@@ -4730,7 +4730,7 @@
           <p:cNvPr id="14" name="Espaço Reservado para Título 1">
             <a:extLst>
               <a:ext uri="{FF2B5EF4-FFF2-40B4-BE49-F238E27FC236}">
-                <a16:creationId xmlns:a16="http://schemas.microsoft.com/office/drawing/2014/main" xmlns="" id="{D4076461-FF7A-8843-B7F9-D041F3FB22FC}"/>
+                <a16:creationId xmlns="" xmlns:a16="http://schemas.microsoft.com/office/drawing/2014/main" id="{D4076461-FF7A-8843-B7F9-D041F3FB22FC}"/>
               </a:ext>
             </a:extLst>
           </p:cNvPr>
@@ -4811,7 +4811,7 @@
           <p:cNvPr id="11" name="Retângulo">
             <a:extLst>
               <a:ext uri="{FF2B5EF4-FFF2-40B4-BE49-F238E27FC236}">
-                <a16:creationId xmlns:a16="http://schemas.microsoft.com/office/drawing/2014/main" xmlns="" id="{35FB147F-5DC4-B24C-B8CB-D3DA74290381}"/>
+                <a16:creationId xmlns="" xmlns:a16="http://schemas.microsoft.com/office/drawing/2014/main" id="{35FB147F-5DC4-B24C-B8CB-D3DA74290381}"/>
               </a:ext>
             </a:extLst>
           </p:cNvPr>
@@ -4857,7 +4857,7 @@
           <p:cNvPr id="10" name="Retângulo">
             <a:extLst>
               <a:ext uri="{FF2B5EF4-FFF2-40B4-BE49-F238E27FC236}">
-                <a16:creationId xmlns:a16="http://schemas.microsoft.com/office/drawing/2014/main" xmlns="" id="{A400A9BD-AA60-E24D-9FC2-722758C8C933}"/>
+                <a16:creationId xmlns="" xmlns:a16="http://schemas.microsoft.com/office/drawing/2014/main" id="{A400A9BD-AA60-E24D-9FC2-722758C8C933}"/>
               </a:ext>
             </a:extLst>
           </p:cNvPr>
@@ -4911,7 +4911,7 @@
           <p:cNvPr id="6" name="Espaço Reservado para Data 5">
             <a:extLst>
               <a:ext uri="{FF2B5EF4-FFF2-40B4-BE49-F238E27FC236}">
-                <a16:creationId xmlns:a16="http://schemas.microsoft.com/office/drawing/2014/main" xmlns="" id="{7392073F-158F-44A3-8913-917AFFC1BC20}"/>
+                <a16:creationId xmlns="" xmlns:a16="http://schemas.microsoft.com/office/drawing/2014/main" id="{7392073F-158F-44A3-8913-917AFFC1BC20}"/>
               </a:ext>
             </a:extLst>
           </p:cNvPr>
@@ -4930,7 +4930,7 @@
             <a:pPr rtl="0"/>
             <a:fld id="{26F4223D-1125-49F4-849D-69C7360807E9}" type="datetime1">
               <a:rPr lang="pt-BR" noProof="0" smtClean="0"/>
-              <a:t>07/05/2021</a:t>
+              <a:t>11/05/2021</a:t>
             </a:fld>
             <a:endParaRPr lang="pt-BR" noProof="0" dirty="0"/>
           </a:p>
@@ -4941,7 +4941,7 @@
           <p:cNvPr id="7" name="Espaço Reservado para Rodapé 6">
             <a:extLst>
               <a:ext uri="{FF2B5EF4-FFF2-40B4-BE49-F238E27FC236}">
-                <a16:creationId xmlns:a16="http://schemas.microsoft.com/office/drawing/2014/main" xmlns="" id="{EED72207-24CA-42B7-A975-2F8E41CBA904}"/>
+                <a16:creationId xmlns="" xmlns:a16="http://schemas.microsoft.com/office/drawing/2014/main" id="{EED72207-24CA-42B7-A975-2F8E41CBA904}"/>
               </a:ext>
             </a:extLst>
           </p:cNvPr>
@@ -4967,7 +4967,7 @@
           <p:cNvPr id="8" name="Espaço reservado para o número do slide 7">
             <a:extLst>
               <a:ext uri="{FF2B5EF4-FFF2-40B4-BE49-F238E27FC236}">
-                <a16:creationId xmlns:a16="http://schemas.microsoft.com/office/drawing/2014/main" xmlns="" id="{D01080F2-251A-4B88-9A62-16F46D724F83}"/>
+                <a16:creationId xmlns="" xmlns:a16="http://schemas.microsoft.com/office/drawing/2014/main" id="{D01080F2-251A-4B88-9A62-16F46D724F83}"/>
               </a:ext>
             </a:extLst>
           </p:cNvPr>
@@ -4997,7 +4997,7 @@
           <p:cNvPr id="19" name="Espaço Reservado para Imagem 3">
             <a:extLst>
               <a:ext uri="{FF2B5EF4-FFF2-40B4-BE49-F238E27FC236}">
-                <a16:creationId xmlns:a16="http://schemas.microsoft.com/office/drawing/2014/main" xmlns="" id="{B9308E97-4F89-394E-856A-5B4EFCB2E73D}"/>
+                <a16:creationId xmlns="" xmlns:a16="http://schemas.microsoft.com/office/drawing/2014/main" id="{B9308E97-4F89-394E-856A-5B4EFCB2E73D}"/>
               </a:ext>
             </a:extLst>
           </p:cNvPr>
@@ -5039,7 +5039,7 @@
           <p:cNvPr id="20" name="Espaço Reservado para Imagem 3">
             <a:extLst>
               <a:ext uri="{FF2B5EF4-FFF2-40B4-BE49-F238E27FC236}">
-                <a16:creationId xmlns:a16="http://schemas.microsoft.com/office/drawing/2014/main" xmlns="" id="{A50BECA0-8817-964B-AEDB-A45669684C37}"/>
+                <a16:creationId xmlns="" xmlns:a16="http://schemas.microsoft.com/office/drawing/2014/main" id="{A50BECA0-8817-964B-AEDB-A45669684C37}"/>
               </a:ext>
             </a:extLst>
           </p:cNvPr>
@@ -5081,7 +5081,7 @@
           <p:cNvPr id="21" name="Espaço Reservado para Imagem 3">
             <a:extLst>
               <a:ext uri="{FF2B5EF4-FFF2-40B4-BE49-F238E27FC236}">
-                <a16:creationId xmlns:a16="http://schemas.microsoft.com/office/drawing/2014/main" xmlns="" id="{EF399F4D-B67A-4C4B-BCF3-36FE110603F1}"/>
+                <a16:creationId xmlns="" xmlns:a16="http://schemas.microsoft.com/office/drawing/2014/main" id="{EF399F4D-B67A-4C4B-BCF3-36FE110603F1}"/>
               </a:ext>
             </a:extLst>
           </p:cNvPr>
@@ -5123,7 +5123,7 @@
           <p:cNvPr id="22" name="Espaço Reservado para Texto 3">
             <a:extLst>
               <a:ext uri="{FF2B5EF4-FFF2-40B4-BE49-F238E27FC236}">
-                <a16:creationId xmlns:a16="http://schemas.microsoft.com/office/drawing/2014/main" xmlns="" id="{08305C84-E25F-EC49-8F2B-4C0181FD3ABF}"/>
+                <a16:creationId xmlns="" xmlns:a16="http://schemas.microsoft.com/office/drawing/2014/main" id="{08305C84-E25F-EC49-8F2B-4C0181FD3ABF}"/>
               </a:ext>
             </a:extLst>
           </p:cNvPr>
@@ -5200,7 +5200,7 @@
           <p:cNvPr id="23" name="Espaço Reservado para Texto 3">
             <a:extLst>
               <a:ext uri="{FF2B5EF4-FFF2-40B4-BE49-F238E27FC236}">
-                <a16:creationId xmlns:a16="http://schemas.microsoft.com/office/drawing/2014/main" xmlns="" id="{A57A1FCE-E6BF-3747-9D43-42DBA6656EC0}"/>
+                <a16:creationId xmlns="" xmlns:a16="http://schemas.microsoft.com/office/drawing/2014/main" id="{A57A1FCE-E6BF-3747-9D43-42DBA6656EC0}"/>
               </a:ext>
             </a:extLst>
           </p:cNvPr>
@@ -5277,7 +5277,7 @@
           <p:cNvPr id="24" name="Espaço Reservado para Texto 3">
             <a:extLst>
               <a:ext uri="{FF2B5EF4-FFF2-40B4-BE49-F238E27FC236}">
-                <a16:creationId xmlns:a16="http://schemas.microsoft.com/office/drawing/2014/main" xmlns="" id="{5B4B74C8-96E7-684F-91B9-8CE56CD10F1E}"/>
+                <a16:creationId xmlns="" xmlns:a16="http://schemas.microsoft.com/office/drawing/2014/main" id="{5B4B74C8-96E7-684F-91B9-8CE56CD10F1E}"/>
               </a:ext>
             </a:extLst>
           </p:cNvPr>
@@ -5354,7 +5354,7 @@
           <p:cNvPr id="25" name="Espaço Reservado para Título 1">
             <a:extLst>
               <a:ext uri="{FF2B5EF4-FFF2-40B4-BE49-F238E27FC236}">
-                <a16:creationId xmlns:a16="http://schemas.microsoft.com/office/drawing/2014/main" xmlns="" id="{D522564E-B348-544F-A8E5-CFCAFA48B54B}"/>
+                <a16:creationId xmlns="" xmlns:a16="http://schemas.microsoft.com/office/drawing/2014/main" id="{D522564E-B348-544F-A8E5-CFCAFA48B54B}"/>
               </a:ext>
             </a:extLst>
           </p:cNvPr>
@@ -5435,7 +5435,7 @@
           <p:cNvPr id="2" name="Espaço Reservado para Data 1">
             <a:extLst>
               <a:ext uri="{FF2B5EF4-FFF2-40B4-BE49-F238E27FC236}">
-                <a16:creationId xmlns:a16="http://schemas.microsoft.com/office/drawing/2014/main" xmlns="" id="{94E9223F-721F-47BF-9FD5-0F8D12FF0DE1}"/>
+                <a16:creationId xmlns="" xmlns:a16="http://schemas.microsoft.com/office/drawing/2014/main" id="{94E9223F-721F-47BF-9FD5-0F8D12FF0DE1}"/>
               </a:ext>
             </a:extLst>
           </p:cNvPr>
@@ -5454,7 +5454,7 @@
             <a:pPr rtl="0"/>
             <a:fld id="{6AD52135-AF53-4A9A-A35F-59933B32DBCF}" type="datetime1">
               <a:rPr lang="pt-BR" noProof="0" smtClean="0"/>
-              <a:t>07/05/2021</a:t>
+              <a:t>11/05/2021</a:t>
             </a:fld>
             <a:endParaRPr lang="pt-BR" noProof="0" dirty="0"/>
           </a:p>
@@ -5465,7 +5465,7 @@
           <p:cNvPr id="3" name="Espaço Reservado para Rodapé 2">
             <a:extLst>
               <a:ext uri="{FF2B5EF4-FFF2-40B4-BE49-F238E27FC236}">
-                <a16:creationId xmlns:a16="http://schemas.microsoft.com/office/drawing/2014/main" xmlns="" id="{05915714-6BBA-4593-8591-4E26F7D58D9F}"/>
+                <a16:creationId xmlns="" xmlns:a16="http://schemas.microsoft.com/office/drawing/2014/main" id="{05915714-6BBA-4593-8591-4E26F7D58D9F}"/>
               </a:ext>
             </a:extLst>
           </p:cNvPr>
@@ -5491,7 +5491,7 @@
           <p:cNvPr id="4" name="Espaço reservado para o número do slide 3">
             <a:extLst>
               <a:ext uri="{FF2B5EF4-FFF2-40B4-BE49-F238E27FC236}">
-                <a16:creationId xmlns:a16="http://schemas.microsoft.com/office/drawing/2014/main" xmlns="" id="{BE06F857-D2E1-44DD-ABDD-EBB739645B67}"/>
+                <a16:creationId xmlns="" xmlns:a16="http://schemas.microsoft.com/office/drawing/2014/main" id="{BE06F857-D2E1-44DD-ABDD-EBB739645B67}"/>
               </a:ext>
             </a:extLst>
           </p:cNvPr>
@@ -5559,7 +5559,7 @@
           <p:cNvPr id="2" name="Espaço Reservado para Data 1">
             <a:extLst>
               <a:ext uri="{FF2B5EF4-FFF2-40B4-BE49-F238E27FC236}">
-                <a16:creationId xmlns:a16="http://schemas.microsoft.com/office/drawing/2014/main" xmlns="" id="{94E9223F-721F-47BF-9FD5-0F8D12FF0DE1}"/>
+                <a16:creationId xmlns="" xmlns:a16="http://schemas.microsoft.com/office/drawing/2014/main" id="{94E9223F-721F-47BF-9FD5-0F8D12FF0DE1}"/>
               </a:ext>
             </a:extLst>
           </p:cNvPr>
@@ -5578,7 +5578,7 @@
             <a:pPr rtl="0"/>
             <a:fld id="{7F812BA4-192F-42D6-B515-396E862C1C8F}" type="datetime1">
               <a:rPr lang="pt-BR" noProof="0" smtClean="0"/>
-              <a:t>07/05/2021</a:t>
+              <a:t>11/05/2021</a:t>
             </a:fld>
             <a:endParaRPr lang="pt-BR" noProof="0" dirty="0"/>
           </a:p>
@@ -5589,7 +5589,7 @@
           <p:cNvPr id="3" name="Espaço Reservado para Rodapé 2">
             <a:extLst>
               <a:ext uri="{FF2B5EF4-FFF2-40B4-BE49-F238E27FC236}">
-                <a16:creationId xmlns:a16="http://schemas.microsoft.com/office/drawing/2014/main" xmlns="" id="{05915714-6BBA-4593-8591-4E26F7D58D9F}"/>
+                <a16:creationId xmlns="" xmlns:a16="http://schemas.microsoft.com/office/drawing/2014/main" id="{05915714-6BBA-4593-8591-4E26F7D58D9F}"/>
               </a:ext>
             </a:extLst>
           </p:cNvPr>
@@ -5615,7 +5615,7 @@
           <p:cNvPr id="4" name="Espaço reservado para o número do slide 3">
             <a:extLst>
               <a:ext uri="{FF2B5EF4-FFF2-40B4-BE49-F238E27FC236}">
-                <a16:creationId xmlns:a16="http://schemas.microsoft.com/office/drawing/2014/main" xmlns="" id="{BE06F857-D2E1-44DD-ABDD-EBB739645B67}"/>
+                <a16:creationId xmlns="" xmlns:a16="http://schemas.microsoft.com/office/drawing/2014/main" id="{BE06F857-D2E1-44DD-ABDD-EBB739645B67}"/>
               </a:ext>
             </a:extLst>
           </p:cNvPr>
@@ -5645,7 +5645,7 @@
           <p:cNvPr id="5" name="Retângulo">
             <a:extLst>
               <a:ext uri="{FF2B5EF4-FFF2-40B4-BE49-F238E27FC236}">
-                <a16:creationId xmlns:a16="http://schemas.microsoft.com/office/drawing/2014/main" xmlns="" id="{05BFC727-5650-B049-AA2A-2511C08FB35B}"/>
+                <a16:creationId xmlns="" xmlns:a16="http://schemas.microsoft.com/office/drawing/2014/main" id="{05BFC727-5650-B049-AA2A-2511C08FB35B}"/>
               </a:ext>
             </a:extLst>
           </p:cNvPr>
@@ -5691,7 +5691,7 @@
           <p:cNvPr id="6" name="Retângulo">
             <a:extLst>
               <a:ext uri="{FF2B5EF4-FFF2-40B4-BE49-F238E27FC236}">
-                <a16:creationId xmlns:a16="http://schemas.microsoft.com/office/drawing/2014/main" xmlns="" id="{E700C598-C823-744D-BE16-5114B7625057}"/>
+                <a16:creationId xmlns="" xmlns:a16="http://schemas.microsoft.com/office/drawing/2014/main" id="{E700C598-C823-744D-BE16-5114B7625057}"/>
               </a:ext>
             </a:extLst>
           </p:cNvPr>
@@ -5745,7 +5745,7 @@
           <p:cNvPr id="10" name="Espaço Reservado para Imagem 8">
             <a:extLst>
               <a:ext uri="{FF2B5EF4-FFF2-40B4-BE49-F238E27FC236}">
-                <a16:creationId xmlns:a16="http://schemas.microsoft.com/office/drawing/2014/main" xmlns="" id="{21BED569-C9C5-8F4D-A42A-ED4914579D63}"/>
+                <a16:creationId xmlns="" xmlns:a16="http://schemas.microsoft.com/office/drawing/2014/main" id="{21BED569-C9C5-8F4D-A42A-ED4914579D63}"/>
               </a:ext>
             </a:extLst>
           </p:cNvPr>
@@ -5791,7 +5791,7 @@
           <p:cNvPr id="11" name="Espaço Reservado para Título 1">
             <a:extLst>
               <a:ext uri="{FF2B5EF4-FFF2-40B4-BE49-F238E27FC236}">
-                <a16:creationId xmlns:a16="http://schemas.microsoft.com/office/drawing/2014/main" xmlns="" id="{ACB6E588-2EB7-9A41-A93A-7757596EF9D6}"/>
+                <a16:creationId xmlns="" xmlns:a16="http://schemas.microsoft.com/office/drawing/2014/main" id="{ACB6E588-2EB7-9A41-A93A-7757596EF9D6}"/>
               </a:ext>
             </a:extLst>
           </p:cNvPr>
@@ -5834,7 +5834,7 @@
           <p:cNvPr id="12" name="Espaço Reservado para Conteúdo 3">
             <a:extLst>
               <a:ext uri="{FF2B5EF4-FFF2-40B4-BE49-F238E27FC236}">
-                <a16:creationId xmlns:a16="http://schemas.microsoft.com/office/drawing/2014/main" xmlns="" id="{A6C0FE70-F6BB-3D40-AD3C-E704CABE499C}"/>
+                <a16:creationId xmlns="" xmlns:a16="http://schemas.microsoft.com/office/drawing/2014/main" id="{A6C0FE70-F6BB-3D40-AD3C-E704CABE499C}"/>
               </a:ext>
             </a:extLst>
           </p:cNvPr>
@@ -5997,7 +5997,7 @@
           <p:cNvPr id="2" name="Espaço Reservado para Data 1">
             <a:extLst>
               <a:ext uri="{FF2B5EF4-FFF2-40B4-BE49-F238E27FC236}">
-                <a16:creationId xmlns:a16="http://schemas.microsoft.com/office/drawing/2014/main" xmlns="" id="{94E9223F-721F-47BF-9FD5-0F8D12FF0DE1}"/>
+                <a16:creationId xmlns="" xmlns:a16="http://schemas.microsoft.com/office/drawing/2014/main" id="{94E9223F-721F-47BF-9FD5-0F8D12FF0DE1}"/>
               </a:ext>
             </a:extLst>
           </p:cNvPr>
@@ -6016,7 +6016,7 @@
             <a:pPr rtl="0"/>
             <a:fld id="{A43CB41E-BD29-439B-BF78-A64CBF9A3F58}" type="datetime1">
               <a:rPr lang="pt-BR" noProof="0" smtClean="0"/>
-              <a:t>07/05/2021</a:t>
+              <a:t>11/05/2021</a:t>
             </a:fld>
             <a:endParaRPr lang="pt-BR" noProof="0" dirty="0"/>
           </a:p>
@@ -6027,7 +6027,7 @@
           <p:cNvPr id="3" name="Espaço Reservado para Rodapé 2">
             <a:extLst>
               <a:ext uri="{FF2B5EF4-FFF2-40B4-BE49-F238E27FC236}">
-                <a16:creationId xmlns:a16="http://schemas.microsoft.com/office/drawing/2014/main" xmlns="" id="{05915714-6BBA-4593-8591-4E26F7D58D9F}"/>
+                <a16:creationId xmlns="" xmlns:a16="http://schemas.microsoft.com/office/drawing/2014/main" id="{05915714-6BBA-4593-8591-4E26F7D58D9F}"/>
               </a:ext>
             </a:extLst>
           </p:cNvPr>
@@ -6053,7 +6053,7 @@
           <p:cNvPr id="4" name="Espaço reservado para o número do slide 3">
             <a:extLst>
               <a:ext uri="{FF2B5EF4-FFF2-40B4-BE49-F238E27FC236}">
-                <a16:creationId xmlns:a16="http://schemas.microsoft.com/office/drawing/2014/main" xmlns="" id="{BE06F857-D2E1-44DD-ABDD-EBB739645B67}"/>
+                <a16:creationId xmlns="" xmlns:a16="http://schemas.microsoft.com/office/drawing/2014/main" id="{BE06F857-D2E1-44DD-ABDD-EBB739645B67}"/>
               </a:ext>
             </a:extLst>
           </p:cNvPr>
@@ -6083,7 +6083,7 @@
           <p:cNvPr id="5" name="Retângulo">
             <a:extLst>
               <a:ext uri="{FF2B5EF4-FFF2-40B4-BE49-F238E27FC236}">
-                <a16:creationId xmlns:a16="http://schemas.microsoft.com/office/drawing/2014/main" xmlns="" id="{0AB10FFC-D586-994D-8D3D-F4042255CB72}"/>
+                <a16:creationId xmlns="" xmlns:a16="http://schemas.microsoft.com/office/drawing/2014/main" id="{0AB10FFC-D586-994D-8D3D-F4042255CB72}"/>
               </a:ext>
             </a:extLst>
           </p:cNvPr>
@@ -6129,7 +6129,7 @@
           <p:cNvPr id="6" name="Retângulo">
             <a:extLst>
               <a:ext uri="{FF2B5EF4-FFF2-40B4-BE49-F238E27FC236}">
-                <a16:creationId xmlns:a16="http://schemas.microsoft.com/office/drawing/2014/main" xmlns="" id="{C7B0C08A-E831-D242-B2CE-2DEB004F982F}"/>
+                <a16:creationId xmlns="" xmlns:a16="http://schemas.microsoft.com/office/drawing/2014/main" id="{C7B0C08A-E831-D242-B2CE-2DEB004F982F}"/>
               </a:ext>
             </a:extLst>
           </p:cNvPr>
@@ -6183,7 +6183,7 @@
           <p:cNvPr id="7" name="Conector Reto 6">
             <a:extLst>
               <a:ext uri="{FF2B5EF4-FFF2-40B4-BE49-F238E27FC236}">
-                <a16:creationId xmlns:a16="http://schemas.microsoft.com/office/drawing/2014/main" xmlns="" id="{105C2191-88F7-4148-96FD-E129F707E038}"/>
+                <a16:creationId xmlns="" xmlns:a16="http://schemas.microsoft.com/office/drawing/2014/main" id="{105C2191-88F7-4148-96FD-E129F707E038}"/>
               </a:ext>
             </a:extLst>
           </p:cNvPr>
@@ -6224,7 +6224,7 @@
           <p:cNvPr id="10" name="Espaço Reservado para Título 1">
             <a:extLst>
               <a:ext uri="{FF2B5EF4-FFF2-40B4-BE49-F238E27FC236}">
-                <a16:creationId xmlns:a16="http://schemas.microsoft.com/office/drawing/2014/main" xmlns="" id="{61FB2196-E251-5A40-86F7-6092CEBFA133}"/>
+                <a16:creationId xmlns="" xmlns:a16="http://schemas.microsoft.com/office/drawing/2014/main" id="{61FB2196-E251-5A40-86F7-6092CEBFA133}"/>
               </a:ext>
             </a:extLst>
           </p:cNvPr>
@@ -6267,7 +6267,7 @@
           <p:cNvPr id="12" name="Espaço Reservado para Conteúdo 3">
             <a:extLst>
               <a:ext uri="{FF2B5EF4-FFF2-40B4-BE49-F238E27FC236}">
-                <a16:creationId xmlns:a16="http://schemas.microsoft.com/office/drawing/2014/main" xmlns="" id="{C2FACD1B-0D9C-A547-98A0-D66C341D3D74}"/>
+                <a16:creationId xmlns="" xmlns:a16="http://schemas.microsoft.com/office/drawing/2014/main" id="{C2FACD1B-0D9C-A547-98A0-D66C341D3D74}"/>
               </a:ext>
             </a:extLst>
           </p:cNvPr>
@@ -6386,7 +6386,7 @@
           <p:cNvPr id="11" name="Retângulo">
             <a:extLst>
               <a:ext uri="{FF2B5EF4-FFF2-40B4-BE49-F238E27FC236}">
-                <a16:creationId xmlns:a16="http://schemas.microsoft.com/office/drawing/2014/main" xmlns="" id="{1552108B-1F90-0044-A7D4-0956E919F29A}"/>
+                <a16:creationId xmlns="" xmlns:a16="http://schemas.microsoft.com/office/drawing/2014/main" id="{1552108B-1F90-0044-A7D4-0956E919F29A}"/>
               </a:ext>
             </a:extLst>
           </p:cNvPr>
@@ -6563,7 +6563,7 @@
             <a:pPr rtl="0"/>
             <a:fld id="{B6625A12-B868-480C-9272-328493957447}" type="datetime1">
               <a:rPr lang="pt-BR" noProof="0" smtClean="0"/>
-              <a:t>07/05/2021</a:t>
+              <a:t>11/05/2021</a:t>
             </a:fld>
             <a:endParaRPr lang="pt-BR" noProof="0" dirty="0"/>
           </a:p>
@@ -7050,7 +7050,7 @@
           <p:cNvPr id="4" name="Título 3">
             <a:extLst>
               <a:ext uri="{FF2B5EF4-FFF2-40B4-BE49-F238E27FC236}">
-                <a16:creationId xmlns:a16="http://schemas.microsoft.com/office/drawing/2014/main" xmlns="" id="{5B7AEFB0-51F2-5449-996C-73382891D2F9}"/>
+                <a16:creationId xmlns="" xmlns:a16="http://schemas.microsoft.com/office/drawing/2014/main" id="{5B7AEFB0-51F2-5449-996C-73382891D2F9}"/>
               </a:ext>
             </a:extLst>
           </p:cNvPr>
@@ -7079,7 +7079,7 @@
           <p:cNvPr id="5" name="Subtítulo 4">
             <a:extLst>
               <a:ext uri="{FF2B5EF4-FFF2-40B4-BE49-F238E27FC236}">
-                <a16:creationId xmlns:a16="http://schemas.microsoft.com/office/drawing/2014/main" xmlns="" id="{B0F6D6CF-8D73-6643-A348-53AAE29FD1C2}"/>
+                <a16:creationId xmlns="" xmlns:a16="http://schemas.microsoft.com/office/drawing/2014/main" id="{B0F6D6CF-8D73-6643-A348-53AAE29FD1C2}"/>
               </a:ext>
             </a:extLst>
           </p:cNvPr>
@@ -7119,6 +7119,14 @@
 <file path=ppt/slides/slide10.xml><?xml version="1.0" encoding="utf-8"?>
 <p:sld xmlns:a="http://schemas.openxmlformats.org/drawingml/2006/main" xmlns:r="http://schemas.openxmlformats.org/officeDocument/2006/relationships" xmlns:p="http://schemas.openxmlformats.org/presentationml/2006/main">
   <p:cSld>
+    <p:bg>
+      <p:bgPr>
+        <a:solidFill>
+          <a:srgbClr val="EDEFF7"/>
+        </a:solidFill>
+        <a:effectLst/>
+      </p:bgPr>
+    </p:bg>
     <p:spTree>
       <p:nvGrpSpPr>
         <p:cNvPr id="1" name=""/>
@@ -7133,118 +7141,404 @@
           <a:chExt cx="0" cy="0"/>
         </a:xfrm>
       </p:grpSpPr>
+      <p:sp>
+        <p:nvSpPr>
+          <p:cNvPr id="9" name="Título 8">
+            <a:extLst>
+              <a:ext uri="{FF2B5EF4-FFF2-40B4-BE49-F238E27FC236}">
+                <a16:creationId xmlns="" xmlns:a16="http://schemas.microsoft.com/office/drawing/2014/main" id="{1B6C6BD0-EDC9-7C44-A414-B66D25E34B52}"/>
+              </a:ext>
+            </a:extLst>
+          </p:cNvPr>
+          <p:cNvSpPr>
+            <a:spLocks noGrp="1"/>
+          </p:cNvSpPr>
+          <p:nvPr>
+            <p:ph type="title"/>
+          </p:nvPr>
+        </p:nvSpPr>
+        <p:spPr>
+          <a:xfrm>
+            <a:off x="1097280" y="942871"/>
+            <a:ext cx="10058400" cy="587584"/>
+          </a:xfrm>
+        </p:spPr>
+        <p:txBody>
+          <a:bodyPr rtlCol="0"/>
+          <a:lstStyle/>
+          <a:p>
+            <a:pPr rtl="0"/>
+            <a:r>
+              <a:rPr lang="pt-BR" dirty="0"/>
+              <a:t>Ferramentas</a:t>
+            </a:r>
+          </a:p>
+        </p:txBody>
+      </p:sp>
       <p:pic>
         <p:nvPicPr>
-          <p:cNvPr id="5" name="Espaço Reservado para Conteúdo 4" descr="Gráfico, Gráfico de pizza&#10;&#10;Descrição gerada automaticamente">
-            <a:extLst>
-              <a:ext uri="{FF2B5EF4-FFF2-40B4-BE49-F238E27FC236}">
-                <a16:creationId xmlns:a16="http://schemas.microsoft.com/office/drawing/2014/main" xmlns="" id="{94B89880-C933-4704-871C-40754EAC0B49}"/>
+          <p:cNvPr id="16" name="Imagem 15" descr="Logotipo&#10;&#10;nodejs">
+            <a:extLst>
+              <a:ext uri="{FF2B5EF4-FFF2-40B4-BE49-F238E27FC236}">
+                <a16:creationId xmlns="" xmlns:a16="http://schemas.microsoft.com/office/drawing/2014/main" id="{EBA1AF48-4BAA-4744-B535-7AFE74671335}"/>
               </a:ext>
             </a:extLst>
           </p:cNvPr>
           <p:cNvPicPr>
-            <a:picLocks noGrp="1" noChangeAspect="1"/>
+            <a:picLocks noChangeAspect="1"/>
           </p:cNvPicPr>
-          <p:nvPr>
-            <p:ph type="pic" sz="quarter" idx="13"/>
-          </p:nvPr>
+          <p:nvPr/>
         </p:nvPicPr>
-        <p:blipFill rotWithShape="1">
+        <p:blipFill>
           <a:blip r:embed="rId3"/>
-          <a:stretch/>
+          <a:stretch>
+            <a:fillRect/>
+          </a:stretch>
         </p:blipFill>
         <p:spPr>
           <a:xfrm>
-            <a:off x="5924550" y="1252934"/>
-            <a:ext cx="5632450" cy="4353056"/>
-          </a:xfrm>
-          <a:noFill/>
+            <a:off x="672483" y="1530455"/>
+            <a:ext cx="1646627" cy="1646627"/>
+          </a:xfrm>
+          <a:prstGeom prst="rect">
+            <a:avLst/>
+          </a:prstGeom>
         </p:spPr>
       </p:pic>
-      <p:sp>
-        <p:nvSpPr>
-          <p:cNvPr id="29" name="Título 28">
-            <a:extLst>
-              <a:ext uri="{FF2B5EF4-FFF2-40B4-BE49-F238E27FC236}">
-                <a16:creationId xmlns:a16="http://schemas.microsoft.com/office/drawing/2014/main" xmlns="" id="{F87770D2-E48E-7A42-9413-8C2720FCAC9F}"/>
-              </a:ext>
-            </a:extLst>
-          </p:cNvPr>
-          <p:cNvSpPr>
-            <a:spLocks noGrp="1"/>
-          </p:cNvSpPr>
-          <p:nvPr>
-            <p:ph type="title"/>
-          </p:nvPr>
-        </p:nvSpPr>
+      <p:pic>
+        <p:nvPicPr>
+          <p:cNvPr id="18" name="Imagem 17" descr="react">
+            <a:extLst>
+              <a:ext uri="{FF2B5EF4-FFF2-40B4-BE49-F238E27FC236}">
+                <a16:creationId xmlns="" xmlns:a16="http://schemas.microsoft.com/office/drawing/2014/main" id="{B9466FC1-71DA-4832-A0E2-A8A5B839E898}"/>
+              </a:ext>
+            </a:extLst>
+          </p:cNvPr>
+          <p:cNvPicPr>
+            <a:picLocks noChangeAspect="1"/>
+          </p:cNvPicPr>
+          <p:nvPr/>
+        </p:nvPicPr>
+        <p:blipFill>
+          <a:blip r:embed="rId4"/>
+          <a:stretch>
+            <a:fillRect/>
+          </a:stretch>
+        </p:blipFill>
         <p:spPr>
           <a:xfrm>
-            <a:off x="1195754" y="942870"/>
-            <a:ext cx="4157296" cy="1292750"/>
-          </a:xfrm>
-        </p:spPr>
-        <p:txBody>
-          <a:bodyPr rtlCol="0" anchor="ctr">
-            <a:normAutofit/>
-          </a:bodyPr>
-          <a:lstStyle/>
-          <a:p>
-            <a:pPr rtl="0"/>
-            <a:r>
-              <a:rPr lang="pt-BR" dirty="0"/>
-              <a:t>Conclusão</a:t>
-            </a:r>
-          </a:p>
-        </p:txBody>
-      </p:sp>
-      <p:sp>
-        <p:nvSpPr>
-          <p:cNvPr id="30" name="Espaço Reservado para Conteúdo 29">
-            <a:extLst>
-              <a:ext uri="{FF2B5EF4-FFF2-40B4-BE49-F238E27FC236}">
-                <a16:creationId xmlns:a16="http://schemas.microsoft.com/office/drawing/2014/main" xmlns="" id="{42F24CA9-34C3-CF4E-B2C6-AAC4B1BBA81E}"/>
-              </a:ext>
-            </a:extLst>
-          </p:cNvPr>
-          <p:cNvSpPr>
-            <a:spLocks noGrp="1"/>
-          </p:cNvSpPr>
-          <p:nvPr>
-            <p:ph sz="half" idx="2"/>
-          </p:nvPr>
-        </p:nvSpPr>
+            <a:off x="815002" y="3337464"/>
+            <a:ext cx="1915289" cy="1163003"/>
+          </a:xfrm>
+          <a:prstGeom prst="rect">
+            <a:avLst/>
+          </a:prstGeom>
+        </p:spPr>
+      </p:pic>
+      <p:pic>
+        <p:nvPicPr>
+          <p:cNvPr id="21" name="Imagem 20" descr="Ícone&#10;&#10;Descrição gerada automaticamente">
+            <a:extLst>
+              <a:ext uri="{FF2B5EF4-FFF2-40B4-BE49-F238E27FC236}">
+                <a16:creationId xmlns="" xmlns:a16="http://schemas.microsoft.com/office/drawing/2014/main" id="{B33BC870-8E51-44D4-BEB8-BFF7F2A1B46B}"/>
+              </a:ext>
+            </a:extLst>
+          </p:cNvPr>
+          <p:cNvPicPr>
+            <a:picLocks noChangeAspect="1"/>
+          </p:cNvPicPr>
+          <p:nvPr/>
+        </p:nvPicPr>
+        <p:blipFill>
+          <a:blip r:embed="rId5"/>
+          <a:stretch>
+            <a:fillRect/>
+          </a:stretch>
+        </p:blipFill>
         <p:spPr>
           <a:xfrm>
-            <a:off x="1195754" y="2281657"/>
-            <a:ext cx="4157296" cy="3633471"/>
-          </a:xfrm>
-        </p:spPr>
-        <p:txBody>
-          <a:bodyPr rtlCol="0">
-            <a:normAutofit/>
-          </a:bodyPr>
-          <a:lstStyle/>
-          <a:p>
-            <a:pPr algn="just" rtl="0"/>
-            <a:r>
-              <a:rPr lang="pt-BR" dirty="0"/>
-              <a:t>Foi feito uma pesquisa com familiares e colegas, e é possível mostrar o índice de aprovação </a:t>
-            </a:r>
-            <a:r>
-              <a:rPr lang="pt-BR"/>
-              <a:t>conforme mostrado </a:t>
-            </a:r>
-            <a:r>
-              <a:rPr lang="pt-BR" dirty="0"/>
-              <a:t>no gráfico.</a:t>
-            </a:r>
-          </a:p>
-        </p:txBody>
-      </p:sp>
+            <a:off x="2894357" y="4025582"/>
+            <a:ext cx="1275208" cy="1275208"/>
+          </a:xfrm>
+          <a:prstGeom prst="rect">
+            <a:avLst/>
+          </a:prstGeom>
+        </p:spPr>
+      </p:pic>
+      <p:pic>
+        <p:nvPicPr>
+          <p:cNvPr id="25" name="Imagem 24" descr="Logotipo, nome da empresa&#10;&#10;Descrição gerada automaticamente">
+            <a:extLst>
+              <a:ext uri="{FF2B5EF4-FFF2-40B4-BE49-F238E27FC236}">
+                <a16:creationId xmlns="" xmlns:a16="http://schemas.microsoft.com/office/drawing/2014/main" id="{0D9357A5-A4B9-4228-B31C-AFF00224C94E}"/>
+              </a:ext>
+            </a:extLst>
+          </p:cNvPr>
+          <p:cNvPicPr>
+            <a:picLocks noChangeAspect="1"/>
+          </p:cNvPicPr>
+          <p:nvPr/>
+        </p:nvPicPr>
+        <p:blipFill>
+          <a:blip r:embed="rId6"/>
+          <a:stretch>
+            <a:fillRect/>
+          </a:stretch>
+        </p:blipFill>
+        <p:spPr>
+          <a:xfrm>
+            <a:off x="815002" y="4430726"/>
+            <a:ext cx="3965186" cy="1880159"/>
+          </a:xfrm>
+          <a:prstGeom prst="rect">
+            <a:avLst/>
+          </a:prstGeom>
+        </p:spPr>
+      </p:pic>
+      <p:pic>
+        <p:nvPicPr>
+          <p:cNvPr id="27" name="Imagem 26" descr="Ícone&#10;&#10;Descrição gerada automaticamente">
+            <a:extLst>
+              <a:ext uri="{FF2B5EF4-FFF2-40B4-BE49-F238E27FC236}">
+                <a16:creationId xmlns="" xmlns:a16="http://schemas.microsoft.com/office/drawing/2014/main" id="{F4C53E8A-80FA-46DC-8CA1-82A0A8E8202C}"/>
+              </a:ext>
+            </a:extLst>
+          </p:cNvPr>
+          <p:cNvPicPr>
+            <a:picLocks noChangeAspect="1"/>
+          </p:cNvPicPr>
+          <p:nvPr/>
+        </p:nvPicPr>
+        <p:blipFill>
+          <a:blip r:embed="rId7"/>
+          <a:stretch>
+            <a:fillRect/>
+          </a:stretch>
+        </p:blipFill>
+        <p:spPr>
+          <a:xfrm>
+            <a:off x="3121375" y="2196830"/>
+            <a:ext cx="1066228" cy="1066228"/>
+          </a:xfrm>
+          <a:prstGeom prst="rect">
+            <a:avLst/>
+          </a:prstGeom>
+        </p:spPr>
+      </p:pic>
+      <p:pic>
+        <p:nvPicPr>
+          <p:cNvPr id="30" name="Imagem 29" descr="Interface gráfica do usuário, Aplicativo&#10;&#10;Descrição gerada automaticamente">
+            <a:extLst>
+              <a:ext uri="{FF2B5EF4-FFF2-40B4-BE49-F238E27FC236}">
+                <a16:creationId xmlns="" xmlns:a16="http://schemas.microsoft.com/office/drawing/2014/main" id="{75C8CE5E-2184-437E-8A2A-93D2F200A93F}"/>
+              </a:ext>
+            </a:extLst>
+          </p:cNvPr>
+          <p:cNvPicPr>
+            <a:picLocks noChangeAspect="1"/>
+          </p:cNvPicPr>
+          <p:nvPr/>
+        </p:nvPicPr>
+        <p:blipFill>
+          <a:blip r:embed="rId8"/>
+          <a:stretch>
+            <a:fillRect/>
+          </a:stretch>
+        </p:blipFill>
+        <p:spPr>
+          <a:xfrm>
+            <a:off x="5045045" y="5141188"/>
+            <a:ext cx="1497869" cy="937238"/>
+          </a:xfrm>
+          <a:prstGeom prst="rect">
+            <a:avLst/>
+          </a:prstGeom>
+        </p:spPr>
+      </p:pic>
+      <p:pic>
+        <p:nvPicPr>
+          <p:cNvPr id="32" name="Imagem 31" descr="Ícone&#10;&#10;Descrição gerada automaticamente">
+            <a:extLst>
+              <a:ext uri="{FF2B5EF4-FFF2-40B4-BE49-F238E27FC236}">
+                <a16:creationId xmlns="" xmlns:a16="http://schemas.microsoft.com/office/drawing/2014/main" id="{D4209CDD-C8ED-4C52-8BD8-F54B936CF093}"/>
+              </a:ext>
+            </a:extLst>
+          </p:cNvPr>
+          <p:cNvPicPr>
+            <a:picLocks noChangeAspect="1"/>
+          </p:cNvPicPr>
+          <p:nvPr/>
+        </p:nvPicPr>
+        <p:blipFill>
+          <a:blip r:embed="rId9"/>
+          <a:stretch>
+            <a:fillRect/>
+          </a:stretch>
+        </p:blipFill>
+        <p:spPr>
+          <a:xfrm>
+            <a:off x="6859543" y="4895645"/>
+            <a:ext cx="1685123" cy="1415240"/>
+          </a:xfrm>
+          <a:prstGeom prst="rect">
+            <a:avLst/>
+          </a:prstGeom>
+        </p:spPr>
+      </p:pic>
+      <p:pic>
+        <p:nvPicPr>
+          <p:cNvPr id="34" name="Imagem 33" descr="Ícone&#10;&#10;Descrição gerada automaticamente">
+            <a:extLst>
+              <a:ext uri="{FF2B5EF4-FFF2-40B4-BE49-F238E27FC236}">
+                <a16:creationId xmlns="" xmlns:a16="http://schemas.microsoft.com/office/drawing/2014/main" id="{ECA870FA-D060-4BAA-B0E3-FD50DBF47875}"/>
+              </a:ext>
+            </a:extLst>
+          </p:cNvPr>
+          <p:cNvPicPr>
+            <a:picLocks noChangeAspect="1"/>
+          </p:cNvPicPr>
+          <p:nvPr/>
+        </p:nvPicPr>
+        <p:blipFill>
+          <a:blip r:embed="rId10"/>
+          <a:stretch>
+            <a:fillRect/>
+          </a:stretch>
+        </p:blipFill>
+        <p:spPr>
+          <a:xfrm>
+            <a:off x="4508367" y="3589831"/>
+            <a:ext cx="1073355" cy="1073355"/>
+          </a:xfrm>
+          <a:prstGeom prst="rect">
+            <a:avLst/>
+          </a:prstGeom>
+        </p:spPr>
+      </p:pic>
+      <p:pic>
+        <p:nvPicPr>
+          <p:cNvPr id="37" name="Imagem 36" descr="Desenho de uma pessoa&#10;&#10;Descrição gerada automaticamente com confiança média">
+            <a:extLst>
+              <a:ext uri="{FF2B5EF4-FFF2-40B4-BE49-F238E27FC236}">
+                <a16:creationId xmlns="" xmlns:a16="http://schemas.microsoft.com/office/drawing/2014/main" id="{46C36800-4A8B-4F4F-B931-BADE61554316}"/>
+              </a:ext>
+            </a:extLst>
+          </p:cNvPr>
+          <p:cNvPicPr>
+            <a:picLocks noChangeAspect="1"/>
+          </p:cNvPicPr>
+          <p:nvPr/>
+        </p:nvPicPr>
+        <p:blipFill>
+          <a:blip r:embed="rId11"/>
+          <a:stretch>
+            <a:fillRect/>
+          </a:stretch>
+        </p:blipFill>
+        <p:spPr>
+          <a:xfrm>
+            <a:off x="6096000" y="3596862"/>
+            <a:ext cx="1807210" cy="903605"/>
+          </a:xfrm>
+          <a:prstGeom prst="rect">
+            <a:avLst/>
+          </a:prstGeom>
+        </p:spPr>
+      </p:pic>
+      <p:pic>
+        <p:nvPicPr>
+          <p:cNvPr id="42" name="Imagem 41" descr="Logotipo&#10;&#10;Descrição gerada automaticamente">
+            <a:extLst>
+              <a:ext uri="{FF2B5EF4-FFF2-40B4-BE49-F238E27FC236}">
+                <a16:creationId xmlns="" xmlns:a16="http://schemas.microsoft.com/office/drawing/2014/main" id="{23130236-B090-4134-9EF3-58BEEBA4B67C}"/>
+              </a:ext>
+            </a:extLst>
+          </p:cNvPr>
+          <p:cNvPicPr>
+            <a:picLocks noChangeAspect="1"/>
+          </p:cNvPicPr>
+          <p:nvPr/>
+        </p:nvPicPr>
+        <p:blipFill>
+          <a:blip r:embed="rId12"/>
+          <a:stretch>
+            <a:fillRect/>
+          </a:stretch>
+        </p:blipFill>
+        <p:spPr>
+          <a:xfrm>
+            <a:off x="5080068" y="2202231"/>
+            <a:ext cx="2092823" cy="765733"/>
+          </a:xfrm>
+          <a:prstGeom prst="rect">
+            <a:avLst/>
+          </a:prstGeom>
+        </p:spPr>
+      </p:pic>
+      <p:pic>
+        <p:nvPicPr>
+          <p:cNvPr id="46" name="Imagem 45" descr="Uma imagem contendo Logotipo&#10;&#10;Descrição gerada automaticamente">
+            <a:extLst>
+              <a:ext uri="{FF2B5EF4-FFF2-40B4-BE49-F238E27FC236}">
+                <a16:creationId xmlns="" xmlns:a16="http://schemas.microsoft.com/office/drawing/2014/main" id="{1D9EB583-AA2A-4A44-9B78-7E6F23D97F3B}"/>
+              </a:ext>
+            </a:extLst>
+          </p:cNvPr>
+          <p:cNvPicPr>
+            <a:picLocks noChangeAspect="1"/>
+          </p:cNvPicPr>
+          <p:nvPr/>
+        </p:nvPicPr>
+        <p:blipFill>
+          <a:blip r:embed="rId13"/>
+          <a:stretch>
+            <a:fillRect/>
+          </a:stretch>
+        </p:blipFill>
+        <p:spPr>
+          <a:xfrm>
+            <a:off x="8861295" y="4761892"/>
+            <a:ext cx="2068839" cy="1316534"/>
+          </a:xfrm>
+          <a:prstGeom prst="rect">
+            <a:avLst/>
+          </a:prstGeom>
+        </p:spPr>
+      </p:pic>
+      <p:pic>
+        <p:nvPicPr>
+          <p:cNvPr id="48" name="Imagem 47" descr="Logotipo&#10;&#10;Descrição gerada automaticamente">
+            <a:extLst>
+              <a:ext uri="{FF2B5EF4-FFF2-40B4-BE49-F238E27FC236}">
+                <a16:creationId xmlns="" xmlns:a16="http://schemas.microsoft.com/office/drawing/2014/main" id="{C3C7D096-551A-4472-BD44-45EE78797D7E}"/>
+              </a:ext>
+            </a:extLst>
+          </p:cNvPr>
+          <p:cNvPicPr>
+            <a:picLocks noChangeAspect="1"/>
+          </p:cNvPicPr>
+          <p:nvPr/>
+        </p:nvPicPr>
+        <p:blipFill>
+          <a:blip r:embed="rId14"/>
+          <a:stretch>
+            <a:fillRect/>
+          </a:stretch>
+        </p:blipFill>
+        <p:spPr>
+          <a:xfrm>
+            <a:off x="8006410" y="2930802"/>
+            <a:ext cx="2343777" cy="1294130"/>
+          </a:xfrm>
+          <a:prstGeom prst="rect">
+            <a:avLst/>
+          </a:prstGeom>
+        </p:spPr>
+      </p:pic>
     </p:spTree>
     <p:extLst>
       <p:ext uri="{BB962C8B-B14F-4D97-AF65-F5344CB8AC3E}">
-        <p14:creationId xmlns:p14="http://schemas.microsoft.com/office/powerpoint/2010/main" val="3171150445"/>
+        <p14:creationId xmlns:p14="http://schemas.microsoft.com/office/powerpoint/2010/main" val="1640389276"/>
       </p:ext>
     </p:extLst>
   </p:cSld>
@@ -7326,20 +7620,20 @@
             </a:r>
             <a:r>
               <a:rPr lang="pt-BR" dirty="0"/>
-              <a:t>. 51 exercícios resolvidos. </a:t>
-            </a:r>
-          </a:p>
-          <a:p>
-            <a:endParaRPr lang="pt-BR" dirty="0" smtClean="0"/>
-          </a:p>
-          <a:p>
+              <a:t>. 51 exercícios resolvidos. 2019</a:t>
+            </a:r>
             <a:r>
               <a:rPr lang="pt-BR" dirty="0" smtClean="0"/>
-              <a:t>PRESMAN</a:t>
-            </a:r>
+              <a:t>.</a:t>
+            </a:r>
+          </a:p>
+          <a:p>
+            <a:endParaRPr lang="pt-BR" dirty="0"/>
+          </a:p>
+          <a:p>
             <a:r>
               <a:rPr lang="pt-BR" dirty="0"/>
-              <a:t>, Roger. </a:t>
+              <a:t>PRESSMAN, Roger. </a:t>
             </a:r>
             <a:r>
               <a:rPr lang="pt-BR" b="1" dirty="0"/>
@@ -7347,20 +7641,20 @@
             </a:r>
             <a:r>
               <a:rPr lang="pt-BR" dirty="0"/>
-              <a:t>: Uma abordagem profissional. 7° ed. AMGH, 2011</a:t>
-            </a:r>
-          </a:p>
-          <a:p>
-            <a:endParaRPr lang="pt-BR" dirty="0" smtClean="0"/>
-          </a:p>
-          <a:p>
+              <a:t>: Uma abordagem profissional. 7° ed. AMGH, </a:t>
+            </a:r>
             <a:r>
               <a:rPr lang="pt-BR" dirty="0" smtClean="0"/>
-              <a:t>SUMMERVILLE</a:t>
-            </a:r>
+              <a:t>2011</a:t>
+            </a:r>
+          </a:p>
+          <a:p>
+            <a:endParaRPr lang="pt-BR" dirty="0"/>
+          </a:p>
+          <a:p>
             <a:r>
               <a:rPr lang="pt-BR" dirty="0"/>
-              <a:t>, Ian. </a:t>
+              <a:t>SOMMERVILLE, Ian. </a:t>
             </a:r>
             <a:r>
               <a:rPr lang="pt-BR" b="1" dirty="0"/>
@@ -7368,20 +7662,20 @@
             </a:r>
             <a:r>
               <a:rPr lang="pt-BR" dirty="0"/>
-              <a:t>. 6° ed. Pearson, 2003</a:t>
-            </a:r>
-          </a:p>
-          <a:p>
-            <a:endParaRPr lang="pt-BR" dirty="0" smtClean="0"/>
-          </a:p>
-          <a:p>
+              <a:t>. 6° ed. Pearson, </a:t>
+            </a:r>
             <a:r>
               <a:rPr lang="pt-BR" dirty="0" smtClean="0"/>
-              <a:t>OpenJS</a:t>
-            </a:r>
+              <a:t>2013</a:t>
+            </a:r>
+          </a:p>
+          <a:p>
+            <a:endParaRPr lang="pt-BR" dirty="0"/>
+          </a:p>
+          <a:p>
             <a:r>
               <a:rPr lang="pt-BR" dirty="0"/>
-              <a:t>, Foundation. Nodejs, 2009. </a:t>
+              <a:t>OpenJS, Foundation. Nodejs, 2009. </a:t>
             </a:r>
             <a:r>
               <a:rPr lang="pt-BR" b="1" dirty="0"/>
@@ -7399,20 +7693,20 @@
             </a:r>
             <a:r>
               <a:rPr lang="pt-BR" dirty="0"/>
-              <a:t>&gt;, 13, abril, 2021</a:t>
-            </a:r>
-          </a:p>
-          <a:p>
-            <a:endParaRPr lang="pt-BR" dirty="0" smtClean="0"/>
-          </a:p>
-          <a:p>
+              <a:t>&gt;, 13, abril, </a:t>
+            </a:r>
             <a:r>
               <a:rPr lang="pt-BR" dirty="0" smtClean="0"/>
-              <a:t>Facebook </a:t>
-            </a:r>
+              <a:t>2021</a:t>
+            </a:r>
+          </a:p>
+          <a:p>
+            <a:endParaRPr lang="pt-BR" dirty="0"/>
+          </a:p>
+          <a:p>
             <a:r>
               <a:rPr lang="pt-BR" dirty="0"/>
-              <a:t>Open Source. React, 2003. </a:t>
+              <a:t>Facebook Open Source. React, 2003. </a:t>
             </a:r>
             <a:r>
               <a:rPr lang="pt-BR" b="1" dirty="0"/>
@@ -7476,7 +7770,7 @@
           <p:cNvPr id="19" name="Título 18">
             <a:extLst>
               <a:ext uri="{FF2B5EF4-FFF2-40B4-BE49-F238E27FC236}">
-                <a16:creationId xmlns:a16="http://schemas.microsoft.com/office/drawing/2014/main" xmlns="" id="{55BA9AC8-EA60-644D-9DDA-B76203EA1E87}"/>
+                <a16:creationId xmlns="" xmlns:a16="http://schemas.microsoft.com/office/drawing/2014/main" id="{55BA9AC8-EA60-644D-9DDA-B76203EA1E87}"/>
               </a:ext>
             </a:extLst>
           </p:cNvPr>
@@ -7509,7 +7803,7 @@
           <p:cNvPr id="17" name="Espaço Reservado para Conteúdo 16">
             <a:extLst>
               <a:ext uri="{FF2B5EF4-FFF2-40B4-BE49-F238E27FC236}">
-                <a16:creationId xmlns:a16="http://schemas.microsoft.com/office/drawing/2014/main" xmlns="" id="{8E7591AD-81F4-2E45-AE36-F4DA40C19031}"/>
+                <a16:creationId xmlns="" xmlns:a16="http://schemas.microsoft.com/office/drawing/2014/main" id="{8E7591AD-81F4-2E45-AE36-F4DA40C19031}"/>
               </a:ext>
             </a:extLst>
           </p:cNvPr>
@@ -7610,7 +7904,7 @@
           <p:cNvPr id="4" name="Título 3">
             <a:extLst>
               <a:ext uri="{FF2B5EF4-FFF2-40B4-BE49-F238E27FC236}">
-                <a16:creationId xmlns:a16="http://schemas.microsoft.com/office/drawing/2014/main" xmlns="" id="{E5E51183-D0D9-A74B-94F0-9EC0104A75F3}"/>
+                <a16:creationId xmlns="" xmlns:a16="http://schemas.microsoft.com/office/drawing/2014/main" id="{E5E51183-D0D9-A74B-94F0-9EC0104A75F3}"/>
               </a:ext>
             </a:extLst>
           </p:cNvPr>
@@ -7655,7 +7949,7 @@
           <p:cNvPr id="5" name="Espaço Reservado para Conteúdo 4">
             <a:extLst>
               <a:ext uri="{FF2B5EF4-FFF2-40B4-BE49-F238E27FC236}">
-                <a16:creationId xmlns:a16="http://schemas.microsoft.com/office/drawing/2014/main" xmlns="" id="{319ED1B1-6FE0-FA43-95C4-366DBD1F1305}"/>
+                <a16:creationId xmlns="" xmlns:a16="http://schemas.microsoft.com/office/drawing/2014/main" id="{319ED1B1-6FE0-FA43-95C4-366DBD1F1305}"/>
               </a:ext>
             </a:extLst>
           </p:cNvPr>
@@ -7773,7 +8067,7 @@
           <p:cNvPr id="8" name="Título 7">
             <a:extLst>
               <a:ext uri="{FF2B5EF4-FFF2-40B4-BE49-F238E27FC236}">
-                <a16:creationId xmlns:a16="http://schemas.microsoft.com/office/drawing/2014/main" xmlns="" id="{900900CD-B943-934F-857F-30AA913FE9D9}"/>
+                <a16:creationId xmlns="" xmlns:a16="http://schemas.microsoft.com/office/drawing/2014/main" id="{900900CD-B943-934F-857F-30AA913FE9D9}"/>
               </a:ext>
             </a:extLst>
           </p:cNvPr>
@@ -7803,7 +8097,7 @@
           <p:cNvPr id="12" name="Espaço Reservado para Conteúdo 11">
             <a:extLst>
               <a:ext uri="{FF2B5EF4-FFF2-40B4-BE49-F238E27FC236}">
-                <a16:creationId xmlns:a16="http://schemas.microsoft.com/office/drawing/2014/main" xmlns="" id="{2A09EEBC-5E2C-D240-A5D6-6952B8392E49}"/>
+                <a16:creationId xmlns="" xmlns:a16="http://schemas.microsoft.com/office/drawing/2014/main" id="{2A09EEBC-5E2C-D240-A5D6-6952B8392E49}"/>
               </a:ext>
             </a:extLst>
           </p:cNvPr>
@@ -7895,7 +8189,7 @@
           <p:cNvPr id="5" name="Espaço Reservado para Imagem 4" descr="Ícone&#10;&#10;Descrição gerada automaticamente">
             <a:extLst>
               <a:ext uri="{FF2B5EF4-FFF2-40B4-BE49-F238E27FC236}">
-                <a16:creationId xmlns:a16="http://schemas.microsoft.com/office/drawing/2014/main" xmlns="" id="{E5503DD1-CD1C-43E7-A376-59ADD99335DC}"/>
+                <a16:creationId xmlns="" xmlns:a16="http://schemas.microsoft.com/office/drawing/2014/main" id="{E5503DD1-CD1C-43E7-A376-59ADD99335DC}"/>
               </a:ext>
             </a:extLst>
           </p:cNvPr>
@@ -7954,7 +8248,7 @@
           <p:cNvPr id="7" name="Imagem 6" descr="Desenho de personagem de desenho animado&#10;&#10;Descrição gerada automaticamente com confiança média">
             <a:extLst>
               <a:ext uri="{FF2B5EF4-FFF2-40B4-BE49-F238E27FC236}">
-                <a16:creationId xmlns:a16="http://schemas.microsoft.com/office/drawing/2014/main" xmlns="" id="{5A75D33D-EAFD-4416-9ED0-B0BFAF217D9B}"/>
+                <a16:creationId xmlns="" xmlns:a16="http://schemas.microsoft.com/office/drawing/2014/main" id="{5A75D33D-EAFD-4416-9ED0-B0BFAF217D9B}"/>
               </a:ext>
             </a:extLst>
           </p:cNvPr>
@@ -8051,7 +8345,7 @@
           <p:cNvPr id="8" name="Título 15">
             <a:extLst>
               <a:ext uri="{FF2B5EF4-FFF2-40B4-BE49-F238E27FC236}">
-                <a16:creationId xmlns:a16="http://schemas.microsoft.com/office/drawing/2014/main" xmlns="" id="{3995AF21-A1CC-4CFB-A4FA-6A1C1BF7E93F}"/>
+                <a16:creationId xmlns="" xmlns:a16="http://schemas.microsoft.com/office/drawing/2014/main" id="{3995AF21-A1CC-4CFB-A4FA-6A1C1BF7E93F}"/>
               </a:ext>
             </a:extLst>
           </p:cNvPr>
@@ -8108,7 +8402,7 @@
           <p:cNvPr id="4" name="Imagem 3">
             <a:extLst>
               <a:ext uri="{FF2B5EF4-FFF2-40B4-BE49-F238E27FC236}">
-                <a16:creationId xmlns:a16="http://schemas.microsoft.com/office/drawing/2014/main" xmlns="" id="{94E27E98-6B54-4897-B644-2F7075793D53}"/>
+                <a16:creationId xmlns="" xmlns:a16="http://schemas.microsoft.com/office/drawing/2014/main" id="{94E27E98-6B54-4897-B644-2F7075793D53}"/>
               </a:ext>
             </a:extLst>
           </p:cNvPr>
@@ -8177,7 +8471,7 @@
           <p:cNvPr id="5" name="Espaço Reservado para Conteúdo 4" descr="Diagrama&#10;&#10;Descrição gerada automaticamente">
             <a:extLst>
               <a:ext uri="{FF2B5EF4-FFF2-40B4-BE49-F238E27FC236}">
-                <a16:creationId xmlns:a16="http://schemas.microsoft.com/office/drawing/2014/main" xmlns="" id="{D8226A16-4FCA-4538-9259-EC9F83CF2206}"/>
+                <a16:creationId xmlns="" xmlns:a16="http://schemas.microsoft.com/office/drawing/2014/main" id="{D8226A16-4FCA-4538-9259-EC9F83CF2206}"/>
               </a:ext>
             </a:extLst>
           </p:cNvPr>
@@ -8206,7 +8500,7 @@
           <p:cNvPr id="8" name="Título 15">
             <a:extLst>
               <a:ext uri="{FF2B5EF4-FFF2-40B4-BE49-F238E27FC236}">
-                <a16:creationId xmlns:a16="http://schemas.microsoft.com/office/drawing/2014/main" xmlns="" id="{3995AF21-A1CC-4CFB-A4FA-6A1C1BF7E93F}"/>
+                <a16:creationId xmlns="" xmlns:a16="http://schemas.microsoft.com/office/drawing/2014/main" id="{3995AF21-A1CC-4CFB-A4FA-6A1C1BF7E93F}"/>
               </a:ext>
             </a:extLst>
           </p:cNvPr>
@@ -8294,7 +8588,7 @@
           <p:cNvPr id="16" name="Título 15">
             <a:extLst>
               <a:ext uri="{FF2B5EF4-FFF2-40B4-BE49-F238E27FC236}">
-                <a16:creationId xmlns:a16="http://schemas.microsoft.com/office/drawing/2014/main" xmlns="" id="{09E9EE2C-A105-614C-A133-EF7DF2AD004A}"/>
+                <a16:creationId xmlns="" xmlns:a16="http://schemas.microsoft.com/office/drawing/2014/main" id="{09E9EE2C-A105-614C-A133-EF7DF2AD004A}"/>
               </a:ext>
             </a:extLst>
           </p:cNvPr>
@@ -8328,7 +8622,7 @@
           <p:cNvPr id="7" name="Imagem 6" descr="Diagrama&#10;&#10;Descrição gerada automaticamente">
             <a:extLst>
               <a:ext uri="{FF2B5EF4-FFF2-40B4-BE49-F238E27FC236}">
-                <a16:creationId xmlns:a16="http://schemas.microsoft.com/office/drawing/2014/main" xmlns="" id="{F51C3F5C-E405-4431-9A89-C99AE1A76134}"/>
+                <a16:creationId xmlns="" xmlns:a16="http://schemas.microsoft.com/office/drawing/2014/main" id="{F51C3F5C-E405-4431-9A89-C99AE1A76134}"/>
               </a:ext>
             </a:extLst>
           </p:cNvPr>
@@ -8388,7 +8682,7 @@
           <p:cNvPr id="2" name="Título 1">
             <a:extLst>
               <a:ext uri="{FF2B5EF4-FFF2-40B4-BE49-F238E27FC236}">
-                <a16:creationId xmlns:a16="http://schemas.microsoft.com/office/drawing/2014/main" xmlns="" id="{D2CD59CD-1242-F149-AB16-9D02E7C89131}"/>
+                <a16:creationId xmlns="" xmlns:a16="http://schemas.microsoft.com/office/drawing/2014/main" id="{D2CD59CD-1242-F149-AB16-9D02E7C89131}"/>
               </a:ext>
             </a:extLst>
           </p:cNvPr>
@@ -8417,7 +8711,7 @@
           <p:cNvPr id="12" name="Espaço Reservado para Conteúdo 11" descr="Diagrama&#10;&#10;Descrição gerada automaticamente">
             <a:extLst>
               <a:ext uri="{FF2B5EF4-FFF2-40B4-BE49-F238E27FC236}">
-                <a16:creationId xmlns:a16="http://schemas.microsoft.com/office/drawing/2014/main" xmlns="" id="{7560ADDB-44C2-49EB-8A3D-077D345FE03C}"/>
+                <a16:creationId xmlns="" xmlns:a16="http://schemas.microsoft.com/office/drawing/2014/main" id="{7560ADDB-44C2-49EB-8A3D-077D345FE03C}"/>
               </a:ext>
             </a:extLst>
           </p:cNvPr>
@@ -8446,7 +8740,7 @@
           <p:cNvPr id="10" name="Espaço Reservado para Conteúdo 9" descr="Diagrama&#10;&#10;Descrição gerada automaticamente">
             <a:extLst>
               <a:ext uri="{FF2B5EF4-FFF2-40B4-BE49-F238E27FC236}">
-                <a16:creationId xmlns:a16="http://schemas.microsoft.com/office/drawing/2014/main" xmlns="" id="{95537439-F13C-46EB-B579-5C6FBAF190CB}"/>
+                <a16:creationId xmlns="" xmlns:a16="http://schemas.microsoft.com/office/drawing/2014/main" id="{95537439-F13C-46EB-B579-5C6FBAF190CB}"/>
               </a:ext>
             </a:extLst>
           </p:cNvPr>
@@ -8486,14 +8780,6 @@
 <file path=ppt/slides/slide9.xml><?xml version="1.0" encoding="utf-8"?>
 <p:sld xmlns:a="http://schemas.openxmlformats.org/drawingml/2006/main" xmlns:r="http://schemas.openxmlformats.org/officeDocument/2006/relationships" xmlns:p="http://schemas.openxmlformats.org/presentationml/2006/main">
   <p:cSld>
-    <p:bg>
-      <p:bgPr>
-        <a:solidFill>
-          <a:srgbClr val="EDEFF7"/>
-        </a:solidFill>
-        <a:effectLst/>
-      </p:bgPr>
-    </p:bg>
     <p:spTree>
       <p:nvGrpSpPr>
         <p:cNvPr id="1" name=""/>
@@ -8508,404 +8794,118 @@
           <a:chExt cx="0" cy="0"/>
         </a:xfrm>
       </p:grpSpPr>
-      <p:sp>
-        <p:nvSpPr>
-          <p:cNvPr id="9" name="Título 8">
-            <a:extLst>
-              <a:ext uri="{FF2B5EF4-FFF2-40B4-BE49-F238E27FC236}">
-                <a16:creationId xmlns:a16="http://schemas.microsoft.com/office/drawing/2014/main" xmlns="" id="{1B6C6BD0-EDC9-7C44-A414-B66D25E34B52}"/>
-              </a:ext>
-            </a:extLst>
-          </p:cNvPr>
-          <p:cNvSpPr>
-            <a:spLocks noGrp="1"/>
-          </p:cNvSpPr>
-          <p:nvPr>
-            <p:ph type="title"/>
-          </p:nvPr>
-        </p:nvSpPr>
-        <p:spPr>
-          <a:xfrm>
-            <a:off x="1097280" y="942871"/>
-            <a:ext cx="10058400" cy="587584"/>
-          </a:xfrm>
-        </p:spPr>
-        <p:txBody>
-          <a:bodyPr rtlCol="0"/>
-          <a:lstStyle/>
-          <a:p>
-            <a:pPr rtl="0"/>
-            <a:r>
-              <a:rPr lang="pt-BR" dirty="0"/>
-              <a:t>Ferramentas</a:t>
-            </a:r>
-          </a:p>
-        </p:txBody>
-      </p:sp>
       <p:pic>
         <p:nvPicPr>
-          <p:cNvPr id="16" name="Imagem 15" descr="Logotipo&#10;&#10;nodejs">
-            <a:extLst>
-              <a:ext uri="{FF2B5EF4-FFF2-40B4-BE49-F238E27FC236}">
-                <a16:creationId xmlns:a16="http://schemas.microsoft.com/office/drawing/2014/main" xmlns="" id="{EBA1AF48-4BAA-4744-B535-7AFE74671335}"/>
+          <p:cNvPr id="5" name="Espaço Reservado para Conteúdo 4" descr="Gráfico, Gráfico de pizza&#10;&#10;Descrição gerada automaticamente">
+            <a:extLst>
+              <a:ext uri="{FF2B5EF4-FFF2-40B4-BE49-F238E27FC236}">
+                <a16:creationId xmlns="" xmlns:a16="http://schemas.microsoft.com/office/drawing/2014/main" id="{94B89880-C933-4704-871C-40754EAC0B49}"/>
               </a:ext>
             </a:extLst>
           </p:cNvPr>
           <p:cNvPicPr>
-            <a:picLocks noChangeAspect="1"/>
+            <a:picLocks noGrp="1" noChangeAspect="1"/>
           </p:cNvPicPr>
-          <p:nvPr/>
+          <p:nvPr>
+            <p:ph type="pic" sz="quarter" idx="13"/>
+          </p:nvPr>
         </p:nvPicPr>
-        <p:blipFill>
+        <p:blipFill rotWithShape="1">
           <a:blip r:embed="rId3"/>
-          <a:stretch>
-            <a:fillRect/>
-          </a:stretch>
+          <a:stretch/>
         </p:blipFill>
         <p:spPr>
           <a:xfrm>
-            <a:off x="672483" y="1530455"/>
-            <a:ext cx="1646627" cy="1646627"/>
-          </a:xfrm>
-          <a:prstGeom prst="rect">
-            <a:avLst/>
-          </a:prstGeom>
+            <a:off x="5924550" y="1252934"/>
+            <a:ext cx="5632450" cy="4353056"/>
+          </a:xfrm>
+          <a:noFill/>
         </p:spPr>
       </p:pic>
-      <p:pic>
-        <p:nvPicPr>
-          <p:cNvPr id="18" name="Imagem 17" descr="react">
-            <a:extLst>
-              <a:ext uri="{FF2B5EF4-FFF2-40B4-BE49-F238E27FC236}">
-                <a16:creationId xmlns:a16="http://schemas.microsoft.com/office/drawing/2014/main" xmlns="" id="{B9466FC1-71DA-4832-A0E2-A8A5B839E898}"/>
-              </a:ext>
-            </a:extLst>
-          </p:cNvPr>
-          <p:cNvPicPr>
-            <a:picLocks noChangeAspect="1"/>
-          </p:cNvPicPr>
-          <p:nvPr/>
-        </p:nvPicPr>
-        <p:blipFill>
-          <a:blip r:embed="rId4"/>
-          <a:stretch>
-            <a:fillRect/>
-          </a:stretch>
-        </p:blipFill>
+      <p:sp>
+        <p:nvSpPr>
+          <p:cNvPr id="29" name="Título 28">
+            <a:extLst>
+              <a:ext uri="{FF2B5EF4-FFF2-40B4-BE49-F238E27FC236}">
+                <a16:creationId xmlns="" xmlns:a16="http://schemas.microsoft.com/office/drawing/2014/main" id="{F87770D2-E48E-7A42-9413-8C2720FCAC9F}"/>
+              </a:ext>
+            </a:extLst>
+          </p:cNvPr>
+          <p:cNvSpPr>
+            <a:spLocks noGrp="1"/>
+          </p:cNvSpPr>
+          <p:nvPr>
+            <p:ph type="title"/>
+          </p:nvPr>
+        </p:nvSpPr>
         <p:spPr>
           <a:xfrm>
-            <a:off x="815002" y="3337464"/>
-            <a:ext cx="1915289" cy="1163003"/>
-          </a:xfrm>
-          <a:prstGeom prst="rect">
-            <a:avLst/>
-          </a:prstGeom>
-        </p:spPr>
-      </p:pic>
-      <p:pic>
-        <p:nvPicPr>
-          <p:cNvPr id="21" name="Imagem 20" descr="Ícone&#10;&#10;Descrição gerada automaticamente">
-            <a:extLst>
-              <a:ext uri="{FF2B5EF4-FFF2-40B4-BE49-F238E27FC236}">
-                <a16:creationId xmlns:a16="http://schemas.microsoft.com/office/drawing/2014/main" xmlns="" id="{B33BC870-8E51-44D4-BEB8-BFF7F2A1B46B}"/>
-              </a:ext>
-            </a:extLst>
-          </p:cNvPr>
-          <p:cNvPicPr>
-            <a:picLocks noChangeAspect="1"/>
-          </p:cNvPicPr>
-          <p:nvPr/>
-        </p:nvPicPr>
-        <p:blipFill>
-          <a:blip r:embed="rId5"/>
-          <a:stretch>
-            <a:fillRect/>
-          </a:stretch>
-        </p:blipFill>
+            <a:off x="1195754" y="942870"/>
+            <a:ext cx="4157296" cy="1292750"/>
+          </a:xfrm>
+        </p:spPr>
+        <p:txBody>
+          <a:bodyPr rtlCol="0" anchor="ctr">
+            <a:normAutofit/>
+          </a:bodyPr>
+          <a:lstStyle/>
+          <a:p>
+            <a:pPr rtl="0"/>
+            <a:r>
+              <a:rPr lang="pt-BR" dirty="0"/>
+              <a:t>Conclusão</a:t>
+            </a:r>
+          </a:p>
+        </p:txBody>
+      </p:sp>
+      <p:sp>
+        <p:nvSpPr>
+          <p:cNvPr id="30" name="Espaço Reservado para Conteúdo 29">
+            <a:extLst>
+              <a:ext uri="{FF2B5EF4-FFF2-40B4-BE49-F238E27FC236}">
+                <a16:creationId xmlns="" xmlns:a16="http://schemas.microsoft.com/office/drawing/2014/main" id="{42F24CA9-34C3-CF4E-B2C6-AAC4B1BBA81E}"/>
+              </a:ext>
+            </a:extLst>
+          </p:cNvPr>
+          <p:cNvSpPr>
+            <a:spLocks noGrp="1"/>
+          </p:cNvSpPr>
+          <p:nvPr>
+            <p:ph sz="half" idx="2"/>
+          </p:nvPr>
+        </p:nvSpPr>
         <p:spPr>
           <a:xfrm>
-            <a:off x="2894357" y="4025582"/>
-            <a:ext cx="1275208" cy="1275208"/>
-          </a:xfrm>
-          <a:prstGeom prst="rect">
-            <a:avLst/>
-          </a:prstGeom>
-        </p:spPr>
-      </p:pic>
-      <p:pic>
-        <p:nvPicPr>
-          <p:cNvPr id="25" name="Imagem 24" descr="Logotipo, nome da empresa&#10;&#10;Descrição gerada automaticamente">
-            <a:extLst>
-              <a:ext uri="{FF2B5EF4-FFF2-40B4-BE49-F238E27FC236}">
-                <a16:creationId xmlns:a16="http://schemas.microsoft.com/office/drawing/2014/main" xmlns="" id="{0D9357A5-A4B9-4228-B31C-AFF00224C94E}"/>
-              </a:ext>
-            </a:extLst>
-          </p:cNvPr>
-          <p:cNvPicPr>
-            <a:picLocks noChangeAspect="1"/>
-          </p:cNvPicPr>
-          <p:nvPr/>
-        </p:nvPicPr>
-        <p:blipFill>
-          <a:blip r:embed="rId6"/>
-          <a:stretch>
-            <a:fillRect/>
-          </a:stretch>
-        </p:blipFill>
-        <p:spPr>
-          <a:xfrm>
-            <a:off x="815002" y="4430726"/>
-            <a:ext cx="3965186" cy="1880159"/>
-          </a:xfrm>
-          <a:prstGeom prst="rect">
-            <a:avLst/>
-          </a:prstGeom>
-        </p:spPr>
-      </p:pic>
-      <p:pic>
-        <p:nvPicPr>
-          <p:cNvPr id="27" name="Imagem 26" descr="Ícone&#10;&#10;Descrição gerada automaticamente">
-            <a:extLst>
-              <a:ext uri="{FF2B5EF4-FFF2-40B4-BE49-F238E27FC236}">
-                <a16:creationId xmlns:a16="http://schemas.microsoft.com/office/drawing/2014/main" xmlns="" id="{F4C53E8A-80FA-46DC-8CA1-82A0A8E8202C}"/>
-              </a:ext>
-            </a:extLst>
-          </p:cNvPr>
-          <p:cNvPicPr>
-            <a:picLocks noChangeAspect="1"/>
-          </p:cNvPicPr>
-          <p:nvPr/>
-        </p:nvPicPr>
-        <p:blipFill>
-          <a:blip r:embed="rId7"/>
-          <a:stretch>
-            <a:fillRect/>
-          </a:stretch>
-        </p:blipFill>
-        <p:spPr>
-          <a:xfrm>
-            <a:off x="3121375" y="2196830"/>
-            <a:ext cx="1066228" cy="1066228"/>
-          </a:xfrm>
-          <a:prstGeom prst="rect">
-            <a:avLst/>
-          </a:prstGeom>
-        </p:spPr>
-      </p:pic>
-      <p:pic>
-        <p:nvPicPr>
-          <p:cNvPr id="30" name="Imagem 29" descr="Interface gráfica do usuário, Aplicativo&#10;&#10;Descrição gerada automaticamente">
-            <a:extLst>
-              <a:ext uri="{FF2B5EF4-FFF2-40B4-BE49-F238E27FC236}">
-                <a16:creationId xmlns:a16="http://schemas.microsoft.com/office/drawing/2014/main" xmlns="" id="{75C8CE5E-2184-437E-8A2A-93D2F200A93F}"/>
-              </a:ext>
-            </a:extLst>
-          </p:cNvPr>
-          <p:cNvPicPr>
-            <a:picLocks noChangeAspect="1"/>
-          </p:cNvPicPr>
-          <p:nvPr/>
-        </p:nvPicPr>
-        <p:blipFill>
-          <a:blip r:embed="rId8"/>
-          <a:stretch>
-            <a:fillRect/>
-          </a:stretch>
-        </p:blipFill>
-        <p:spPr>
-          <a:xfrm>
-            <a:off x="5045045" y="5141188"/>
-            <a:ext cx="1497869" cy="937238"/>
-          </a:xfrm>
-          <a:prstGeom prst="rect">
-            <a:avLst/>
-          </a:prstGeom>
-        </p:spPr>
-      </p:pic>
-      <p:pic>
-        <p:nvPicPr>
-          <p:cNvPr id="32" name="Imagem 31" descr="Ícone&#10;&#10;Descrição gerada automaticamente">
-            <a:extLst>
-              <a:ext uri="{FF2B5EF4-FFF2-40B4-BE49-F238E27FC236}">
-                <a16:creationId xmlns:a16="http://schemas.microsoft.com/office/drawing/2014/main" xmlns="" id="{D4209CDD-C8ED-4C52-8BD8-F54B936CF093}"/>
-              </a:ext>
-            </a:extLst>
-          </p:cNvPr>
-          <p:cNvPicPr>
-            <a:picLocks noChangeAspect="1"/>
-          </p:cNvPicPr>
-          <p:nvPr/>
-        </p:nvPicPr>
-        <p:blipFill>
-          <a:blip r:embed="rId9"/>
-          <a:stretch>
-            <a:fillRect/>
-          </a:stretch>
-        </p:blipFill>
-        <p:spPr>
-          <a:xfrm>
-            <a:off x="6859543" y="4895645"/>
-            <a:ext cx="1685123" cy="1415240"/>
-          </a:xfrm>
-          <a:prstGeom prst="rect">
-            <a:avLst/>
-          </a:prstGeom>
-        </p:spPr>
-      </p:pic>
-      <p:pic>
-        <p:nvPicPr>
-          <p:cNvPr id="34" name="Imagem 33" descr="Ícone&#10;&#10;Descrição gerada automaticamente">
-            <a:extLst>
-              <a:ext uri="{FF2B5EF4-FFF2-40B4-BE49-F238E27FC236}">
-                <a16:creationId xmlns:a16="http://schemas.microsoft.com/office/drawing/2014/main" xmlns="" id="{ECA870FA-D060-4BAA-B0E3-FD50DBF47875}"/>
-              </a:ext>
-            </a:extLst>
-          </p:cNvPr>
-          <p:cNvPicPr>
-            <a:picLocks noChangeAspect="1"/>
-          </p:cNvPicPr>
-          <p:nvPr/>
-        </p:nvPicPr>
-        <p:blipFill>
-          <a:blip r:embed="rId10"/>
-          <a:stretch>
-            <a:fillRect/>
-          </a:stretch>
-        </p:blipFill>
-        <p:spPr>
-          <a:xfrm>
-            <a:off x="4508367" y="3589831"/>
-            <a:ext cx="1073355" cy="1073355"/>
-          </a:xfrm>
-          <a:prstGeom prst="rect">
-            <a:avLst/>
-          </a:prstGeom>
-        </p:spPr>
-      </p:pic>
-      <p:pic>
-        <p:nvPicPr>
-          <p:cNvPr id="37" name="Imagem 36" descr="Desenho de uma pessoa&#10;&#10;Descrição gerada automaticamente com confiança média">
-            <a:extLst>
-              <a:ext uri="{FF2B5EF4-FFF2-40B4-BE49-F238E27FC236}">
-                <a16:creationId xmlns:a16="http://schemas.microsoft.com/office/drawing/2014/main" xmlns="" id="{46C36800-4A8B-4F4F-B931-BADE61554316}"/>
-              </a:ext>
-            </a:extLst>
-          </p:cNvPr>
-          <p:cNvPicPr>
-            <a:picLocks noChangeAspect="1"/>
-          </p:cNvPicPr>
-          <p:nvPr/>
-        </p:nvPicPr>
-        <p:blipFill>
-          <a:blip r:embed="rId11"/>
-          <a:stretch>
-            <a:fillRect/>
-          </a:stretch>
-        </p:blipFill>
-        <p:spPr>
-          <a:xfrm>
-            <a:off x="6096000" y="3596862"/>
-            <a:ext cx="1807210" cy="903605"/>
-          </a:xfrm>
-          <a:prstGeom prst="rect">
-            <a:avLst/>
-          </a:prstGeom>
-        </p:spPr>
-      </p:pic>
-      <p:pic>
-        <p:nvPicPr>
-          <p:cNvPr id="42" name="Imagem 41" descr="Logotipo&#10;&#10;Descrição gerada automaticamente">
-            <a:extLst>
-              <a:ext uri="{FF2B5EF4-FFF2-40B4-BE49-F238E27FC236}">
-                <a16:creationId xmlns:a16="http://schemas.microsoft.com/office/drawing/2014/main" xmlns="" id="{23130236-B090-4134-9EF3-58BEEBA4B67C}"/>
-              </a:ext>
-            </a:extLst>
-          </p:cNvPr>
-          <p:cNvPicPr>
-            <a:picLocks noChangeAspect="1"/>
-          </p:cNvPicPr>
-          <p:nvPr/>
-        </p:nvPicPr>
-        <p:blipFill>
-          <a:blip r:embed="rId12"/>
-          <a:stretch>
-            <a:fillRect/>
-          </a:stretch>
-        </p:blipFill>
-        <p:spPr>
-          <a:xfrm>
-            <a:off x="5080068" y="2202231"/>
-            <a:ext cx="2092823" cy="765733"/>
-          </a:xfrm>
-          <a:prstGeom prst="rect">
-            <a:avLst/>
-          </a:prstGeom>
-        </p:spPr>
-      </p:pic>
-      <p:pic>
-        <p:nvPicPr>
-          <p:cNvPr id="46" name="Imagem 45" descr="Uma imagem contendo Logotipo&#10;&#10;Descrição gerada automaticamente">
-            <a:extLst>
-              <a:ext uri="{FF2B5EF4-FFF2-40B4-BE49-F238E27FC236}">
-                <a16:creationId xmlns:a16="http://schemas.microsoft.com/office/drawing/2014/main" xmlns="" id="{1D9EB583-AA2A-4A44-9B78-7E6F23D97F3B}"/>
-              </a:ext>
-            </a:extLst>
-          </p:cNvPr>
-          <p:cNvPicPr>
-            <a:picLocks noChangeAspect="1"/>
-          </p:cNvPicPr>
-          <p:nvPr/>
-        </p:nvPicPr>
-        <p:blipFill>
-          <a:blip r:embed="rId13"/>
-          <a:stretch>
-            <a:fillRect/>
-          </a:stretch>
-        </p:blipFill>
-        <p:spPr>
-          <a:xfrm>
-            <a:off x="8861295" y="4761892"/>
-            <a:ext cx="2068839" cy="1316534"/>
-          </a:xfrm>
-          <a:prstGeom prst="rect">
-            <a:avLst/>
-          </a:prstGeom>
-        </p:spPr>
-      </p:pic>
-      <p:pic>
-        <p:nvPicPr>
-          <p:cNvPr id="48" name="Imagem 47" descr="Logotipo&#10;&#10;Descrição gerada automaticamente">
-            <a:extLst>
-              <a:ext uri="{FF2B5EF4-FFF2-40B4-BE49-F238E27FC236}">
-                <a16:creationId xmlns:a16="http://schemas.microsoft.com/office/drawing/2014/main" xmlns="" id="{C3C7D096-551A-4472-BD44-45EE78797D7E}"/>
-              </a:ext>
-            </a:extLst>
-          </p:cNvPr>
-          <p:cNvPicPr>
-            <a:picLocks noChangeAspect="1"/>
-          </p:cNvPicPr>
-          <p:nvPr/>
-        </p:nvPicPr>
-        <p:blipFill>
-          <a:blip r:embed="rId14"/>
-          <a:stretch>
-            <a:fillRect/>
-          </a:stretch>
-        </p:blipFill>
-        <p:spPr>
-          <a:xfrm>
-            <a:off x="8006410" y="2930802"/>
-            <a:ext cx="2343777" cy="1294130"/>
-          </a:xfrm>
-          <a:prstGeom prst="rect">
-            <a:avLst/>
-          </a:prstGeom>
-        </p:spPr>
-      </p:pic>
+            <a:off x="1195754" y="2281657"/>
+            <a:ext cx="4157296" cy="3633471"/>
+          </a:xfrm>
+        </p:spPr>
+        <p:txBody>
+          <a:bodyPr rtlCol="0">
+            <a:normAutofit/>
+          </a:bodyPr>
+          <a:lstStyle/>
+          <a:p>
+            <a:pPr algn="just" rtl="0"/>
+            <a:r>
+              <a:rPr lang="pt-BR" dirty="0"/>
+              <a:t>Foi feito uma pesquisa com familiares e colegas, e é possível mostrar o índice de aprovação </a:t>
+            </a:r>
+            <a:r>
+              <a:rPr lang="pt-BR"/>
+              <a:t>conforme mostrado </a:t>
+            </a:r>
+            <a:r>
+              <a:rPr lang="pt-BR" dirty="0"/>
+              <a:t>no gráfico.</a:t>
+            </a:r>
+          </a:p>
+        </p:txBody>
+      </p:sp>
     </p:spTree>
     <p:extLst>
       <p:ext uri="{BB962C8B-B14F-4D97-AF65-F5344CB8AC3E}">
-        <p14:creationId xmlns:p14="http://schemas.microsoft.com/office/powerpoint/2010/main" val="1640389276"/>
+        <p14:creationId xmlns:p14="http://schemas.microsoft.com/office/powerpoint/2010/main" val="3171150445"/>
       </p:ext>
     </p:extLst>
   </p:cSld>
@@ -9192,7 +9192,7 @@
   <a:extraClrSchemeLst/>
   <a:extLst>
     <a:ext uri="{05A4C25C-085E-4340-85A3-A5531E510DB2}">
-      <thm15:themeFamily xmlns:thm15="http://schemas.microsoft.com/office/thememl/2012/main" xmlns="" name="Office_42167388_TF22318419.potx" id="{41277046-092E-49B8-A86C-C49293541265}" vid="{7E72C3F1-4A8D-4A8B-95D8-B9B51976FFA9}"/>
+      <thm15:themeFamily xmlns="" xmlns:thm15="http://schemas.microsoft.com/office/thememl/2012/main" name="Office_42167388_TF22318419.potx" id="{41277046-092E-49B8-A86C-C49293541265}" vid="{7E72C3F1-4A8D-4A8B-95D8-B9B51976FFA9}"/>
     </a:ext>
   </a:extLst>
 </a:theme>
@@ -9453,7 +9453,7 @@
   <a:extraClrSchemeLst/>
   <a:extLst>
     <a:ext uri="{05A4C25C-085E-4340-85A3-A5531E510DB2}">
-      <thm15:themeFamily xmlns:thm15="http://schemas.microsoft.com/office/thememl/2012/main" xmlns="" name="Office Theme" id="{62F939B6-93AF-4DB8-9C6B-D6C7DFDC589F}" vid="{4A3C46E8-61CC-4603-A589-7422A47A8E4A}"/>
+      <thm15:themeFamily xmlns="" xmlns:thm15="http://schemas.microsoft.com/office/thememl/2012/main" name="Office Theme" id="{62F939B6-93AF-4DB8-9C6B-D6C7DFDC589F}" vid="{4A3C46E8-61CC-4603-A589-7422A47A8E4A}"/>
     </a:ext>
   </a:extLst>
 </a:theme>
@@ -9714,7 +9714,7 @@
   <a:extraClrSchemeLst/>
   <a:extLst>
     <a:ext uri="{05A4C25C-085E-4340-85A3-A5531E510DB2}">
-      <thm15:themeFamily xmlns:thm15="http://schemas.microsoft.com/office/thememl/2012/main" xmlns="" name="Office Theme" id="{62F939B6-93AF-4DB8-9C6B-D6C7DFDC589F}" vid="{4A3C46E8-61CC-4603-A589-7422A47A8E4A}"/>
+      <thm15:themeFamily xmlns="" xmlns:thm15="http://schemas.microsoft.com/office/thememl/2012/main" name="Office Theme" id="{62F939B6-93AF-4DB8-9C6B-D6C7DFDC589F}" vid="{4A3C46E8-61CC-4603-A589-7422A47A8E4A}"/>
     </a:ext>
   </a:extLst>
 </a:theme>
